--- a/Visual Analytics.pptx
+++ b/Visual Analytics.pptx
@@ -5,7 +5,7 @@
     <p:sldMasterId id="2147483648" r:id="rId1"/>
   </p:sldMasterIdLst>
   <p:notesMasterIdLst>
-    <p:notesMasterId r:id="rId27"/>
+    <p:notesMasterId r:id="rId26"/>
   </p:notesMasterIdLst>
   <p:sldIdLst>
     <p:sldId id="265" r:id="rId2"/>
@@ -29,10 +29,9 @@
     <p:sldId id="337" r:id="rId20"/>
     <p:sldId id="338" r:id="rId21"/>
     <p:sldId id="340" r:id="rId22"/>
-    <p:sldId id="339" r:id="rId23"/>
-    <p:sldId id="336" r:id="rId24"/>
-    <p:sldId id="319" r:id="rId25"/>
-    <p:sldId id="314" r:id="rId26"/>
+    <p:sldId id="336" r:id="rId23"/>
+    <p:sldId id="319" r:id="rId24"/>
+    <p:sldId id="314" r:id="rId25"/>
   </p:sldIdLst>
   <p:sldSz cx="12192000" cy="6858000"/>
   <p:notesSz cx="6858000" cy="9144000"/>
@@ -221,7 +220,7 @@
           <a:p>
             <a:fld id="{76A9D10F-851A-4A79-A264-929A5BDC4C08}" type="datetimeFigureOut">
               <a:rPr lang="it-IT" smtClean="0"/>
-              <a:t>27/12/2023</a:t>
+              <a:t>20/01/2024</a:t>
             </a:fld>
             <a:endParaRPr lang="it-IT"/>
           </a:p>
@@ -526,7 +525,7 @@
           <a:ln/>
           <a:extLst>
             <a:ext uri="{FAA26D3D-D897-4be2-8F04-BA451C77F1D7}">
-              <ma14:placeholderFlag xmlns="" xmlns:ma14="http://schemas.microsoft.com/office/mac/drawingml/2011/main" val="1"/>
+              <ma14:placeholderFlag xmlns:ma14="http://schemas.microsoft.com/office/mac/drawingml/2011/main" xmlns="" val="1"/>
             </a:ext>
           </a:extLst>
         </p:spPr>
@@ -1437,7 +1436,7 @@
     </p:spTree>
     <p:extLst>
       <p:ext uri="{BB962C8B-B14F-4D97-AF65-F5344CB8AC3E}">
-        <p14:creationId xmlns:p14="http://schemas.microsoft.com/office/powerpoint/2010/main" val="1238637945"/>
+        <p14:creationId xmlns:p14="http://schemas.microsoft.com/office/powerpoint/2010/main" val="2889460221"/>
       </p:ext>
     </p:extLst>
   </p:cSld>
@@ -1498,7 +1497,7 @@
     </p:spTree>
     <p:extLst>
       <p:ext uri="{BB962C8B-B14F-4D97-AF65-F5344CB8AC3E}">
-        <p14:creationId xmlns:p14="http://schemas.microsoft.com/office/powerpoint/2010/main" val="2889460221"/>
+        <p14:creationId xmlns:p14="http://schemas.microsoft.com/office/powerpoint/2010/main" val="3708258757"/>
       </p:ext>
     </p:extLst>
   </p:cSld>
@@ -1509,67 +1508,6 @@
 </file>
 
 <file path=ppt/notesSlides/notesSlide24.xml><?xml version="1.0" encoding="utf-8"?>
-<p:notes xmlns:a="http://schemas.openxmlformats.org/drawingml/2006/main" xmlns:r="http://schemas.openxmlformats.org/officeDocument/2006/relationships" xmlns:p="http://schemas.openxmlformats.org/presentationml/2006/main">
-  <p:cSld>
-    <p:spTree>
-      <p:nvGrpSpPr>
-        <p:cNvPr id="1" name=""/>
-        <p:cNvGrpSpPr/>
-        <p:nvPr/>
-      </p:nvGrpSpPr>
-      <p:grpSpPr>
-        <a:xfrm>
-          <a:off x="0" y="0"/>
-          <a:ext cx="0" cy="0"/>
-          <a:chOff x="0" y="0"/>
-          <a:chExt cx="0" cy="0"/>
-        </a:xfrm>
-      </p:grpSpPr>
-      <p:sp>
-        <p:nvSpPr>
-          <p:cNvPr id="2" name="Segnaposto immagine diapositiva 1"/>
-          <p:cNvSpPr>
-            <a:spLocks noGrp="1" noRot="1" noChangeAspect="1"/>
-          </p:cNvSpPr>
-          <p:nvPr>
-            <p:ph type="sldImg"/>
-          </p:nvPr>
-        </p:nvSpPr>
-        <p:spPr/>
-      </p:sp>
-      <p:sp>
-        <p:nvSpPr>
-          <p:cNvPr id="3" name="Segnaposto note 2"/>
-          <p:cNvSpPr>
-            <a:spLocks noGrp="1"/>
-          </p:cNvSpPr>
-          <p:nvPr>
-            <p:ph type="body" idx="1"/>
-          </p:nvPr>
-        </p:nvSpPr>
-        <p:spPr/>
-        <p:txBody>
-          <a:bodyPr/>
-          <a:lstStyle/>
-          <a:p>
-            <a:endParaRPr lang="it-IT" dirty="0"/>
-          </a:p>
-        </p:txBody>
-      </p:sp>
-    </p:spTree>
-    <p:extLst>
-      <p:ext uri="{BB962C8B-B14F-4D97-AF65-F5344CB8AC3E}">
-        <p14:creationId xmlns:p14="http://schemas.microsoft.com/office/powerpoint/2010/main" val="3708258757"/>
-      </p:ext>
-    </p:extLst>
-  </p:cSld>
-  <p:clrMapOvr>
-    <a:masterClrMapping/>
-  </p:clrMapOvr>
-</p:notes>
-</file>
-
-<file path=ppt/notesSlides/notesSlide25.xml><?xml version="1.0" encoding="utf-8"?>
 <p:notes xmlns:a="http://schemas.openxmlformats.org/drawingml/2006/main" xmlns:r="http://schemas.openxmlformats.org/officeDocument/2006/relationships" xmlns:p="http://schemas.openxmlformats.org/presentationml/2006/main">
   <p:cSld>
     <p:spTree>
@@ -2206,7 +2144,7 @@
           <a:p>
             <a:fld id="{8EB6065D-7731-4525-AC99-D31380634F16}" type="datetimeFigureOut">
               <a:rPr lang="it-IT" smtClean="0"/>
-              <a:t>27/12/2023</a:t>
+              <a:t>20/01/2024</a:t>
             </a:fld>
             <a:endParaRPr lang="it-IT"/>
           </a:p>
@@ -2406,7 +2344,7 @@
           <a:p>
             <a:fld id="{8EB6065D-7731-4525-AC99-D31380634F16}" type="datetimeFigureOut">
               <a:rPr lang="it-IT" smtClean="0"/>
-              <a:t>27/12/2023</a:t>
+              <a:t>20/01/2024</a:t>
             </a:fld>
             <a:endParaRPr lang="it-IT"/>
           </a:p>
@@ -2616,7 +2554,7 @@
           <a:p>
             <a:fld id="{8EB6065D-7731-4525-AC99-D31380634F16}" type="datetimeFigureOut">
               <a:rPr lang="it-IT" smtClean="0"/>
-              <a:t>27/12/2023</a:t>
+              <a:t>20/01/2024</a:t>
             </a:fld>
             <a:endParaRPr lang="it-IT"/>
           </a:p>
@@ -2816,7 +2754,7 @@
           <a:p>
             <a:fld id="{8EB6065D-7731-4525-AC99-D31380634F16}" type="datetimeFigureOut">
               <a:rPr lang="it-IT" smtClean="0"/>
-              <a:t>27/12/2023</a:t>
+              <a:t>20/01/2024</a:t>
             </a:fld>
             <a:endParaRPr lang="it-IT"/>
           </a:p>
@@ -3092,7 +3030,7 @@
           <a:p>
             <a:fld id="{8EB6065D-7731-4525-AC99-D31380634F16}" type="datetimeFigureOut">
               <a:rPr lang="it-IT" smtClean="0"/>
-              <a:t>27/12/2023</a:t>
+              <a:t>20/01/2024</a:t>
             </a:fld>
             <a:endParaRPr lang="it-IT"/>
           </a:p>
@@ -3360,7 +3298,7 @@
           <a:p>
             <a:fld id="{8EB6065D-7731-4525-AC99-D31380634F16}" type="datetimeFigureOut">
               <a:rPr lang="it-IT" smtClean="0"/>
-              <a:t>27/12/2023</a:t>
+              <a:t>20/01/2024</a:t>
             </a:fld>
             <a:endParaRPr lang="it-IT"/>
           </a:p>
@@ -3775,7 +3713,7 @@
           <a:p>
             <a:fld id="{8EB6065D-7731-4525-AC99-D31380634F16}" type="datetimeFigureOut">
               <a:rPr lang="it-IT" smtClean="0"/>
-              <a:t>27/12/2023</a:t>
+              <a:t>20/01/2024</a:t>
             </a:fld>
             <a:endParaRPr lang="it-IT"/>
           </a:p>
@@ -3917,7 +3855,7 @@
           <a:p>
             <a:fld id="{8EB6065D-7731-4525-AC99-D31380634F16}" type="datetimeFigureOut">
               <a:rPr lang="it-IT" smtClean="0"/>
-              <a:t>27/12/2023</a:t>
+              <a:t>20/01/2024</a:t>
             </a:fld>
             <a:endParaRPr lang="it-IT"/>
           </a:p>
@@ -4030,7 +3968,7 @@
           <a:p>
             <a:fld id="{8EB6065D-7731-4525-AC99-D31380634F16}" type="datetimeFigureOut">
               <a:rPr lang="it-IT" smtClean="0"/>
-              <a:t>27/12/2023</a:t>
+              <a:t>20/01/2024</a:t>
             </a:fld>
             <a:endParaRPr lang="it-IT"/>
           </a:p>
@@ -4343,7 +4281,7 @@
           <a:p>
             <a:fld id="{8EB6065D-7731-4525-AC99-D31380634F16}" type="datetimeFigureOut">
               <a:rPr lang="it-IT" smtClean="0"/>
-              <a:t>27/12/2023</a:t>
+              <a:t>20/01/2024</a:t>
             </a:fld>
             <a:endParaRPr lang="it-IT"/>
           </a:p>
@@ -4632,7 +4570,7 @@
           <a:p>
             <a:fld id="{8EB6065D-7731-4525-AC99-D31380634F16}" type="datetimeFigureOut">
               <a:rPr lang="it-IT" smtClean="0"/>
-              <a:t>27/12/2023</a:t>
+              <a:t>20/01/2024</a:t>
             </a:fld>
             <a:endParaRPr lang="it-IT"/>
           </a:p>
@@ -4875,7 +4813,7 @@
           <a:p>
             <a:fld id="{8EB6065D-7731-4525-AC99-D31380634F16}" type="datetimeFigureOut">
               <a:rPr lang="it-IT" smtClean="0"/>
-              <a:t>27/12/2023</a:t>
+              <a:t>20/01/2024</a:t>
             </a:fld>
             <a:endParaRPr lang="it-IT"/>
           </a:p>
@@ -5326,7 +5264,7 @@
           <a:effectLst/>
           <a:extLst>
             <a:ext uri="{AF507438-7753-43e0-B8FC-AC1667EBCBE1}">
-              <a14:hiddenEffects xmlns="" xmlns:a14="http://schemas.microsoft.com/office/drawing/2010/main">
+              <a14:hiddenEffects xmlns:a14="http://schemas.microsoft.com/office/drawing/2010/main" xmlns="">
                 <a:effectLst>
                   <a:outerShdw blurRad="63500" dist="38099" dir="2700000" algn="ctr" rotWithShape="0">
                     <a:srgbClr val="000000">
@@ -7347,8 +7285,8 @@
         </p:nvSpPr>
         <p:spPr>
           <a:xfrm>
-            <a:off x="297024" y="1582340"/>
-            <a:ext cx="11597951" cy="3693319"/>
+            <a:off x="297024" y="1859339"/>
+            <a:ext cx="11597951" cy="3139321"/>
           </a:xfrm>
           <a:prstGeom prst="rect">
             <a:avLst/>
@@ -7384,10 +7322,7 @@
             </a:endParaRPr>
           </a:p>
           <a:p>
-            <a:pPr marL="742950" lvl="1" indent="-285750" algn="l">
-              <a:buFont typeface="+mj-lt"/>
-              <a:buAutoNum type="arabicPeriod"/>
-            </a:pPr>
+            <a:pPr lvl="1" algn="l"/>
             <a:r>
               <a:rPr lang="en-US" b="0" i="0" dirty="0">
                 <a:solidFill>
@@ -7400,10 +7335,7 @@
             </a:r>
           </a:p>
           <a:p>
-            <a:pPr marL="742950" lvl="1" indent="-285750" algn="l">
-              <a:buFont typeface="+mj-lt"/>
-              <a:buAutoNum type="arabicPeriod"/>
-            </a:pPr>
+            <a:pPr lvl="1" algn="l"/>
             <a:r>
               <a:rPr lang="en-US" b="0" i="0" dirty="0">
                 <a:solidFill>
@@ -7436,40 +7368,7 @@
             </a:r>
           </a:p>
           <a:p>
-            <a:pPr algn="l">
-              <a:buFont typeface="+mj-lt"/>
-              <a:buAutoNum type="arabicPeriod"/>
-            </a:pPr>
-            <a:r>
-              <a:rPr lang="en-US" b="1" i="0" dirty="0">
-                <a:solidFill>
-                  <a:srgbClr val="374151"/>
-                </a:solidFill>
-                <a:effectLst/>
-                <a:latin typeface="Söhne"/>
-              </a:rPr>
-              <a:t>Mouseover on </a:t>
-            </a:r>
-            <a:r>
-              <a:rPr lang="en-US" b="1" i="0" dirty="0" err="1">
-                <a:solidFill>
-                  <a:srgbClr val="374151"/>
-                </a:solidFill>
-                <a:effectLst/>
-                <a:latin typeface="Söhne"/>
-              </a:rPr>
-              <a:t>ScatterPlot</a:t>
-            </a:r>
-            <a:r>
-              <a:rPr lang="en-US" b="1" i="0" dirty="0">
-                <a:solidFill>
-                  <a:srgbClr val="374151"/>
-                </a:solidFill>
-                <a:effectLst/>
-                <a:latin typeface="Söhne"/>
-              </a:rPr>
-              <a:t> Elements:</a:t>
-            </a:r>
+            <a:pPr lvl="1" algn="l"/>
             <a:endParaRPr lang="en-US" b="0" i="0" dirty="0">
               <a:solidFill>
                 <a:srgbClr val="374151"/>
@@ -7479,22 +7378,6 @@
             </a:endParaRPr>
           </a:p>
           <a:p>
-            <a:pPr marL="742950" lvl="1" indent="-285750" algn="l">
-              <a:buFont typeface="+mj-lt"/>
-              <a:buAutoNum type="arabicPeriod"/>
-            </a:pPr>
-            <a:r>
-              <a:rPr lang="en-US" b="0" i="0" dirty="0">
-                <a:solidFill>
-                  <a:srgbClr val="374151"/>
-                </a:solidFill>
-                <a:effectLst/>
-                <a:latin typeface="Söhne"/>
-              </a:rPr>
-              <a:t>Retains the behavior of the "Visualize" mode.</a:t>
-            </a:r>
-          </a:p>
-          <a:p>
             <a:pPr algn="l">
               <a:buFont typeface="+mj-lt"/>
               <a:buAutoNum type="arabicPeriod"/>
@@ -7507,7 +7390,7 @@
                 <a:effectLst/>
                 <a:latin typeface="Söhne"/>
               </a:rPr>
-              <a:t>Brush on </a:t>
+              <a:t>Mouseover on </a:t>
             </a:r>
             <a:r>
               <a:rPr lang="en-US" b="1" i="0" dirty="0" err="1">
@@ -7527,7 +7410,7 @@
                 <a:effectLst/>
                 <a:latin typeface="Söhne"/>
               </a:rPr>
-              <a:t>:</a:t>
+              <a:t> Elements:</a:t>
             </a:r>
             <a:endParaRPr lang="en-US" b="0" i="0" dirty="0">
               <a:solidFill>
@@ -7538,10 +7421,7 @@
             </a:endParaRPr>
           </a:p>
           <a:p>
-            <a:pPr marL="742950" lvl="1" indent="-285750" algn="l">
-              <a:buFont typeface="+mj-lt"/>
-              <a:buAutoNum type="arabicPeriod"/>
-            </a:pPr>
+            <a:pPr lvl="1" algn="l"/>
             <a:r>
               <a:rPr lang="en-US" b="0" i="0" dirty="0">
                 <a:solidFill>
@@ -7550,40 +7430,11 @@
                 <a:effectLst/>
                 <a:latin typeface="Söhne"/>
               </a:rPr>
-              <a:t>Sets the included applications in the selection as a group to compare.</a:t>
-            </a:r>
-          </a:p>
-          <a:p>
-            <a:pPr marL="742950" lvl="1" indent="-285750" algn="l">
-              <a:buFont typeface="+mj-lt"/>
-              <a:buAutoNum type="arabicPeriod"/>
-            </a:pPr>
-            <a:r>
-              <a:rPr lang="en-US" b="0" i="0" dirty="0">
-                <a:solidFill>
-                  <a:srgbClr val="374151"/>
-                </a:solidFill>
-                <a:effectLst/>
-                <a:latin typeface="Söhne"/>
-              </a:rPr>
-              <a:t>It is possible to perform a maximum of two brushes in this mode (one for each group). If a category has already been selected as a group, only one brush is allowed.</a:t>
-            </a:r>
-          </a:p>
-          <a:p>
-            <a:pPr algn="l">
-              <a:buFont typeface="+mj-lt"/>
-              <a:buAutoNum type="arabicPeriod"/>
-            </a:pPr>
-            <a:r>
-              <a:rPr lang="en-US" b="1" i="0" dirty="0">
-                <a:solidFill>
-                  <a:srgbClr val="374151"/>
-                </a:solidFill>
-                <a:effectLst/>
-                <a:latin typeface="Söhne"/>
-              </a:rPr>
-              <a:t>Recompute PCA:</a:t>
-            </a:r>
+              <a:t>Retains the behavior of the "Visualize" mode.</a:t>
+            </a:r>
+          </a:p>
+          <a:p>
+            <a:pPr lvl="1" algn="l"/>
             <a:endParaRPr lang="en-US" b="0" i="0" dirty="0">
               <a:solidFill>
                 <a:srgbClr val="374151"/>
@@ -7593,22 +7444,22 @@
             </a:endParaRPr>
           </a:p>
           <a:p>
-            <a:pPr marL="742950" lvl="1" indent="-285750" algn="l">
+            <a:pPr algn="l">
               <a:buFont typeface="+mj-lt"/>
               <a:buAutoNum type="arabicPeriod"/>
             </a:pPr>
             <a:r>
-              <a:rPr lang="en-US" b="0" i="0" dirty="0">
+              <a:rPr lang="en-US" b="1" i="0" dirty="0">
                 <a:solidFill>
                   <a:srgbClr val="374151"/>
                 </a:solidFill>
                 <a:effectLst/>
                 <a:latin typeface="Söhne"/>
               </a:rPr>
-              <a:t>Once two groups are selected, clicking the button next to the </a:t>
-            </a:r>
-            <a:r>
-              <a:rPr lang="en-US" b="0" i="0" dirty="0" err="1">
+              <a:t>Brush on </a:t>
+            </a:r>
+            <a:r>
+              <a:rPr lang="en-US" b="1" i="0" dirty="0" err="1">
                 <a:solidFill>
                   <a:srgbClr val="374151"/>
                 </a:solidFill>
@@ -7618,25 +7469,38 @@
               <a:t>ScatterPlot</a:t>
             </a:r>
             <a:r>
-              <a:rPr lang="en-US" b="0" i="0" dirty="0">
+              <a:rPr lang="en-US" b="1" i="0" dirty="0">
                 <a:solidFill>
                   <a:srgbClr val="374151"/>
                 </a:solidFill>
                 <a:effectLst/>
                 <a:latin typeface="Söhne"/>
               </a:rPr>
-              <a:t> recalculates the PCA on the data of the applications in the two groups and updates the </a:t>
-            </a:r>
-            <a:r>
-              <a:rPr lang="en-US" b="0" i="0" dirty="0" err="1">
+              <a:t>:</a:t>
+            </a:r>
+            <a:endParaRPr lang="en-US" b="0" i="0" dirty="0">
+              <a:solidFill>
+                <a:srgbClr val="374151"/>
+              </a:solidFill>
+              <a:effectLst/>
+              <a:latin typeface="Söhne"/>
+            </a:endParaRPr>
+          </a:p>
+          <a:p>
+            <a:pPr lvl="1" algn="l"/>
+            <a:r>
+              <a:rPr lang="en-US" b="0" i="0" dirty="0">
                 <a:solidFill>
                   <a:srgbClr val="374151"/>
                 </a:solidFill>
                 <a:effectLst/>
                 <a:latin typeface="Söhne"/>
               </a:rPr>
-              <a:t>ScatterPlot</a:t>
-            </a:r>
+              <a:t>Sets the included applications in the selection as a group to compare.</a:t>
+            </a:r>
+          </a:p>
+          <a:p>
+            <a:pPr lvl="1" algn="l"/>
             <a:r>
               <a:rPr lang="en-US" b="0" i="0" dirty="0">
                 <a:solidFill>
@@ -7645,7 +7509,7 @@
                 <a:effectLst/>
                 <a:latin typeface="Söhne"/>
               </a:rPr>
-              <a:t> with only the circles of those two groups.</a:t>
+              <a:t>It is possible to perform a maximum of two brushes in this mode (one for each group). If a category has already been selected as a group, only one brush is allowed.</a:t>
             </a:r>
           </a:p>
         </p:txBody>
@@ -7754,8 +7618,8 @@
         </p:nvSpPr>
         <p:spPr>
           <a:xfrm>
-            <a:off x="663250" y="2228671"/>
-            <a:ext cx="5432750" cy="1200329"/>
+            <a:off x="1055135" y="1997839"/>
+            <a:ext cx="9376489" cy="2862322"/>
           </a:xfrm>
           <a:prstGeom prst="rect">
             <a:avLst/>
@@ -7770,6 +7634,15 @@
           <a:p>
             <a:pPr algn="l"/>
             <a:r>
+              <a:rPr lang="en-US" b="1" dirty="0">
+                <a:solidFill>
+                  <a:srgbClr val="374151"/>
+                </a:solidFill>
+                <a:latin typeface="Söhne"/>
+              </a:rPr>
+              <a:t>4</a:t>
+            </a:r>
+            <a:r>
               <a:rPr lang="en-US" b="1" i="0" dirty="0">
                 <a:solidFill>
                   <a:srgbClr val="374151"/>
@@ -7777,7 +7650,7 @@
                 <a:effectLst/>
                 <a:latin typeface="Söhne"/>
               </a:rPr>
-              <a:t>5. Brush on Parallel Coordinates:</a:t>
+              <a:t>. Recompute PCA:</a:t>
             </a:r>
             <a:endParaRPr lang="en-US" b="0" i="0" dirty="0">
               <a:solidFill>
@@ -7788,32 +7661,82 @@
             </a:endParaRPr>
           </a:p>
           <a:p>
+            <a:pPr lvl="1" algn="l"/>
+            <a:r>
+              <a:rPr lang="en-US" b="0" i="0" dirty="0">
+                <a:solidFill>
+                  <a:srgbClr val="374151"/>
+                </a:solidFill>
+                <a:effectLst/>
+                <a:latin typeface="Söhne"/>
+              </a:rPr>
+              <a:t>Once two groups are selected, clicking the button next to the </a:t>
+            </a:r>
+            <a:r>
+              <a:rPr lang="en-US" b="0" i="0" dirty="0" err="1">
+                <a:solidFill>
+                  <a:srgbClr val="374151"/>
+                </a:solidFill>
+                <a:effectLst/>
+                <a:latin typeface="Söhne"/>
+              </a:rPr>
+              <a:t>ScatterPlot</a:t>
+            </a:r>
+            <a:r>
+              <a:rPr lang="en-US" b="0" i="0" dirty="0">
+                <a:solidFill>
+                  <a:srgbClr val="374151"/>
+                </a:solidFill>
+                <a:effectLst/>
+                <a:latin typeface="Söhne"/>
+              </a:rPr>
+              <a:t> recalculates the PCA on the data of the applications in the two groups and updates the </a:t>
+            </a:r>
+            <a:r>
+              <a:rPr lang="en-US" b="0" i="0" dirty="0" err="1">
+                <a:solidFill>
+                  <a:srgbClr val="374151"/>
+                </a:solidFill>
+                <a:effectLst/>
+                <a:latin typeface="Söhne"/>
+              </a:rPr>
+              <a:t>ScatterPlot</a:t>
+            </a:r>
+            <a:r>
+              <a:rPr lang="en-US" b="0" i="0" dirty="0">
+                <a:solidFill>
+                  <a:srgbClr val="374151"/>
+                </a:solidFill>
+                <a:effectLst/>
+                <a:latin typeface="Söhne"/>
+              </a:rPr>
+              <a:t> with only the circles of those two groups.</a:t>
+            </a:r>
+          </a:p>
+          <a:p>
             <a:pPr marL="742950" lvl="1" indent="-285750" algn="l">
               <a:buFont typeface="+mj-lt"/>
               <a:buAutoNum type="arabicPeriod"/>
             </a:pPr>
-            <a:r>
-              <a:rPr lang="en-US" b="0" i="0" dirty="0">
+            <a:endParaRPr lang="en-US" b="1" i="0" dirty="0">
+              <a:solidFill>
+                <a:srgbClr val="374151"/>
+              </a:solidFill>
+              <a:effectLst/>
+              <a:latin typeface="Söhne"/>
+            </a:endParaRPr>
+          </a:p>
+          <a:p>
+            <a:pPr algn="l"/>
+            <a:r>
+              <a:rPr lang="en-US" b="1" i="0" dirty="0">
                 <a:solidFill>
                   <a:srgbClr val="374151"/>
                 </a:solidFill>
                 <a:effectLst/>
                 <a:latin typeface="Söhne"/>
               </a:rPr>
-              <a:t>Retains the behavior of the "Visualize" mode.</a:t>
-            </a:r>
-          </a:p>
-          <a:p>
-            <a:pPr algn="l"/>
-            <a:r>
-              <a:rPr lang="en-US" b="1" i="0" dirty="0">
-                <a:solidFill>
-                  <a:srgbClr val="374151"/>
-                </a:solidFill>
-                <a:effectLst/>
-                <a:latin typeface="Söhne"/>
-              </a:rPr>
-              <a:t>6. Mouseover on Histogram Rectangles:</a:t>
+              <a:t>5. Brush on Parallel Coordinates:</a:t>
             </a:r>
             <a:endParaRPr lang="en-US" b="0" i="0" dirty="0">
               <a:solidFill>
@@ -7824,10 +7747,53 @@
             </a:endParaRPr>
           </a:p>
           <a:p>
+            <a:pPr lvl="1" algn="l"/>
+            <a:r>
+              <a:rPr lang="en-US" b="0" i="0" dirty="0">
+                <a:solidFill>
+                  <a:srgbClr val="374151"/>
+                </a:solidFill>
+                <a:effectLst/>
+                <a:latin typeface="Söhne"/>
+              </a:rPr>
+              <a:t>Retains the behavior of the "Visualize" mode.</a:t>
+            </a:r>
+          </a:p>
+          <a:p>
             <a:pPr marL="742950" lvl="1" indent="-285750" algn="l">
               <a:buFont typeface="+mj-lt"/>
               <a:buAutoNum type="arabicPeriod"/>
             </a:pPr>
+            <a:endParaRPr lang="en-US" b="0" i="0" dirty="0">
+              <a:solidFill>
+                <a:srgbClr val="374151"/>
+              </a:solidFill>
+              <a:effectLst/>
+              <a:latin typeface="Söhne"/>
+            </a:endParaRPr>
+          </a:p>
+          <a:p>
+            <a:pPr algn="l"/>
+            <a:r>
+              <a:rPr lang="en-US" b="1" i="0" dirty="0">
+                <a:solidFill>
+                  <a:srgbClr val="374151"/>
+                </a:solidFill>
+                <a:effectLst/>
+                <a:latin typeface="Söhne"/>
+              </a:rPr>
+              <a:t>6. Mouseover on Histogram Rectangles:</a:t>
+            </a:r>
+            <a:endParaRPr lang="en-US" b="0" i="0" dirty="0">
+              <a:solidFill>
+                <a:srgbClr val="374151"/>
+              </a:solidFill>
+              <a:effectLst/>
+              <a:latin typeface="Söhne"/>
+            </a:endParaRPr>
+          </a:p>
+          <a:p>
+            <a:pPr lvl="1" algn="l"/>
             <a:r>
               <a:rPr lang="en-US" b="0" i="0" dirty="0">
                 <a:solidFill>
@@ -9447,15 +9413,16 @@
           </p:cNvPicPr>
           <p:nvPr/>
         </p:nvPicPr>
-        <p:blipFill rotWithShape="1">
+        <p:blipFill>
           <a:blip r:embed="rId4"/>
-          <a:srcRect t="2706"/>
-          <a:stretch/>
+          <a:stretch>
+            <a:fillRect/>
+          </a:stretch>
         </p:blipFill>
         <p:spPr>
           <a:xfrm>
-            <a:off x="0" y="6148872"/>
-            <a:ext cx="12192000" cy="709127"/>
+            <a:off x="0" y="6129150"/>
+            <a:ext cx="12192000" cy="728850"/>
           </a:xfrm>
           <a:prstGeom prst="rect">
             <a:avLst/>
@@ -9464,10 +9431,10 @@
       </p:pic>
       <p:sp>
         <p:nvSpPr>
-          <p:cNvPr id="13" name="TextBox 12">
-            <a:extLst>
-              <a:ext uri="{FF2B5EF4-FFF2-40B4-BE49-F238E27FC236}">
-                <a16:creationId xmlns:a16="http://schemas.microsoft.com/office/drawing/2014/main" id="{E9D04A73-9995-BA12-F5D8-AF55F456BF08}"/>
+          <p:cNvPr id="3" name="TextBox 2">
+            <a:extLst>
+              <a:ext uri="{FF2B5EF4-FFF2-40B4-BE49-F238E27FC236}">
+                <a16:creationId xmlns:a16="http://schemas.microsoft.com/office/drawing/2014/main" id="{D94961DC-3C1A-320B-6376-623B877876D0}"/>
               </a:ext>
             </a:extLst>
           </p:cNvPr>
@@ -9476,8 +9443,8 @@
         </p:nvSpPr>
         <p:spPr>
           <a:xfrm>
-            <a:off x="286918" y="1859337"/>
-            <a:ext cx="3307888" cy="3139321"/>
+            <a:off x="4145902" y="2844225"/>
+            <a:ext cx="3900195" cy="584775"/>
           </a:xfrm>
           <a:prstGeom prst="rect">
             <a:avLst/>
@@ -9490,139 +9457,12 @@
           </a:bodyPr>
           <a:lstStyle/>
           <a:p>
-            <a:r>
-              <a:rPr lang="it-IT" dirty="0"/>
-              <a:t>1. Rating </a:t>
-            </a:r>
-            <a:r>
-              <a:rPr lang="it-IT" dirty="0" err="1"/>
-              <a:t>Importance</a:t>
-            </a:r>
-            <a:r>
-              <a:rPr lang="it-IT" dirty="0"/>
-              <a:t>: </a:t>
-            </a:r>
-            <a:r>
-              <a:rPr lang="it-IT" dirty="0" err="1"/>
-              <a:t>Optimal</a:t>
-            </a:r>
-            <a:r>
-              <a:rPr lang="it-IT" dirty="0"/>
-              <a:t> apps </a:t>
-            </a:r>
-            <a:r>
-              <a:rPr lang="it-IT" dirty="0" err="1"/>
-              <a:t>have</a:t>
-            </a:r>
-            <a:r>
-              <a:rPr lang="it-IT" dirty="0"/>
-              <a:t> ratings </a:t>
-            </a:r>
-            <a:r>
-              <a:rPr lang="it-IT" dirty="0" err="1"/>
-              <a:t>between</a:t>
-            </a:r>
-            <a:r>
-              <a:rPr lang="it-IT" dirty="0"/>
-              <a:t> 4 and 5.</a:t>
-            </a:r>
-          </a:p>
-          <a:p>
-            <a:endParaRPr lang="it-IT" dirty="0"/>
-          </a:p>
-          <a:p>
-            <a:r>
-              <a:rPr lang="it-IT" dirty="0"/>
-              <a:t>2. Size Impact: App size </a:t>
-            </a:r>
-            <a:r>
-              <a:rPr lang="it-IT" dirty="0" err="1"/>
-              <a:t>doesn't</a:t>
-            </a:r>
-            <a:r>
-              <a:rPr lang="it-IT" dirty="0"/>
-              <a:t> </a:t>
-            </a:r>
-            <a:r>
-              <a:rPr lang="it-IT" dirty="0" err="1"/>
-              <a:t>significantly</a:t>
-            </a:r>
-            <a:r>
-              <a:rPr lang="it-IT" dirty="0"/>
-              <a:t> </a:t>
-            </a:r>
-            <a:r>
-              <a:rPr lang="it-IT" dirty="0" err="1"/>
-              <a:t>influence</a:t>
-            </a:r>
-            <a:r>
-              <a:rPr lang="it-IT" dirty="0"/>
-              <a:t> </a:t>
-            </a:r>
-            <a:r>
-              <a:rPr lang="it-IT" dirty="0" err="1"/>
-              <a:t>installation</a:t>
-            </a:r>
-            <a:r>
-              <a:rPr lang="it-IT" dirty="0"/>
-              <a:t> </a:t>
-            </a:r>
-            <a:r>
-              <a:rPr lang="it-IT" dirty="0" err="1"/>
-              <a:t>decisions</a:t>
-            </a:r>
-            <a:r>
-              <a:rPr lang="it-IT" dirty="0"/>
-              <a:t>.</a:t>
-            </a:r>
-          </a:p>
-          <a:p>
-            <a:endParaRPr lang="it-IT" dirty="0"/>
-          </a:p>
-          <a:p>
-            <a:r>
-              <a:rPr lang="it-IT" dirty="0"/>
-              <a:t>3. Review-App </a:t>
-            </a:r>
-            <a:r>
-              <a:rPr lang="it-IT" dirty="0" err="1"/>
-              <a:t>Popularity</a:t>
-            </a:r>
-            <a:r>
-              <a:rPr lang="it-IT" dirty="0"/>
-              <a:t>: Reviews </a:t>
-            </a:r>
-            <a:r>
-              <a:rPr lang="it-IT" dirty="0" err="1"/>
-              <a:t>appear</a:t>
-            </a:r>
-            <a:r>
-              <a:rPr lang="it-IT" dirty="0"/>
-              <a:t> </a:t>
-            </a:r>
-            <a:r>
-              <a:rPr lang="it-IT" dirty="0" err="1"/>
-              <a:t>proportional</a:t>
-            </a:r>
-            <a:r>
-              <a:rPr lang="it-IT" dirty="0"/>
-              <a:t> to the </a:t>
-            </a:r>
-            <a:r>
-              <a:rPr lang="it-IT" dirty="0" err="1"/>
-              <a:t>app's</a:t>
-            </a:r>
-            <a:r>
-              <a:rPr lang="it-IT" dirty="0"/>
-              <a:t> </a:t>
-            </a:r>
-            <a:r>
-              <a:rPr lang="it-IT" dirty="0" err="1"/>
-              <a:t>popularity</a:t>
-            </a:r>
-            <a:r>
-              <a:rPr lang="it-IT" dirty="0"/>
-              <a:t>.</a:t>
+            <a:pPr algn="l"/>
+            <a:r>
+              <a:rPr lang="en-US" sz="3200" i="0" dirty="0">
+                <a:effectLst/>
+              </a:rPr>
+              <a:t>Future Developments</a:t>
             </a:r>
           </a:p>
         </p:txBody>
@@ -9630,7 +9470,7 @@
     </p:spTree>
     <p:extLst>
       <p:ext uri="{BB962C8B-B14F-4D97-AF65-F5344CB8AC3E}">
-        <p14:creationId xmlns:p14="http://schemas.microsoft.com/office/powerpoint/2010/main" val="3917540081"/>
+        <p14:creationId xmlns:p14="http://schemas.microsoft.com/office/powerpoint/2010/main" val="3404534315"/>
       </p:ext>
     </p:extLst>
   </p:cSld>
@@ -9719,10 +9559,10 @@
       </p:pic>
       <p:sp>
         <p:nvSpPr>
-          <p:cNvPr id="3" name="TextBox 2">
-            <a:extLst>
-              <a:ext uri="{FF2B5EF4-FFF2-40B4-BE49-F238E27FC236}">
-                <a16:creationId xmlns:a16="http://schemas.microsoft.com/office/drawing/2014/main" id="{D94961DC-3C1A-320B-6376-623B877876D0}"/>
+          <p:cNvPr id="6" name="TextBox 5">
+            <a:extLst>
+              <a:ext uri="{FF2B5EF4-FFF2-40B4-BE49-F238E27FC236}">
+                <a16:creationId xmlns:a16="http://schemas.microsoft.com/office/drawing/2014/main" id="{B847AA18-6CA9-D912-75A4-409CFD02F272}"/>
               </a:ext>
             </a:extLst>
           </p:cNvPr>
@@ -9731,8 +9571,8 @@
         </p:nvSpPr>
         <p:spPr>
           <a:xfrm>
-            <a:off x="4145902" y="2844225"/>
-            <a:ext cx="3900195" cy="584775"/>
+            <a:off x="1466850" y="2459504"/>
+            <a:ext cx="9258300" cy="1938992"/>
           </a:xfrm>
           <a:prstGeom prst="rect">
             <a:avLst/>
@@ -9745,148 +9585,20 @@
           </a:bodyPr>
           <a:lstStyle/>
           <a:p>
-            <a:pPr algn="l"/>
-            <a:r>
-              <a:rPr lang="en-US" sz="3200" i="0" dirty="0">
-                <a:effectLst/>
-              </a:rPr>
-              <a:t>Future Developments</a:t>
-            </a:r>
-          </a:p>
-        </p:txBody>
-      </p:sp>
-    </p:spTree>
-    <p:extLst>
-      <p:ext uri="{BB962C8B-B14F-4D97-AF65-F5344CB8AC3E}">
-        <p14:creationId xmlns:p14="http://schemas.microsoft.com/office/powerpoint/2010/main" val="3404534315"/>
-      </p:ext>
-    </p:extLst>
-  </p:cSld>
-  <p:clrMapOvr>
-    <a:masterClrMapping/>
-  </p:clrMapOvr>
-</p:sld>
-</file>
-
-<file path=ppt/slides/slide24.xml><?xml version="1.0" encoding="utf-8"?>
-<p:sld xmlns:a="http://schemas.openxmlformats.org/drawingml/2006/main" xmlns:r="http://schemas.openxmlformats.org/officeDocument/2006/relationships" xmlns:p="http://schemas.openxmlformats.org/presentationml/2006/main">
-  <p:cSld>
-    <p:spTree>
-      <p:nvGrpSpPr>
-        <p:cNvPr id="1" name=""/>
-        <p:cNvGrpSpPr/>
-        <p:nvPr/>
-      </p:nvGrpSpPr>
-      <p:grpSpPr>
-        <a:xfrm>
-          <a:off x="0" y="0"/>
-          <a:ext cx="0" cy="0"/>
-          <a:chOff x="0" y="0"/>
-          <a:chExt cx="0" cy="0"/>
-        </a:xfrm>
-      </p:grpSpPr>
-      <p:pic>
-        <p:nvPicPr>
-          <p:cNvPr id="5" name="Picture 4">
-            <a:extLst>
-              <a:ext uri="{FF2B5EF4-FFF2-40B4-BE49-F238E27FC236}">
-                <a16:creationId xmlns:a16="http://schemas.microsoft.com/office/drawing/2014/main" id="{97208E95-350C-42E6-B380-7BD44320E562}"/>
-              </a:ext>
-            </a:extLst>
-          </p:cNvPr>
-          <p:cNvPicPr>
-            <a:picLocks noChangeAspect="1"/>
-          </p:cNvPicPr>
-          <p:nvPr/>
-        </p:nvPicPr>
-        <p:blipFill>
-          <a:blip r:embed="rId3"/>
-          <a:stretch>
-            <a:fillRect/>
-          </a:stretch>
-        </p:blipFill>
-        <p:spPr>
-          <a:xfrm>
-            <a:off x="0" y="0"/>
-            <a:ext cx="4122777" cy="1188823"/>
-          </a:xfrm>
-          <a:prstGeom prst="rect">
-            <a:avLst/>
-          </a:prstGeom>
-        </p:spPr>
-      </p:pic>
-      <p:pic>
-        <p:nvPicPr>
-          <p:cNvPr id="8" name="Picture 7">
-            <a:extLst>
-              <a:ext uri="{FF2B5EF4-FFF2-40B4-BE49-F238E27FC236}">
-                <a16:creationId xmlns:a16="http://schemas.microsoft.com/office/drawing/2014/main" id="{CBB624A8-BDB0-5088-0F32-B1BC7D4B2362}"/>
-              </a:ext>
-            </a:extLst>
-          </p:cNvPr>
-          <p:cNvPicPr>
-            <a:picLocks noChangeAspect="1"/>
-          </p:cNvPicPr>
-          <p:nvPr/>
-        </p:nvPicPr>
-        <p:blipFill>
-          <a:blip r:embed="rId4"/>
-          <a:stretch>
-            <a:fillRect/>
-          </a:stretch>
-        </p:blipFill>
-        <p:spPr>
-          <a:xfrm>
-            <a:off x="0" y="6129150"/>
-            <a:ext cx="12192000" cy="728850"/>
-          </a:xfrm>
-          <a:prstGeom prst="rect">
-            <a:avLst/>
-          </a:prstGeom>
-        </p:spPr>
-      </p:pic>
-      <p:sp>
-        <p:nvSpPr>
-          <p:cNvPr id="6" name="TextBox 5">
-            <a:extLst>
-              <a:ext uri="{FF2B5EF4-FFF2-40B4-BE49-F238E27FC236}">
-                <a16:creationId xmlns:a16="http://schemas.microsoft.com/office/drawing/2014/main" id="{B847AA18-6CA9-D912-75A4-409CFD02F272}"/>
-              </a:ext>
-            </a:extLst>
-          </p:cNvPr>
-          <p:cNvSpPr txBox="1"/>
-          <p:nvPr/>
-        </p:nvSpPr>
-        <p:spPr>
-          <a:xfrm>
-            <a:off x="762778" y="2469321"/>
-            <a:ext cx="9258300" cy="1754326"/>
-          </a:xfrm>
-          <a:prstGeom prst="rect">
-            <a:avLst/>
-          </a:prstGeom>
-          <a:noFill/>
-        </p:spPr>
-        <p:txBody>
-          <a:bodyPr wrap="square">
-            <a:spAutoFit/>
-          </a:bodyPr>
-          <a:lstStyle/>
-          <a:p>
             <a:pPr algn="l">
               <a:buFont typeface="Arial" panose="020B0604020202020204" pitchFamily="34" charset="0"/>
               <a:buChar char="•"/>
             </a:pPr>
             <a:r>
-              <a:rPr lang="en-US" b="1" i="0" dirty="0">
+              <a:rPr lang="en-US" sz="2000" b="1" i="0" dirty="0">
                 <a:solidFill>
                   <a:srgbClr val="374151"/>
                 </a:solidFill>
                 <a:effectLst/>
               </a:rPr>
-              <a:t>User-Defined Histograms:</a:t>
-            </a:r>
-            <a:endParaRPr lang="en-US" b="0" i="0" dirty="0">
+              <a:t> User-Defined Histograms:</a:t>
+            </a:r>
+            <a:endParaRPr lang="en-US" sz="2000" b="0" i="0" dirty="0">
               <a:solidFill>
                 <a:srgbClr val="374151"/>
               </a:solidFill>
@@ -9894,12 +9606,9 @@
             </a:endParaRPr>
           </a:p>
           <a:p>
-            <a:pPr marL="742950" lvl="1" indent="-285750" algn="l">
-              <a:buFont typeface="Arial" panose="020B0604020202020204" pitchFamily="34" charset="0"/>
-              <a:buChar char="•"/>
-            </a:pPr>
-            <a:r>
-              <a:rPr lang="en-US" b="0" i="0" dirty="0">
+            <a:pPr lvl="1" algn="l"/>
+            <a:r>
+              <a:rPr lang="en-US" sz="2000" b="0" i="0" dirty="0">
                 <a:solidFill>
                   <a:srgbClr val="374151"/>
                 </a:solidFill>
@@ -9914,15 +9623,15 @@
               <a:buChar char="•"/>
             </a:pPr>
             <a:r>
-              <a:rPr lang="en-US" b="1" i="0" dirty="0">
+              <a:rPr lang="en-US" sz="2000" b="1" i="0" dirty="0">
                 <a:solidFill>
                   <a:srgbClr val="374151"/>
                 </a:solidFill>
                 <a:effectLst/>
               </a:rPr>
-              <a:t>Enhanced Selection Modes:</a:t>
-            </a:r>
-            <a:endParaRPr lang="en-US" b="0" i="0" dirty="0">
+              <a:t> Enhanced Selection Modes:</a:t>
+            </a:r>
+            <a:endParaRPr lang="en-US" sz="2000" b="0" i="0" dirty="0">
               <a:solidFill>
                 <a:srgbClr val="374151"/>
               </a:solidFill>
@@ -9930,12 +9639,9 @@
             </a:endParaRPr>
           </a:p>
           <a:p>
-            <a:pPr marL="742950" lvl="1" indent="-285750" algn="l">
-              <a:buFont typeface="Arial" panose="020B0604020202020204" pitchFamily="34" charset="0"/>
-              <a:buChar char="•"/>
-            </a:pPr>
-            <a:r>
-              <a:rPr lang="en-US" b="0" i="0" dirty="0">
+            <a:pPr lvl="1" algn="l"/>
+            <a:r>
+              <a:rPr lang="en-US" sz="2000" b="0" i="0" dirty="0">
                 <a:solidFill>
                   <a:srgbClr val="374151"/>
                 </a:solidFill>
@@ -9950,15 +9656,15 @@
               <a:buChar char="•"/>
             </a:pPr>
             <a:r>
-              <a:rPr lang="en-US" b="1" i="0" dirty="0">
+              <a:rPr lang="en-US" sz="2000" b="1" i="0" dirty="0">
                 <a:solidFill>
                   <a:srgbClr val="374151"/>
                 </a:solidFill>
                 <a:effectLst/>
               </a:rPr>
-              <a:t>Customized Scatter-Plot:</a:t>
-            </a:r>
-            <a:endParaRPr lang="en-US" b="0" i="0" dirty="0">
+              <a:t> Customized Scatter-Plot:</a:t>
+            </a:r>
+            <a:endParaRPr lang="en-US" sz="2000" b="0" i="0" dirty="0">
               <a:solidFill>
                 <a:srgbClr val="374151"/>
               </a:solidFill>
@@ -9966,12 +9672,9 @@
             </a:endParaRPr>
           </a:p>
           <a:p>
-            <a:pPr marL="742950" lvl="1" indent="-285750" algn="l">
-              <a:buFont typeface="Arial" panose="020B0604020202020204" pitchFamily="34" charset="0"/>
-              <a:buChar char="•"/>
-            </a:pPr>
-            <a:r>
-              <a:rPr lang="en-US" b="0" i="0" dirty="0">
+            <a:pPr lvl="1" algn="l"/>
+            <a:r>
+              <a:rPr lang="en-US" sz="2000" b="0" i="0" dirty="0">
                 <a:solidFill>
                   <a:srgbClr val="374151"/>
                 </a:solidFill>
@@ -9995,7 +9698,7 @@
 </p:sld>
 </file>
 
-<file path=ppt/slides/slide25.xml><?xml version="1.0" encoding="utf-8"?>
+<file path=ppt/slides/slide24.xml><?xml version="1.0" encoding="utf-8"?>
 <p:sld xmlns:a="http://schemas.openxmlformats.org/drawingml/2006/main" xmlns:r="http://schemas.openxmlformats.org/officeDocument/2006/relationships" xmlns:p="http://schemas.openxmlformats.org/presentationml/2006/main">
   <p:cSld>
     <p:spTree>
@@ -11598,7 +11301,7 @@
         </p:blipFill>
         <p:spPr>
           <a:xfrm>
-            <a:off x="10184654" y="1212150"/>
+            <a:off x="677819" y="1273584"/>
             <a:ext cx="1446970" cy="4440097"/>
           </a:xfrm>
           <a:prstGeom prst="rect">
@@ -11634,8 +11337,8 @@
         </p:blipFill>
         <p:spPr>
           <a:xfrm>
-            <a:off x="5297459" y="1100582"/>
-            <a:ext cx="4811406" cy="2314422"/>
+            <a:off x="7336615" y="1275341"/>
+            <a:ext cx="4477198" cy="2153659"/>
           </a:xfrm>
           <a:prstGeom prst="rect">
             <a:avLst/>
@@ -11670,8 +11373,8 @@
         </p:blipFill>
         <p:spPr>
           <a:xfrm>
-            <a:off x="5250346" y="3609090"/>
-            <a:ext cx="4858519" cy="2184861"/>
+            <a:off x="7336615" y="3493631"/>
+            <a:ext cx="4478400" cy="2220049"/>
           </a:xfrm>
           <a:prstGeom prst="rect">
             <a:avLst/>
@@ -11706,7 +11409,7 @@
         </p:blipFill>
         <p:spPr>
           <a:xfrm>
-            <a:off x="297601" y="3579645"/>
+            <a:off x="2277886" y="3493632"/>
             <a:ext cx="4905632" cy="2243753"/>
           </a:xfrm>
           <a:prstGeom prst="rect">
@@ -11742,8 +11445,8 @@
         </p:blipFill>
         <p:spPr>
           <a:xfrm>
-            <a:off x="297601" y="1259588"/>
-            <a:ext cx="4952745" cy="2155416"/>
+            <a:off x="2277886" y="1273584"/>
+            <a:ext cx="4905632" cy="2155416"/>
           </a:xfrm>
           <a:prstGeom prst="rect">
             <a:avLst/>

--- a/Visual Analytics.pptx
+++ b/Visual Analytics.pptx
@@ -26,9 +26,9 @@
     <p:sldId id="317" r:id="rId17"/>
     <p:sldId id="328" r:id="rId18"/>
     <p:sldId id="333" r:id="rId19"/>
-    <p:sldId id="337" r:id="rId20"/>
-    <p:sldId id="338" r:id="rId21"/>
-    <p:sldId id="340" r:id="rId22"/>
+    <p:sldId id="340" r:id="rId20"/>
+    <p:sldId id="337" r:id="rId21"/>
+    <p:sldId id="338" r:id="rId22"/>
     <p:sldId id="336" r:id="rId23"/>
     <p:sldId id="319" r:id="rId24"/>
     <p:sldId id="314" r:id="rId25"/>
@@ -220,7 +220,7 @@
           <a:p>
             <a:fld id="{76A9D10F-851A-4A79-A264-929A5BDC4C08}" type="datetimeFigureOut">
               <a:rPr lang="it-IT" smtClean="0"/>
-              <a:t>20/01/2024</a:t>
+              <a:t>26/01/2024</a:t>
             </a:fld>
             <a:endParaRPr lang="it-IT"/>
           </a:p>
@@ -379,7 +379,7 @@
           <a:p>
             <a:fld id="{2D23B4D8-7943-409F-B8D3-90CF7219B54F}" type="slidenum">
               <a:rPr lang="it-IT" smtClean="0"/>
-              <a:t>‹#›</a:t>
+              <a:t>‹N›</a:t>
             </a:fld>
             <a:endParaRPr lang="it-IT"/>
           </a:p>
@@ -525,7 +525,7 @@
           <a:ln/>
           <a:extLst>
             <a:ext uri="{FAA26D3D-D897-4be2-8F04-BA451C77F1D7}">
-              <ma14:placeholderFlag xmlns:ma14="http://schemas.microsoft.com/office/mac/drawingml/2011/main" xmlns="" val="1"/>
+              <ma14:placeholderFlag xmlns="" xmlns:ma14="http://schemas.microsoft.com/office/mac/drawingml/2011/main" val="1"/>
             </a:ext>
           </a:extLst>
         </p:spPr>
@@ -880,7 +880,10 @@
           <a:bodyPr/>
           <a:lstStyle/>
           <a:p>
-            <a:endParaRPr lang="it-IT" dirty="0"/>
+            <a:r>
+              <a:rPr lang="it-IT" dirty="0"/>
+              <a:t>C</a:t>
+            </a:r>
           </a:p>
         </p:txBody>
       </p:sp>
@@ -941,7 +944,10 @@
           <a:bodyPr/>
           <a:lstStyle/>
           <a:p>
-            <a:endParaRPr lang="it-IT" dirty="0"/>
+            <a:r>
+              <a:rPr lang="it-IT" dirty="0"/>
+              <a:t>C</a:t>
+            </a:r>
           </a:p>
         </p:txBody>
       </p:sp>
@@ -1002,7 +1008,10 @@
           <a:bodyPr/>
           <a:lstStyle/>
           <a:p>
-            <a:endParaRPr lang="it-IT" dirty="0"/>
+            <a:r>
+              <a:rPr lang="it-IT" dirty="0"/>
+              <a:t>C</a:t>
+            </a:r>
           </a:p>
         </p:txBody>
       </p:sp>
@@ -1063,7 +1072,10 @@
           <a:bodyPr/>
           <a:lstStyle/>
           <a:p>
-            <a:endParaRPr lang="it-IT" dirty="0"/>
+            <a:r>
+              <a:rPr lang="it-IT" dirty="0"/>
+              <a:t>C</a:t>
+            </a:r>
           </a:p>
         </p:txBody>
       </p:sp>
@@ -1124,7 +1136,10 @@
           <a:bodyPr/>
           <a:lstStyle/>
           <a:p>
-            <a:endParaRPr lang="it-IT" dirty="0"/>
+            <a:r>
+              <a:rPr lang="it-IT" dirty="0"/>
+              <a:t>C</a:t>
+            </a:r>
           </a:p>
         </p:txBody>
       </p:sp>
@@ -1185,14 +1200,17 @@
           <a:bodyPr/>
           <a:lstStyle/>
           <a:p>
-            <a:endParaRPr lang="it-IT" dirty="0"/>
+            <a:r>
+              <a:rPr lang="it-IT" dirty="0"/>
+              <a:t>C</a:t>
+            </a:r>
           </a:p>
         </p:txBody>
       </p:sp>
     </p:spTree>
     <p:extLst>
       <p:ext uri="{BB962C8B-B14F-4D97-AF65-F5344CB8AC3E}">
-        <p14:creationId xmlns:p14="http://schemas.microsoft.com/office/powerpoint/2010/main" val="644370673"/>
+        <p14:creationId xmlns:p14="http://schemas.microsoft.com/office/powerpoint/2010/main" val="2680766998"/>
       </p:ext>
     </p:extLst>
   </p:cSld>
@@ -1314,7 +1332,7 @@
     </p:spTree>
     <p:extLst>
       <p:ext uri="{BB962C8B-B14F-4D97-AF65-F5344CB8AC3E}">
-        <p14:creationId xmlns:p14="http://schemas.microsoft.com/office/powerpoint/2010/main" val="3241823235"/>
+        <p14:creationId xmlns:p14="http://schemas.microsoft.com/office/powerpoint/2010/main" val="644370673"/>
       </p:ext>
     </p:extLst>
   </p:cSld>
@@ -1375,7 +1393,7 @@
     </p:spTree>
     <p:extLst>
       <p:ext uri="{BB962C8B-B14F-4D97-AF65-F5344CB8AC3E}">
-        <p14:creationId xmlns:p14="http://schemas.microsoft.com/office/powerpoint/2010/main" val="2680766998"/>
+        <p14:creationId xmlns:p14="http://schemas.microsoft.com/office/powerpoint/2010/main" val="3241823235"/>
       </p:ext>
     </p:extLst>
   </p:cSld>
@@ -2144,7 +2162,7 @@
           <a:p>
             <a:fld id="{8EB6065D-7731-4525-AC99-D31380634F16}" type="datetimeFigureOut">
               <a:rPr lang="it-IT" smtClean="0"/>
-              <a:t>20/01/2024</a:t>
+              <a:t>26/01/2024</a:t>
             </a:fld>
             <a:endParaRPr lang="it-IT"/>
           </a:p>
@@ -2198,7 +2216,7 @@
           <a:p>
             <a:fld id="{9E7AA4F4-6F5A-4614-9621-31BDC7B018FA}" type="slidenum">
               <a:rPr lang="it-IT" smtClean="0"/>
-              <a:t>‹#›</a:t>
+              <a:t>‹N›</a:t>
             </a:fld>
             <a:endParaRPr lang="it-IT"/>
           </a:p>
@@ -2344,7 +2362,7 @@
           <a:p>
             <a:fld id="{8EB6065D-7731-4525-AC99-D31380634F16}" type="datetimeFigureOut">
               <a:rPr lang="it-IT" smtClean="0"/>
-              <a:t>20/01/2024</a:t>
+              <a:t>26/01/2024</a:t>
             </a:fld>
             <a:endParaRPr lang="it-IT"/>
           </a:p>
@@ -2398,7 +2416,7 @@
           <a:p>
             <a:fld id="{9E7AA4F4-6F5A-4614-9621-31BDC7B018FA}" type="slidenum">
               <a:rPr lang="it-IT" smtClean="0"/>
-              <a:t>‹#›</a:t>
+              <a:t>‹N›</a:t>
             </a:fld>
             <a:endParaRPr lang="it-IT"/>
           </a:p>
@@ -2554,7 +2572,7 @@
           <a:p>
             <a:fld id="{8EB6065D-7731-4525-AC99-D31380634F16}" type="datetimeFigureOut">
               <a:rPr lang="it-IT" smtClean="0"/>
-              <a:t>20/01/2024</a:t>
+              <a:t>26/01/2024</a:t>
             </a:fld>
             <a:endParaRPr lang="it-IT"/>
           </a:p>
@@ -2608,7 +2626,7 @@
           <a:p>
             <a:fld id="{9E7AA4F4-6F5A-4614-9621-31BDC7B018FA}" type="slidenum">
               <a:rPr lang="it-IT" smtClean="0"/>
-              <a:t>‹#›</a:t>
+              <a:t>‹N›</a:t>
             </a:fld>
             <a:endParaRPr lang="it-IT"/>
           </a:p>
@@ -2754,7 +2772,7 @@
           <a:p>
             <a:fld id="{8EB6065D-7731-4525-AC99-D31380634F16}" type="datetimeFigureOut">
               <a:rPr lang="it-IT" smtClean="0"/>
-              <a:t>20/01/2024</a:t>
+              <a:t>26/01/2024</a:t>
             </a:fld>
             <a:endParaRPr lang="it-IT"/>
           </a:p>
@@ -2808,7 +2826,7 @@
           <a:p>
             <a:fld id="{9E7AA4F4-6F5A-4614-9621-31BDC7B018FA}" type="slidenum">
               <a:rPr lang="it-IT" smtClean="0"/>
-              <a:t>‹#›</a:t>
+              <a:t>‹N›</a:t>
             </a:fld>
             <a:endParaRPr lang="it-IT"/>
           </a:p>
@@ -3030,7 +3048,7 @@
           <a:p>
             <a:fld id="{8EB6065D-7731-4525-AC99-D31380634F16}" type="datetimeFigureOut">
               <a:rPr lang="it-IT" smtClean="0"/>
-              <a:t>20/01/2024</a:t>
+              <a:t>26/01/2024</a:t>
             </a:fld>
             <a:endParaRPr lang="it-IT"/>
           </a:p>
@@ -3084,7 +3102,7 @@
           <a:p>
             <a:fld id="{9E7AA4F4-6F5A-4614-9621-31BDC7B018FA}" type="slidenum">
               <a:rPr lang="it-IT" smtClean="0"/>
-              <a:t>‹#›</a:t>
+              <a:t>‹N›</a:t>
             </a:fld>
             <a:endParaRPr lang="it-IT"/>
           </a:p>
@@ -3298,7 +3316,7 @@
           <a:p>
             <a:fld id="{8EB6065D-7731-4525-AC99-D31380634F16}" type="datetimeFigureOut">
               <a:rPr lang="it-IT" smtClean="0"/>
-              <a:t>20/01/2024</a:t>
+              <a:t>26/01/2024</a:t>
             </a:fld>
             <a:endParaRPr lang="it-IT"/>
           </a:p>
@@ -3352,7 +3370,7 @@
           <a:p>
             <a:fld id="{9E7AA4F4-6F5A-4614-9621-31BDC7B018FA}" type="slidenum">
               <a:rPr lang="it-IT" smtClean="0"/>
-              <a:t>‹#›</a:t>
+              <a:t>‹N›</a:t>
             </a:fld>
             <a:endParaRPr lang="it-IT"/>
           </a:p>
@@ -3713,7 +3731,7 @@
           <a:p>
             <a:fld id="{8EB6065D-7731-4525-AC99-D31380634F16}" type="datetimeFigureOut">
               <a:rPr lang="it-IT" smtClean="0"/>
-              <a:t>20/01/2024</a:t>
+              <a:t>26/01/2024</a:t>
             </a:fld>
             <a:endParaRPr lang="it-IT"/>
           </a:p>
@@ -3767,7 +3785,7 @@
           <a:p>
             <a:fld id="{9E7AA4F4-6F5A-4614-9621-31BDC7B018FA}" type="slidenum">
               <a:rPr lang="it-IT" smtClean="0"/>
-              <a:t>‹#›</a:t>
+              <a:t>‹N›</a:t>
             </a:fld>
             <a:endParaRPr lang="it-IT"/>
           </a:p>
@@ -3855,7 +3873,7 @@
           <a:p>
             <a:fld id="{8EB6065D-7731-4525-AC99-D31380634F16}" type="datetimeFigureOut">
               <a:rPr lang="it-IT" smtClean="0"/>
-              <a:t>20/01/2024</a:t>
+              <a:t>26/01/2024</a:t>
             </a:fld>
             <a:endParaRPr lang="it-IT"/>
           </a:p>
@@ -3909,7 +3927,7 @@
           <a:p>
             <a:fld id="{9E7AA4F4-6F5A-4614-9621-31BDC7B018FA}" type="slidenum">
               <a:rPr lang="it-IT" smtClean="0"/>
-              <a:t>‹#›</a:t>
+              <a:t>‹N›</a:t>
             </a:fld>
             <a:endParaRPr lang="it-IT"/>
           </a:p>
@@ -3968,7 +3986,7 @@
           <a:p>
             <a:fld id="{8EB6065D-7731-4525-AC99-D31380634F16}" type="datetimeFigureOut">
               <a:rPr lang="it-IT" smtClean="0"/>
-              <a:t>20/01/2024</a:t>
+              <a:t>26/01/2024</a:t>
             </a:fld>
             <a:endParaRPr lang="it-IT"/>
           </a:p>
@@ -4022,7 +4040,7 @@
           <a:p>
             <a:fld id="{9E7AA4F4-6F5A-4614-9621-31BDC7B018FA}" type="slidenum">
               <a:rPr lang="it-IT" smtClean="0"/>
-              <a:t>‹#›</a:t>
+              <a:t>‹N›</a:t>
             </a:fld>
             <a:endParaRPr lang="it-IT"/>
           </a:p>
@@ -4281,7 +4299,7 @@
           <a:p>
             <a:fld id="{8EB6065D-7731-4525-AC99-D31380634F16}" type="datetimeFigureOut">
               <a:rPr lang="it-IT" smtClean="0"/>
-              <a:t>20/01/2024</a:t>
+              <a:t>26/01/2024</a:t>
             </a:fld>
             <a:endParaRPr lang="it-IT"/>
           </a:p>
@@ -4335,7 +4353,7 @@
           <a:p>
             <a:fld id="{9E7AA4F4-6F5A-4614-9621-31BDC7B018FA}" type="slidenum">
               <a:rPr lang="it-IT" smtClean="0"/>
-              <a:t>‹#›</a:t>
+              <a:t>‹N›</a:t>
             </a:fld>
             <a:endParaRPr lang="it-IT"/>
           </a:p>
@@ -4570,7 +4588,7 @@
           <a:p>
             <a:fld id="{8EB6065D-7731-4525-AC99-D31380634F16}" type="datetimeFigureOut">
               <a:rPr lang="it-IT" smtClean="0"/>
-              <a:t>20/01/2024</a:t>
+              <a:t>26/01/2024</a:t>
             </a:fld>
             <a:endParaRPr lang="it-IT"/>
           </a:p>
@@ -4624,7 +4642,7 @@
           <a:p>
             <a:fld id="{9E7AA4F4-6F5A-4614-9621-31BDC7B018FA}" type="slidenum">
               <a:rPr lang="it-IT" smtClean="0"/>
-              <a:t>‹#›</a:t>
+              <a:t>‹N›</a:t>
             </a:fld>
             <a:endParaRPr lang="it-IT"/>
           </a:p>
@@ -4813,7 +4831,7 @@
           <a:p>
             <a:fld id="{8EB6065D-7731-4525-AC99-D31380634F16}" type="datetimeFigureOut">
               <a:rPr lang="it-IT" smtClean="0"/>
-              <a:t>20/01/2024</a:t>
+              <a:t>26/01/2024</a:t>
             </a:fld>
             <a:endParaRPr lang="it-IT"/>
           </a:p>
@@ -4903,7 +4921,7 @@
           <a:p>
             <a:fld id="{9E7AA4F4-6F5A-4614-9621-31BDC7B018FA}" type="slidenum">
               <a:rPr lang="it-IT" smtClean="0"/>
-              <a:t>‹#›</a:t>
+              <a:t>‹N›</a:t>
             </a:fld>
             <a:endParaRPr lang="it-IT"/>
           </a:p>
@@ -5264,7 +5282,7 @@
           <a:effectLst/>
           <a:extLst>
             <a:ext uri="{AF507438-7753-43e0-B8FC-AC1667EBCBE1}">
-              <a14:hiddenEffects xmlns:a14="http://schemas.microsoft.com/office/drawing/2010/main" xmlns="">
+              <a14:hiddenEffects xmlns="" xmlns:a14="http://schemas.microsoft.com/office/drawing/2010/main">
                 <a:effectLst>
                   <a:outerShdw blurRad="63500" dist="38099" dir="2700000" algn="ctr" rotWithShape="0">
                     <a:srgbClr val="000000">
@@ -7988,7 +8006,7 @@
         <p:spPr>
           <a:xfrm>
             <a:off x="1" y="0"/>
-            <a:ext cx="2527617" cy="728851"/>
+            <a:ext cx="2459202" cy="709123"/>
           </a:xfrm>
           <a:prstGeom prst="rect">
             <a:avLst/>
@@ -8009,16 +8027,15 @@
           </p:cNvPicPr>
           <p:nvPr/>
         </p:nvPicPr>
-        <p:blipFill>
+        <p:blipFill rotWithShape="1">
           <a:blip r:embed="rId4"/>
-          <a:stretch>
-            <a:fillRect/>
-          </a:stretch>
+          <a:srcRect t="2706"/>
+          <a:stretch/>
         </p:blipFill>
         <p:spPr>
           <a:xfrm>
-            <a:off x="0" y="6129150"/>
-            <a:ext cx="12192000" cy="728850"/>
+            <a:off x="0" y="6548981"/>
+            <a:ext cx="12192000" cy="309018"/>
           </a:xfrm>
           <a:prstGeom prst="rect">
             <a:avLst/>
@@ -8027,10 +8044,10 @@
       </p:pic>
       <p:pic>
         <p:nvPicPr>
-          <p:cNvPr id="16" name="Picture 15">
-            <a:extLst>
-              <a:ext uri="{FF2B5EF4-FFF2-40B4-BE49-F238E27FC236}">
-                <a16:creationId xmlns:a16="http://schemas.microsoft.com/office/drawing/2014/main" id="{D0F953A8-1917-FAB0-A4A3-38A8CED21AC8}"/>
+          <p:cNvPr id="4" name="Picture 3">
+            <a:extLst>
+              <a:ext uri="{FF2B5EF4-FFF2-40B4-BE49-F238E27FC236}">
+                <a16:creationId xmlns:a16="http://schemas.microsoft.com/office/drawing/2014/main" id="{FD7C21C2-311E-3721-E03A-F2A6657BC9C2}"/>
               </a:ext>
             </a:extLst>
           </p:cNvPr>
@@ -8047,8 +8064,8 @@
         </p:blipFill>
         <p:spPr>
           <a:xfrm>
-            <a:off x="3574240" y="755286"/>
-            <a:ext cx="7799777" cy="3636793"/>
+            <a:off x="2608964" y="282453"/>
+            <a:ext cx="9461812" cy="4466829"/>
           </a:xfrm>
           <a:prstGeom prst="rect">
             <a:avLst/>
@@ -8057,10 +8074,10 @@
       </p:pic>
       <p:sp>
         <p:nvSpPr>
-          <p:cNvPr id="20" name="TextBox 19">
-            <a:extLst>
-              <a:ext uri="{FF2B5EF4-FFF2-40B4-BE49-F238E27FC236}">
-                <a16:creationId xmlns:a16="http://schemas.microsoft.com/office/drawing/2014/main" id="{4AB3AAFC-6BC2-8C42-12A2-2B97DBDF3B4D}"/>
+          <p:cNvPr id="12" name="TextBox 11">
+            <a:extLst>
+              <a:ext uri="{FF2B5EF4-FFF2-40B4-BE49-F238E27FC236}">
+                <a16:creationId xmlns:a16="http://schemas.microsoft.com/office/drawing/2014/main" id="{9D4399D1-8A92-80A1-54B8-A5AA8CD40080}"/>
               </a:ext>
             </a:extLst>
           </p:cNvPr>
@@ -8069,8 +8086,8 @@
         </p:nvSpPr>
         <p:spPr>
           <a:xfrm>
-            <a:off x="198274" y="1270236"/>
-            <a:ext cx="3375966" cy="1077218"/>
+            <a:off x="5043974" y="1116926"/>
+            <a:ext cx="1627414" cy="261610"/>
           </a:xfrm>
           <a:prstGeom prst="rect">
             <a:avLst/>
@@ -8084,70 +8101,29 @@
           <a:lstStyle/>
           <a:p>
             <a:r>
-              <a:rPr lang="it-IT" sz="1600" dirty="0"/>
-              <a:t>1. Installation Dynamics:</a:t>
-            </a:r>
-          </a:p>
-          <a:p>
-            <a:r>
-              <a:rPr lang="it-IT" sz="1600" dirty="0"/>
-              <a:t>   - Ratings </a:t>
-            </a:r>
-            <a:r>
-              <a:rPr lang="it-IT" sz="1600" dirty="0" err="1"/>
-              <a:t>have</a:t>
-            </a:r>
-            <a:r>
-              <a:rPr lang="it-IT" sz="1600" dirty="0"/>
-              <a:t> </a:t>
-            </a:r>
-            <a:r>
-              <a:rPr lang="it-IT" sz="1600" dirty="0" err="1"/>
-              <a:t>minimal</a:t>
-            </a:r>
-            <a:r>
-              <a:rPr lang="it-IT" sz="1600" dirty="0"/>
-              <a:t> impact on </a:t>
-            </a:r>
-            <a:r>
-              <a:rPr lang="it-IT" sz="1600" dirty="0" err="1"/>
-              <a:t>installations</a:t>
-            </a:r>
-            <a:r>
-              <a:rPr lang="it-IT" sz="1600" dirty="0"/>
-              <a:t>.</a:t>
-            </a:r>
-          </a:p>
-          <a:p>
-            <a:r>
-              <a:rPr lang="it-IT" sz="1600" dirty="0"/>
-              <a:t>   - User reviews play a </a:t>
-            </a:r>
-            <a:r>
-              <a:rPr lang="it-IT" sz="1600" dirty="0" err="1"/>
-              <a:t>pivotal</a:t>
-            </a:r>
-            <a:r>
-              <a:rPr lang="it-IT" sz="1600" dirty="0"/>
-              <a:t> </a:t>
-            </a:r>
-            <a:r>
-              <a:rPr lang="it-IT" sz="1600" dirty="0" err="1"/>
-              <a:t>role</a:t>
-            </a:r>
-            <a:r>
-              <a:rPr lang="it-IT" sz="1600" dirty="0"/>
-              <a:t>.</a:t>
-            </a:r>
-          </a:p>
-        </p:txBody>
-      </p:sp>
-      <p:sp>
-        <p:nvSpPr>
-          <p:cNvPr id="22" name="TextBox 21">
-            <a:extLst>
-              <a:ext uri="{FF2B5EF4-FFF2-40B4-BE49-F238E27FC236}">
-                <a16:creationId xmlns:a16="http://schemas.microsoft.com/office/drawing/2014/main" id="{2ADE23BC-E36D-0B64-40B7-E43648E3830F}"/>
+              <a:rPr lang="en-US" sz="1100" b="0" i="0" dirty="0">
+                <a:solidFill>
+                  <a:srgbClr val="CB2322"/>
+                </a:solidFill>
+                <a:effectLst/>
+                <a:latin typeface="Söhne"/>
+              </a:rPr>
+              <a:t>highly installed </a:t>
+            </a:r>
+            <a:endParaRPr lang="it-IT" sz="1100" dirty="0">
+              <a:solidFill>
+                <a:srgbClr val="CB2322"/>
+              </a:solidFill>
+            </a:endParaRPr>
+          </a:p>
+        </p:txBody>
+      </p:sp>
+      <p:sp>
+        <p:nvSpPr>
+          <p:cNvPr id="15" name="TextBox 14">
+            <a:extLst>
+              <a:ext uri="{FF2B5EF4-FFF2-40B4-BE49-F238E27FC236}">
+                <a16:creationId xmlns:a16="http://schemas.microsoft.com/office/drawing/2014/main" id="{7C15F3C2-CD75-F5B9-1296-CD81D760C85C}"/>
               </a:ext>
             </a:extLst>
           </p:cNvPr>
@@ -8156,8 +8132,8 @@
         </p:nvSpPr>
         <p:spPr>
           <a:xfrm>
-            <a:off x="198274" y="2495858"/>
-            <a:ext cx="3023118" cy="1569660"/>
+            <a:off x="3464296" y="709123"/>
+            <a:ext cx="1505032" cy="261610"/>
           </a:xfrm>
           <a:prstGeom prst="rect">
             <a:avLst/>
@@ -8170,82 +8146,30 @@
           </a:bodyPr>
           <a:lstStyle/>
           <a:p>
-            <a:endParaRPr lang="it-IT" sz="1600" dirty="0"/>
-          </a:p>
-          <a:p>
-            <a:r>
-              <a:rPr lang="it-IT" sz="1600" dirty="0"/>
-              <a:t>2. </a:t>
-            </a:r>
-            <a:r>
-              <a:rPr lang="it-IT" sz="1600" dirty="0" err="1"/>
-              <a:t>Popular</a:t>
-            </a:r>
-            <a:r>
-              <a:rPr lang="it-IT" sz="1600" dirty="0"/>
-              <a:t> Apps:</a:t>
-            </a:r>
-          </a:p>
-          <a:p>
-            <a:r>
-              <a:rPr lang="it-IT" sz="1600" dirty="0"/>
-              <a:t>   - </a:t>
-            </a:r>
-            <a:r>
-              <a:rPr lang="it-IT" sz="1600" dirty="0" err="1"/>
-              <a:t>Widely</a:t>
-            </a:r>
-            <a:r>
-              <a:rPr lang="it-IT" sz="1600" dirty="0"/>
-              <a:t> </a:t>
-            </a:r>
-            <a:r>
-              <a:rPr lang="it-IT" sz="1600" dirty="0" err="1"/>
-              <a:t>appreciated</a:t>
-            </a:r>
-            <a:r>
-              <a:rPr lang="it-IT" sz="1600" dirty="0"/>
-              <a:t> apps </a:t>
-            </a:r>
-            <a:r>
-              <a:rPr lang="it-IT" sz="1600" dirty="0" err="1"/>
-              <a:t>have</a:t>
-            </a:r>
-            <a:r>
-              <a:rPr lang="it-IT" sz="1600" dirty="0"/>
-              <a:t> 100,000 to 900,000 reviews.</a:t>
-            </a:r>
-          </a:p>
-          <a:p>
-            <a:r>
-              <a:rPr lang="it-IT" sz="1600" dirty="0"/>
-              <a:t>   - Ratings </a:t>
-            </a:r>
-            <a:r>
-              <a:rPr lang="it-IT" sz="1600" dirty="0" err="1"/>
-              <a:t>fall</a:t>
-            </a:r>
-            <a:r>
-              <a:rPr lang="it-IT" sz="1600" dirty="0"/>
-              <a:t> </a:t>
-            </a:r>
-            <a:r>
-              <a:rPr lang="it-IT" sz="1600" dirty="0" err="1"/>
-              <a:t>within</a:t>
-            </a:r>
-            <a:r>
-              <a:rPr lang="it-IT" sz="1600" dirty="0"/>
-              <a:t> the range of 4 to 5.</a:t>
-            </a:r>
-          </a:p>
-        </p:txBody>
-      </p:sp>
-      <p:sp>
-        <p:nvSpPr>
-          <p:cNvPr id="24" name="TextBox 23">
-            <a:extLst>
-              <a:ext uri="{FF2B5EF4-FFF2-40B4-BE49-F238E27FC236}">
-                <a16:creationId xmlns:a16="http://schemas.microsoft.com/office/drawing/2014/main" id="{3EA99F20-9F76-D430-D6E3-9C850D93F2C7}"/>
+            <a:r>
+              <a:rPr lang="en-US" sz="1100" b="0" i="0" dirty="0">
+                <a:solidFill>
+                  <a:srgbClr val="00E3FD"/>
+                </a:solidFill>
+                <a:effectLst/>
+                <a:latin typeface="Söhne"/>
+              </a:rPr>
+              <a:t>less installed </a:t>
+            </a:r>
+            <a:endParaRPr lang="it-IT" sz="1100" dirty="0">
+              <a:solidFill>
+                <a:srgbClr val="00E3FD"/>
+              </a:solidFill>
+            </a:endParaRPr>
+          </a:p>
+        </p:txBody>
+      </p:sp>
+      <p:sp>
+        <p:nvSpPr>
+          <p:cNvPr id="17" name="TextBox 16">
+            <a:extLst>
+              <a:ext uri="{FF2B5EF4-FFF2-40B4-BE49-F238E27FC236}">
+                <a16:creationId xmlns:a16="http://schemas.microsoft.com/office/drawing/2014/main" id="{AFC77A50-F31F-AE6E-6989-BBA9FE7DE603}"/>
               </a:ext>
             </a:extLst>
           </p:cNvPr>
@@ -8254,8 +8178,8 @@
         </p:nvSpPr>
         <p:spPr>
           <a:xfrm>
-            <a:off x="198274" y="4392079"/>
-            <a:ext cx="5212909" cy="830997"/>
+            <a:off x="262036" y="2553279"/>
+            <a:ext cx="2162955" cy="2462213"/>
           </a:xfrm>
           <a:prstGeom prst="rect">
             <a:avLst/>
@@ -8268,63 +8192,61 @@
           </a:bodyPr>
           <a:lstStyle/>
           <a:p>
-            <a:r>
-              <a:rPr lang="it-IT" sz="1600" dirty="0"/>
-              <a:t>3. </a:t>
-            </a:r>
-            <a:r>
-              <a:rPr lang="it-IT" sz="1600" dirty="0" err="1"/>
-              <a:t>Less-Installed</a:t>
-            </a:r>
-            <a:r>
-              <a:rPr lang="it-IT" sz="1600" dirty="0"/>
-              <a:t> Apps:</a:t>
-            </a:r>
-          </a:p>
-          <a:p>
-            <a:r>
-              <a:rPr lang="it-IT" sz="1600" dirty="0"/>
-              <a:t>   - Accumulate </a:t>
-            </a:r>
-            <a:r>
-              <a:rPr lang="it-IT" sz="1600" dirty="0" err="1"/>
-              <a:t>fewer</a:t>
-            </a:r>
-            <a:r>
-              <a:rPr lang="it-IT" sz="1600" dirty="0"/>
-              <a:t> reviews (0 to 100,000).</a:t>
-            </a:r>
-          </a:p>
-          <a:p>
-            <a:r>
-              <a:rPr lang="it-IT" sz="1600" dirty="0"/>
-              <a:t>   - </a:t>
-            </a:r>
-            <a:r>
-              <a:rPr lang="it-IT" sz="1600" dirty="0" err="1"/>
-              <a:t>Variable</a:t>
-            </a:r>
-            <a:r>
-              <a:rPr lang="it-IT" sz="1600" dirty="0"/>
-              <a:t> ratings </a:t>
-            </a:r>
-            <a:r>
-              <a:rPr lang="it-IT" sz="1600" dirty="0" err="1"/>
-              <a:t>ranging</a:t>
-            </a:r>
-            <a:r>
-              <a:rPr lang="it-IT" sz="1600" dirty="0"/>
-              <a:t> from 1 to 5.</a:t>
-            </a:r>
-          </a:p>
-        </p:txBody>
-      </p:sp>
-      <p:sp>
-        <p:nvSpPr>
-          <p:cNvPr id="26" name="TextBox 25">
-            <a:extLst>
-              <a:ext uri="{FF2B5EF4-FFF2-40B4-BE49-F238E27FC236}">
-                <a16:creationId xmlns:a16="http://schemas.microsoft.com/office/drawing/2014/main" id="{148742DC-B4F6-F2CC-E9BC-F17C201F5E46}"/>
+            <a:pPr marL="285750" indent="-285750" algn="l">
+              <a:buFont typeface="Arial" panose="020B0604020202020204" pitchFamily="34" charset="0"/>
+              <a:buChar char="•"/>
+            </a:pPr>
+            <a:r>
+              <a:rPr lang="en-US" sz="1400" b="0" i="0" dirty="0">
+                <a:solidFill>
+                  <a:srgbClr val="374151"/>
+                </a:solidFill>
+                <a:effectLst/>
+                <a:latin typeface="Söhne"/>
+              </a:rPr>
+              <a:t>Boxplots for reviews in both groups show significant differences.</a:t>
+            </a:r>
+          </a:p>
+          <a:p>
+            <a:pPr marL="285750" indent="-285750" algn="l">
+              <a:buFont typeface="Arial" panose="020B0604020202020204" pitchFamily="34" charset="0"/>
+              <a:buChar char="•"/>
+            </a:pPr>
+            <a:r>
+              <a:rPr lang="en-US" sz="1400" b="0" i="0" dirty="0">
+                <a:solidFill>
+                  <a:srgbClr val="374151"/>
+                </a:solidFill>
+                <a:effectLst/>
+                <a:latin typeface="Söhne"/>
+              </a:rPr>
+              <a:t>Quartile values (Q1, Q3) for highly installed apps are 1,000,000 and 5,000,000.</a:t>
+            </a:r>
+          </a:p>
+          <a:p>
+            <a:pPr marL="285750" indent="-285750" algn="l">
+              <a:buFont typeface="Arial" panose="020B0604020202020204" pitchFamily="34" charset="0"/>
+              <a:buChar char="•"/>
+            </a:pPr>
+            <a:r>
+              <a:rPr lang="en-US" sz="1400" b="0" i="0" dirty="0">
+                <a:solidFill>
+                  <a:srgbClr val="374151"/>
+                </a:solidFill>
+                <a:effectLst/>
+                <a:latin typeface="Söhne"/>
+              </a:rPr>
+              <a:t>Quartile values (Q1', Q3') for less installed apps are 0.005% of Q1 and about 0.1% of Q3.</a:t>
+            </a:r>
+          </a:p>
+        </p:txBody>
+      </p:sp>
+      <p:sp>
+        <p:nvSpPr>
+          <p:cNvPr id="19" name="TextBox 18">
+            <a:extLst>
+              <a:ext uri="{FF2B5EF4-FFF2-40B4-BE49-F238E27FC236}">
+                <a16:creationId xmlns:a16="http://schemas.microsoft.com/office/drawing/2014/main" id="{376E46EC-8543-63AF-7D7D-9A256A2ABBDB}"/>
               </a:ext>
             </a:extLst>
           </p:cNvPr>
@@ -8333,8 +8255,8 @@
         </p:nvSpPr>
         <p:spPr>
           <a:xfrm>
-            <a:off x="6094446" y="4755123"/>
-            <a:ext cx="6097554" cy="1077218"/>
+            <a:off x="148124" y="1062418"/>
+            <a:ext cx="2162955" cy="1169551"/>
           </a:xfrm>
           <a:prstGeom prst="rect">
             <a:avLst/>
@@ -8347,89 +8269,30 @@
           </a:bodyPr>
           <a:lstStyle/>
           <a:p>
-            <a:r>
-              <a:rPr lang="it-IT" sz="1600" dirty="0" err="1"/>
-              <a:t>Exception</a:t>
-            </a:r>
-            <a:r>
-              <a:rPr lang="it-IT" sz="1600" dirty="0"/>
-              <a:t>:</a:t>
-            </a:r>
-          </a:p>
-          <a:p>
-            <a:r>
-              <a:rPr lang="it-IT" sz="1600" dirty="0"/>
-              <a:t>- Google News app:</a:t>
-            </a:r>
-          </a:p>
-          <a:p>
-            <a:r>
-              <a:rPr lang="it-IT" sz="1600" dirty="0"/>
-              <a:t>   - </a:t>
-            </a:r>
-            <a:r>
-              <a:rPr lang="it-IT" sz="1600" dirty="0" err="1"/>
-              <a:t>Despite</a:t>
-            </a:r>
-            <a:r>
-              <a:rPr lang="it-IT" sz="1600" dirty="0"/>
-              <a:t> a rating of 3.8, </a:t>
-            </a:r>
-            <a:r>
-              <a:rPr lang="it-IT" sz="1600" dirty="0" err="1"/>
-              <a:t>maintains</a:t>
-            </a:r>
-            <a:r>
-              <a:rPr lang="it-IT" sz="1600" dirty="0"/>
-              <a:t> top position in user </a:t>
-            </a:r>
-            <a:r>
-              <a:rPr lang="it-IT" sz="1600" dirty="0" err="1"/>
-              <a:t>installations</a:t>
-            </a:r>
-            <a:r>
-              <a:rPr lang="it-IT" sz="1600" dirty="0"/>
-              <a:t>.</a:t>
-            </a:r>
-          </a:p>
-          <a:p>
-            <a:r>
-              <a:rPr lang="it-IT" sz="1600" dirty="0"/>
-              <a:t>   - </a:t>
-            </a:r>
-            <a:r>
-              <a:rPr lang="it-IT" sz="1600" dirty="0" err="1"/>
-              <a:t>Exemplifies</a:t>
-            </a:r>
-            <a:r>
-              <a:rPr lang="it-IT" sz="1600" dirty="0"/>
-              <a:t> </a:t>
-            </a:r>
-            <a:r>
-              <a:rPr lang="it-IT" sz="1600" dirty="0" err="1"/>
-              <a:t>unique</a:t>
-            </a:r>
-            <a:r>
-              <a:rPr lang="it-IT" sz="1600" dirty="0"/>
-              <a:t> appeal and </a:t>
-            </a:r>
-            <a:r>
-              <a:rPr lang="it-IT" sz="1600" dirty="0" err="1"/>
-              <a:t>resilience</a:t>
-            </a:r>
-            <a:r>
-              <a:rPr lang="it-IT" sz="1600" dirty="0"/>
-              <a:t>.</a:t>
-            </a:r>
-          </a:p>
-        </p:txBody>
-      </p:sp>
-      <p:sp>
-        <p:nvSpPr>
-          <p:cNvPr id="29" name="TextBox 28">
-            <a:extLst>
-              <a:ext uri="{FF2B5EF4-FFF2-40B4-BE49-F238E27FC236}">
-                <a16:creationId xmlns:a16="http://schemas.microsoft.com/office/drawing/2014/main" id="{CE70AD11-DB28-E7AB-AA2F-13EAA01F0461}"/>
+            <a:pPr marL="171450" indent="-171450">
+              <a:buFont typeface="Arial" panose="020B0604020202020204" pitchFamily="34" charset="0"/>
+              <a:buChar char="•"/>
+            </a:pPr>
+            <a:r>
+              <a:rPr lang="en-US" sz="1400" b="0" i="0" dirty="0">
+                <a:solidFill>
+                  <a:srgbClr val="374151"/>
+                </a:solidFill>
+                <a:effectLst/>
+                <a:latin typeface="Söhne"/>
+              </a:rPr>
+              <a:t>Less installed apps have notably fewer reviews, indicating lower user engagement compared to popular ones.</a:t>
+            </a:r>
+            <a:endParaRPr lang="it-IT" sz="1400" dirty="0"/>
+          </a:p>
+        </p:txBody>
+      </p:sp>
+      <p:sp>
+        <p:nvSpPr>
+          <p:cNvPr id="21" name="TextBox 20">
+            <a:extLst>
+              <a:ext uri="{FF2B5EF4-FFF2-40B4-BE49-F238E27FC236}">
+                <a16:creationId xmlns:a16="http://schemas.microsoft.com/office/drawing/2014/main" id="{8FE7F5FC-A666-E79D-3F51-DD961D94FB59}"/>
               </a:ext>
             </a:extLst>
           </p:cNvPr>
@@ -8438,8 +8301,8 @@
         </p:nvSpPr>
         <p:spPr>
           <a:xfrm>
-            <a:off x="5276463" y="273811"/>
-            <a:ext cx="4483357" cy="369332"/>
+            <a:off x="262036" y="5146694"/>
+            <a:ext cx="11808740" cy="738664"/>
           </a:xfrm>
           <a:prstGeom prst="rect">
             <a:avLst/>
@@ -8452,38 +8315,41 @@
           </a:bodyPr>
           <a:lstStyle/>
           <a:p>
-            <a:r>
-              <a:rPr lang="en-US" b="0" i="0" dirty="0">
-                <a:solidFill>
-                  <a:srgbClr val="FF0000"/>
-                </a:solidFill>
-                <a:effectLst/>
-                <a:latin typeface="Arial" panose="020B0604020202020204" pitchFamily="34" charset="0"/>
-              </a:rPr>
-              <a:t>Analysis of the </a:t>
-            </a:r>
-            <a:r>
-              <a:rPr lang="en-US" b="0" i="0" dirty="0">
-                <a:solidFill>
-                  <a:srgbClr val="9365BC"/>
-                </a:solidFill>
-                <a:effectLst/>
-                <a:latin typeface="Arial" panose="020B0604020202020204" pitchFamily="34" charset="0"/>
-              </a:rPr>
-              <a:t>NEWS_AND_MAGAZINE</a:t>
-            </a:r>
-            <a:endParaRPr lang="it-IT" dirty="0">
-              <a:solidFill>
-                <a:srgbClr val="9365BC"/>
-              </a:solidFill>
-            </a:endParaRPr>
+            <a:pPr marL="285750" indent="-285750" algn="l">
+              <a:buFont typeface="Arial" panose="020B0604020202020204" pitchFamily="34" charset="0"/>
+              <a:buChar char="•"/>
+            </a:pPr>
+            <a:r>
+              <a:rPr lang="en-US" sz="1400" dirty="0"/>
+              <a:t>Highly installed apps show a concentrated distribution with quartiles ranging from 3.7 to 4.8, suggesting consistent high-quality reviews.</a:t>
+            </a:r>
+          </a:p>
+          <a:p>
+            <a:pPr marL="285750" indent="-285750" algn="l">
+              <a:buFont typeface="Arial" panose="020B0604020202020204" pitchFamily="34" charset="0"/>
+              <a:buChar char="•"/>
+            </a:pPr>
+            <a:r>
+              <a:rPr lang="en-US" sz="1400" dirty="0"/>
+              <a:t>Less installed apps exhibit a wider distribution across all ratings (1 to 5), indicating greater diversity in user opinions.</a:t>
+            </a:r>
+          </a:p>
+          <a:p>
+            <a:pPr marL="285750" indent="-285750" algn="l">
+              <a:buFont typeface="Arial" panose="020B0604020202020204" pitchFamily="34" charset="0"/>
+              <a:buChar char="•"/>
+            </a:pPr>
+            <a:r>
+              <a:rPr lang="en-US" sz="1400" dirty="0"/>
+              <a:t>The broader distribution for less installed apps may be due to factors such as lower quality or a limited number of user votes, leading to more varied scores.</a:t>
+            </a:r>
           </a:p>
         </p:txBody>
       </p:sp>
     </p:spTree>
     <p:extLst>
       <p:ext uri="{BB962C8B-B14F-4D97-AF65-F5344CB8AC3E}">
-        <p14:creationId xmlns:p14="http://schemas.microsoft.com/office/powerpoint/2010/main" val="1616767605"/>
+        <p14:creationId xmlns:p14="http://schemas.microsoft.com/office/powerpoint/2010/main" val="900400414"/>
       </p:ext>
     </p:extLst>
   </p:cSld>
@@ -8658,8 +8524,8 @@
         </p:blipFill>
         <p:spPr>
           <a:xfrm>
-            <a:off x="0" y="0"/>
-            <a:ext cx="4122777" cy="1188823"/>
+            <a:off x="1" y="0"/>
+            <a:ext cx="2527617" cy="728851"/>
           </a:xfrm>
           <a:prstGeom prst="rect">
             <a:avLst/>
@@ -8680,15 +8546,16 @@
           </p:cNvPicPr>
           <p:nvPr/>
         </p:nvPicPr>
-        <p:blipFill rotWithShape="1">
+        <p:blipFill>
           <a:blip r:embed="rId4"/>
-          <a:srcRect t="2706"/>
-          <a:stretch/>
+          <a:stretch>
+            <a:fillRect/>
+          </a:stretch>
         </p:blipFill>
         <p:spPr>
           <a:xfrm>
-            <a:off x="0" y="6148872"/>
-            <a:ext cx="12192000" cy="709127"/>
+            <a:off x="0" y="6129150"/>
+            <a:ext cx="12192000" cy="728850"/>
           </a:xfrm>
           <a:prstGeom prst="rect">
             <a:avLst/>
@@ -8697,10 +8564,10 @@
       </p:pic>
       <p:pic>
         <p:nvPicPr>
-          <p:cNvPr id="3" name="Picture 2">
-            <a:extLst>
-              <a:ext uri="{FF2B5EF4-FFF2-40B4-BE49-F238E27FC236}">
-                <a16:creationId xmlns:a16="http://schemas.microsoft.com/office/drawing/2014/main" id="{1F3A717B-2D00-5B25-7E50-9713E33BDCDF}"/>
+          <p:cNvPr id="16" name="Picture 15">
+            <a:extLst>
+              <a:ext uri="{FF2B5EF4-FFF2-40B4-BE49-F238E27FC236}">
+                <a16:creationId xmlns:a16="http://schemas.microsoft.com/office/drawing/2014/main" id="{D0F953A8-1917-FAB0-A4A3-38A8CED21AC8}"/>
               </a:ext>
             </a:extLst>
           </p:cNvPr>
@@ -8717,8 +8584,8 @@
         </p:blipFill>
         <p:spPr>
           <a:xfrm>
-            <a:off x="3890087" y="1550248"/>
-            <a:ext cx="8098971" cy="3757501"/>
+            <a:off x="3574240" y="755286"/>
+            <a:ext cx="7799777" cy="3636793"/>
           </a:xfrm>
           <a:prstGeom prst="rect">
             <a:avLst/>
@@ -8727,10 +8594,10 @@
       </p:pic>
       <p:sp>
         <p:nvSpPr>
-          <p:cNvPr id="13" name="TextBox 12">
-            <a:extLst>
-              <a:ext uri="{FF2B5EF4-FFF2-40B4-BE49-F238E27FC236}">
-                <a16:creationId xmlns:a16="http://schemas.microsoft.com/office/drawing/2014/main" id="{E9D04A73-9995-BA12-F5D8-AF55F456BF08}"/>
+          <p:cNvPr id="20" name="TextBox 19">
+            <a:extLst>
+              <a:ext uri="{FF2B5EF4-FFF2-40B4-BE49-F238E27FC236}">
+                <a16:creationId xmlns:a16="http://schemas.microsoft.com/office/drawing/2014/main" id="{4AB3AAFC-6BC2-8C42-12A2-2B97DBDF3B4D}"/>
               </a:ext>
             </a:extLst>
           </p:cNvPr>
@@ -8739,8 +8606,8 @@
         </p:nvSpPr>
         <p:spPr>
           <a:xfrm>
-            <a:off x="286918" y="1859337"/>
-            <a:ext cx="3307888" cy="3139321"/>
+            <a:off x="198274" y="1270236"/>
+            <a:ext cx="3375966" cy="1077218"/>
           </a:xfrm>
           <a:prstGeom prst="rect">
             <a:avLst/>
@@ -8754,148 +8621,70 @@
           <a:lstStyle/>
           <a:p>
             <a:r>
-              <a:rPr lang="it-IT" dirty="0"/>
-              <a:t>1. Rating </a:t>
-            </a:r>
-            <a:r>
-              <a:rPr lang="it-IT" dirty="0" err="1"/>
-              <a:t>Importance</a:t>
-            </a:r>
-            <a:r>
-              <a:rPr lang="it-IT" dirty="0"/>
-              <a:t>: </a:t>
-            </a:r>
-            <a:r>
-              <a:rPr lang="it-IT" dirty="0" err="1"/>
-              <a:t>Optimal</a:t>
-            </a:r>
-            <a:r>
-              <a:rPr lang="it-IT" dirty="0"/>
-              <a:t> apps </a:t>
-            </a:r>
-            <a:r>
-              <a:rPr lang="it-IT" dirty="0" err="1"/>
+              <a:rPr lang="it-IT" sz="1600" dirty="0"/>
+              <a:t>1. Installation Dynamics:</a:t>
+            </a:r>
+          </a:p>
+          <a:p>
+            <a:r>
+              <a:rPr lang="it-IT" sz="1600" dirty="0"/>
+              <a:t>   - Ratings </a:t>
+            </a:r>
+            <a:r>
+              <a:rPr lang="it-IT" sz="1600" dirty="0" err="1"/>
               <a:t>have</a:t>
             </a:r>
             <a:r>
-              <a:rPr lang="it-IT" dirty="0"/>
-              <a:t> ratings </a:t>
-            </a:r>
-            <a:r>
-              <a:rPr lang="it-IT" dirty="0" err="1"/>
-              <a:t>between</a:t>
-            </a:r>
-            <a:r>
-              <a:rPr lang="it-IT" dirty="0"/>
-              <a:t> 4 and 5.</a:t>
-            </a:r>
-          </a:p>
-          <a:p>
-            <a:endParaRPr lang="it-IT" dirty="0"/>
-          </a:p>
-          <a:p>
-            <a:r>
-              <a:rPr lang="it-IT" dirty="0"/>
-              <a:t>2. Size Impact: App size </a:t>
-            </a:r>
-            <a:r>
-              <a:rPr lang="it-IT" dirty="0" err="1"/>
-              <a:t>doesn't</a:t>
-            </a:r>
-            <a:r>
-              <a:rPr lang="it-IT" dirty="0"/>
+              <a:rPr lang="it-IT" sz="1600" dirty="0"/>
               <a:t> </a:t>
             </a:r>
             <a:r>
-              <a:rPr lang="it-IT" dirty="0" err="1"/>
-              <a:t>significantly</a:t>
-            </a:r>
-            <a:r>
-              <a:rPr lang="it-IT" dirty="0"/>
+              <a:rPr lang="it-IT" sz="1600" dirty="0" err="1"/>
+              <a:t>minimal</a:t>
+            </a:r>
+            <a:r>
+              <a:rPr lang="it-IT" sz="1600" dirty="0"/>
+              <a:t> impact on </a:t>
+            </a:r>
+            <a:r>
+              <a:rPr lang="it-IT" sz="1600" dirty="0" err="1"/>
+              <a:t>installations</a:t>
+            </a:r>
+            <a:r>
+              <a:rPr lang="it-IT" sz="1600" dirty="0"/>
+              <a:t>.</a:t>
+            </a:r>
+          </a:p>
+          <a:p>
+            <a:r>
+              <a:rPr lang="it-IT" sz="1600" dirty="0"/>
+              <a:t>   - User reviews play a </a:t>
+            </a:r>
+            <a:r>
+              <a:rPr lang="it-IT" sz="1600" dirty="0" err="1"/>
+              <a:t>pivotal</a:t>
+            </a:r>
+            <a:r>
+              <a:rPr lang="it-IT" sz="1600" dirty="0"/>
               <a:t> </a:t>
             </a:r>
             <a:r>
-              <a:rPr lang="it-IT" dirty="0" err="1"/>
-              <a:t>influence</a:t>
-            </a:r>
-            <a:r>
-              <a:rPr lang="it-IT" dirty="0"/>
-              <a:t> </a:t>
-            </a:r>
-            <a:r>
-              <a:rPr lang="it-IT" dirty="0" err="1"/>
-              <a:t>installation</a:t>
-            </a:r>
-            <a:r>
-              <a:rPr lang="it-IT" dirty="0"/>
-              <a:t> </a:t>
-            </a:r>
-            <a:r>
-              <a:rPr lang="it-IT" dirty="0" err="1"/>
-              <a:t>decisions</a:t>
-            </a:r>
-            <a:r>
-              <a:rPr lang="it-IT" dirty="0"/>
+              <a:rPr lang="it-IT" sz="1600" dirty="0" err="1"/>
+              <a:t>role</a:t>
+            </a:r>
+            <a:r>
+              <a:rPr lang="it-IT" sz="1600" dirty="0"/>
               <a:t>.</a:t>
             </a:r>
           </a:p>
-          <a:p>
-            <a:endParaRPr lang="it-IT" dirty="0"/>
-          </a:p>
-          <a:p>
-            <a:r>
-              <a:rPr lang="it-IT" dirty="0"/>
-              <a:t>3. Review-App </a:t>
-            </a:r>
-            <a:r>
-              <a:rPr lang="it-IT" dirty="0" err="1"/>
-              <a:t>Popularity</a:t>
-            </a:r>
-            <a:r>
-              <a:rPr lang="it-IT" dirty="0"/>
-              <a:t>: Reviews </a:t>
-            </a:r>
-            <a:r>
-              <a:rPr lang="it-IT" dirty="0" err="1"/>
-              <a:t>appear</a:t>
-            </a:r>
-            <a:r>
-              <a:rPr lang="it-IT" dirty="0"/>
-              <a:t> </a:t>
-            </a:r>
-            <a:r>
-              <a:rPr lang="it-IT" dirty="0" err="1"/>
-              <a:t>proportional</a:t>
-            </a:r>
-            <a:r>
-              <a:rPr lang="it-IT" dirty="0"/>
-              <a:t> to the </a:t>
-            </a:r>
-            <a:r>
-              <a:rPr lang="it-IT" dirty="0" err="1"/>
-              <a:t>app's</a:t>
-            </a:r>
-            <a:r>
-              <a:rPr lang="it-IT" dirty="0"/>
-              <a:t> </a:t>
-            </a:r>
-            <a:r>
-              <a:rPr lang="it-IT" dirty="0" err="1"/>
-              <a:t>popularity</a:t>
-            </a:r>
-            <a:r>
-              <a:rPr lang="it-IT" dirty="0"/>
-              <a:t>.</a:t>
-            </a:r>
-          </a:p>
-        </p:txBody>
-      </p:sp>
-      <p:sp>
-        <p:nvSpPr>
-          <p:cNvPr id="14" name="TextBox 13">
-            <a:extLst>
-              <a:ext uri="{FF2B5EF4-FFF2-40B4-BE49-F238E27FC236}">
-                <a16:creationId xmlns:a16="http://schemas.microsoft.com/office/drawing/2014/main" id="{27385A5D-9D11-BFF3-BF06-D0C820683233}"/>
+        </p:txBody>
+      </p:sp>
+      <p:sp>
+        <p:nvSpPr>
+          <p:cNvPr id="22" name="TextBox 21">
+            <a:extLst>
+              <a:ext uri="{FF2B5EF4-FFF2-40B4-BE49-F238E27FC236}">
+                <a16:creationId xmlns:a16="http://schemas.microsoft.com/office/drawing/2014/main" id="{2ADE23BC-E36D-0B64-40B7-E43648E3830F}"/>
               </a:ext>
             </a:extLst>
           </p:cNvPr>
@@ -8904,8 +8693,8 @@
         </p:nvSpPr>
         <p:spPr>
           <a:xfrm>
-            <a:off x="7029062" y="1000204"/>
-            <a:ext cx="2522375" cy="369332"/>
+            <a:off x="198274" y="2495858"/>
+            <a:ext cx="3023118" cy="1569660"/>
           </a:xfrm>
           <a:prstGeom prst="rect">
             <a:avLst/>
@@ -8918,6 +8707,288 @@
           </a:bodyPr>
           <a:lstStyle/>
           <a:p>
+            <a:endParaRPr lang="it-IT" sz="1600" dirty="0"/>
+          </a:p>
+          <a:p>
+            <a:r>
+              <a:rPr lang="it-IT" sz="1600" dirty="0"/>
+              <a:t>2. </a:t>
+            </a:r>
+            <a:r>
+              <a:rPr lang="it-IT" sz="1600" dirty="0" err="1"/>
+              <a:t>Popular</a:t>
+            </a:r>
+            <a:r>
+              <a:rPr lang="it-IT" sz="1600" dirty="0"/>
+              <a:t> Apps:</a:t>
+            </a:r>
+          </a:p>
+          <a:p>
+            <a:r>
+              <a:rPr lang="it-IT" sz="1600" dirty="0"/>
+              <a:t>   - </a:t>
+            </a:r>
+            <a:r>
+              <a:rPr lang="it-IT" sz="1600" dirty="0" err="1"/>
+              <a:t>Widely</a:t>
+            </a:r>
+            <a:r>
+              <a:rPr lang="it-IT" sz="1600" dirty="0"/>
+              <a:t> </a:t>
+            </a:r>
+            <a:r>
+              <a:rPr lang="it-IT" sz="1600" dirty="0" err="1"/>
+              <a:t>appreciated</a:t>
+            </a:r>
+            <a:r>
+              <a:rPr lang="it-IT" sz="1600" dirty="0"/>
+              <a:t> apps </a:t>
+            </a:r>
+            <a:r>
+              <a:rPr lang="it-IT" sz="1600" dirty="0" err="1"/>
+              <a:t>have</a:t>
+            </a:r>
+            <a:r>
+              <a:rPr lang="it-IT" sz="1600" dirty="0"/>
+              <a:t> 100,000 to 900,000 reviews.</a:t>
+            </a:r>
+          </a:p>
+          <a:p>
+            <a:r>
+              <a:rPr lang="it-IT" sz="1600" dirty="0"/>
+              <a:t>   - Ratings </a:t>
+            </a:r>
+            <a:r>
+              <a:rPr lang="it-IT" sz="1600" dirty="0" err="1"/>
+              <a:t>fall</a:t>
+            </a:r>
+            <a:r>
+              <a:rPr lang="it-IT" sz="1600" dirty="0"/>
+              <a:t> </a:t>
+            </a:r>
+            <a:r>
+              <a:rPr lang="it-IT" sz="1600" dirty="0" err="1"/>
+              <a:t>within</a:t>
+            </a:r>
+            <a:r>
+              <a:rPr lang="it-IT" sz="1600" dirty="0"/>
+              <a:t> the range of 4 to 5.</a:t>
+            </a:r>
+          </a:p>
+        </p:txBody>
+      </p:sp>
+      <p:sp>
+        <p:nvSpPr>
+          <p:cNvPr id="24" name="TextBox 23">
+            <a:extLst>
+              <a:ext uri="{FF2B5EF4-FFF2-40B4-BE49-F238E27FC236}">
+                <a16:creationId xmlns:a16="http://schemas.microsoft.com/office/drawing/2014/main" id="{3EA99F20-9F76-D430-D6E3-9C850D93F2C7}"/>
+              </a:ext>
+            </a:extLst>
+          </p:cNvPr>
+          <p:cNvSpPr txBox="1"/>
+          <p:nvPr/>
+        </p:nvSpPr>
+        <p:spPr>
+          <a:xfrm>
+            <a:off x="198274" y="4392079"/>
+            <a:ext cx="5212909" cy="830997"/>
+          </a:xfrm>
+          <a:prstGeom prst="rect">
+            <a:avLst/>
+          </a:prstGeom>
+          <a:noFill/>
+        </p:spPr>
+        <p:txBody>
+          <a:bodyPr wrap="square">
+            <a:spAutoFit/>
+          </a:bodyPr>
+          <a:lstStyle/>
+          <a:p>
+            <a:r>
+              <a:rPr lang="it-IT" sz="1600" dirty="0"/>
+              <a:t>3. </a:t>
+            </a:r>
+            <a:r>
+              <a:rPr lang="it-IT" sz="1600" dirty="0" err="1"/>
+              <a:t>Less-Installed</a:t>
+            </a:r>
+            <a:r>
+              <a:rPr lang="it-IT" sz="1600" dirty="0"/>
+              <a:t> Apps:</a:t>
+            </a:r>
+          </a:p>
+          <a:p>
+            <a:r>
+              <a:rPr lang="it-IT" sz="1600" dirty="0"/>
+              <a:t>   - Accumulate </a:t>
+            </a:r>
+            <a:r>
+              <a:rPr lang="it-IT" sz="1600" dirty="0" err="1"/>
+              <a:t>fewer</a:t>
+            </a:r>
+            <a:r>
+              <a:rPr lang="it-IT" sz="1600" dirty="0"/>
+              <a:t> reviews (0 to 100,000).</a:t>
+            </a:r>
+          </a:p>
+          <a:p>
+            <a:r>
+              <a:rPr lang="it-IT" sz="1600" dirty="0"/>
+              <a:t>   - </a:t>
+            </a:r>
+            <a:r>
+              <a:rPr lang="it-IT" sz="1600" dirty="0" err="1"/>
+              <a:t>Variable</a:t>
+            </a:r>
+            <a:r>
+              <a:rPr lang="it-IT" sz="1600" dirty="0"/>
+              <a:t> ratings </a:t>
+            </a:r>
+            <a:r>
+              <a:rPr lang="it-IT" sz="1600" dirty="0" err="1"/>
+              <a:t>ranging</a:t>
+            </a:r>
+            <a:r>
+              <a:rPr lang="it-IT" sz="1600" dirty="0"/>
+              <a:t> from 1 to 5.</a:t>
+            </a:r>
+          </a:p>
+        </p:txBody>
+      </p:sp>
+      <p:sp>
+        <p:nvSpPr>
+          <p:cNvPr id="26" name="TextBox 25">
+            <a:extLst>
+              <a:ext uri="{FF2B5EF4-FFF2-40B4-BE49-F238E27FC236}">
+                <a16:creationId xmlns:a16="http://schemas.microsoft.com/office/drawing/2014/main" id="{148742DC-B4F6-F2CC-E9BC-F17C201F5E46}"/>
+              </a:ext>
+            </a:extLst>
+          </p:cNvPr>
+          <p:cNvSpPr txBox="1"/>
+          <p:nvPr/>
+        </p:nvSpPr>
+        <p:spPr>
+          <a:xfrm>
+            <a:off x="6094446" y="4755123"/>
+            <a:ext cx="6097554" cy="1077218"/>
+          </a:xfrm>
+          <a:prstGeom prst="rect">
+            <a:avLst/>
+          </a:prstGeom>
+          <a:noFill/>
+        </p:spPr>
+        <p:txBody>
+          <a:bodyPr wrap="square">
+            <a:spAutoFit/>
+          </a:bodyPr>
+          <a:lstStyle/>
+          <a:p>
+            <a:r>
+              <a:rPr lang="it-IT" sz="1600" dirty="0" err="1"/>
+              <a:t>Exception</a:t>
+            </a:r>
+            <a:r>
+              <a:rPr lang="it-IT" sz="1600" dirty="0"/>
+              <a:t>:</a:t>
+            </a:r>
+          </a:p>
+          <a:p>
+            <a:r>
+              <a:rPr lang="it-IT" sz="1600" dirty="0"/>
+              <a:t>- Google News app:</a:t>
+            </a:r>
+          </a:p>
+          <a:p>
+            <a:r>
+              <a:rPr lang="it-IT" sz="1600" dirty="0"/>
+              <a:t>   - </a:t>
+            </a:r>
+            <a:r>
+              <a:rPr lang="it-IT" sz="1600" dirty="0" err="1"/>
+              <a:t>Despite</a:t>
+            </a:r>
+            <a:r>
+              <a:rPr lang="it-IT" sz="1600" dirty="0"/>
+              <a:t> a rating of 3.8, </a:t>
+            </a:r>
+            <a:r>
+              <a:rPr lang="it-IT" sz="1600" dirty="0" err="1"/>
+              <a:t>maintains</a:t>
+            </a:r>
+            <a:r>
+              <a:rPr lang="it-IT" sz="1600" dirty="0"/>
+              <a:t> top position in user </a:t>
+            </a:r>
+            <a:r>
+              <a:rPr lang="it-IT" sz="1600" dirty="0" err="1"/>
+              <a:t>installations</a:t>
+            </a:r>
+            <a:r>
+              <a:rPr lang="it-IT" sz="1600" dirty="0"/>
+              <a:t>.</a:t>
+            </a:r>
+          </a:p>
+          <a:p>
+            <a:r>
+              <a:rPr lang="it-IT" sz="1600" dirty="0"/>
+              <a:t>   - </a:t>
+            </a:r>
+            <a:r>
+              <a:rPr lang="it-IT" sz="1600" dirty="0" err="1"/>
+              <a:t>Exemplifies</a:t>
+            </a:r>
+            <a:r>
+              <a:rPr lang="it-IT" sz="1600" dirty="0"/>
+              <a:t> </a:t>
+            </a:r>
+            <a:r>
+              <a:rPr lang="it-IT" sz="1600" dirty="0" err="1"/>
+              <a:t>unique</a:t>
+            </a:r>
+            <a:r>
+              <a:rPr lang="it-IT" sz="1600" dirty="0"/>
+              <a:t> appeal and </a:t>
+            </a:r>
+            <a:r>
+              <a:rPr lang="it-IT" sz="1600" dirty="0" err="1"/>
+              <a:t>resilience</a:t>
+            </a:r>
+            <a:r>
+              <a:rPr lang="it-IT" sz="1600" dirty="0"/>
+              <a:t>.</a:t>
+            </a:r>
+          </a:p>
+        </p:txBody>
+      </p:sp>
+      <p:sp>
+        <p:nvSpPr>
+          <p:cNvPr id="29" name="TextBox 28">
+            <a:extLst>
+              <a:ext uri="{FF2B5EF4-FFF2-40B4-BE49-F238E27FC236}">
+                <a16:creationId xmlns:a16="http://schemas.microsoft.com/office/drawing/2014/main" id="{CE70AD11-DB28-E7AB-AA2F-13EAA01F0461}"/>
+              </a:ext>
+            </a:extLst>
+          </p:cNvPr>
+          <p:cNvSpPr txBox="1"/>
+          <p:nvPr/>
+        </p:nvSpPr>
+        <p:spPr>
+          <a:xfrm>
+            <a:off x="5276463" y="273811"/>
+            <a:ext cx="4483357" cy="369332"/>
+          </a:xfrm>
+          <a:prstGeom prst="rect">
+            <a:avLst/>
+          </a:prstGeom>
+          <a:noFill/>
+        </p:spPr>
+        <p:txBody>
+          <a:bodyPr wrap="square">
+            <a:spAutoFit/>
+          </a:bodyPr>
+          <a:lstStyle/>
+          <a:p>
             <a:r>
               <a:rPr lang="en-US" b="0" i="0" dirty="0">
                 <a:solidFill>
@@ -8931,16 +9002,16 @@
             <a:r>
               <a:rPr lang="en-US" b="0" i="0" dirty="0">
                 <a:solidFill>
-                  <a:srgbClr val="FF9896"/>
+                  <a:srgbClr val="9365BC"/>
                 </a:solidFill>
                 <a:effectLst/>
                 <a:latin typeface="Arial" panose="020B0604020202020204" pitchFamily="34" charset="0"/>
               </a:rPr>
-              <a:t>GAME</a:t>
+              <a:t>NEWS_AND_MAGAZINE</a:t>
             </a:r>
             <a:endParaRPr lang="it-IT" dirty="0">
               <a:solidFill>
-                <a:srgbClr val="FF9896"/>
+                <a:srgbClr val="9365BC"/>
               </a:solidFill>
             </a:endParaRPr>
           </a:p>
@@ -8949,7 +9020,7 @@
     </p:spTree>
     <p:extLst>
       <p:ext uri="{BB962C8B-B14F-4D97-AF65-F5344CB8AC3E}">
-        <p14:creationId xmlns:p14="http://schemas.microsoft.com/office/powerpoint/2010/main" val="4291178901"/>
+        <p14:creationId xmlns:p14="http://schemas.microsoft.com/office/powerpoint/2010/main" val="1616767605"/>
       </p:ext>
     </p:extLst>
   </p:cSld>
@@ -8998,8 +9069,8 @@
         </p:blipFill>
         <p:spPr>
           <a:xfrm>
-            <a:off x="1" y="0"/>
-            <a:ext cx="2459202" cy="709123"/>
+            <a:off x="0" y="0"/>
+            <a:ext cx="4122777" cy="1188823"/>
           </a:xfrm>
           <a:prstGeom prst="rect">
             <a:avLst/>
@@ -9027,8 +9098,8 @@
         </p:blipFill>
         <p:spPr>
           <a:xfrm>
-            <a:off x="0" y="6548981"/>
-            <a:ext cx="12192000" cy="309018"/>
+            <a:off x="0" y="6148872"/>
+            <a:ext cx="12192000" cy="709127"/>
           </a:xfrm>
           <a:prstGeom prst="rect">
             <a:avLst/>
@@ -9037,10 +9108,10 @@
       </p:pic>
       <p:pic>
         <p:nvPicPr>
-          <p:cNvPr id="4" name="Picture 3">
-            <a:extLst>
-              <a:ext uri="{FF2B5EF4-FFF2-40B4-BE49-F238E27FC236}">
-                <a16:creationId xmlns:a16="http://schemas.microsoft.com/office/drawing/2014/main" id="{FD7C21C2-311E-3721-E03A-F2A6657BC9C2}"/>
+          <p:cNvPr id="3" name="Picture 2">
+            <a:extLst>
+              <a:ext uri="{FF2B5EF4-FFF2-40B4-BE49-F238E27FC236}">
+                <a16:creationId xmlns:a16="http://schemas.microsoft.com/office/drawing/2014/main" id="{1F3A717B-2D00-5B25-7E50-9713E33BDCDF}"/>
               </a:ext>
             </a:extLst>
           </p:cNvPr>
@@ -9057,8 +9128,8 @@
         </p:blipFill>
         <p:spPr>
           <a:xfrm>
-            <a:off x="2608964" y="282453"/>
-            <a:ext cx="9461812" cy="4466829"/>
+            <a:off x="3890087" y="1550248"/>
+            <a:ext cx="8098971" cy="3757501"/>
           </a:xfrm>
           <a:prstGeom prst="rect">
             <a:avLst/>
@@ -9067,10 +9138,10 @@
       </p:pic>
       <p:sp>
         <p:nvSpPr>
-          <p:cNvPr id="12" name="TextBox 11">
-            <a:extLst>
-              <a:ext uri="{FF2B5EF4-FFF2-40B4-BE49-F238E27FC236}">
-                <a16:creationId xmlns:a16="http://schemas.microsoft.com/office/drawing/2014/main" id="{9D4399D1-8A92-80A1-54B8-A5AA8CD40080}"/>
+          <p:cNvPr id="13" name="TextBox 12">
+            <a:extLst>
+              <a:ext uri="{FF2B5EF4-FFF2-40B4-BE49-F238E27FC236}">
+                <a16:creationId xmlns:a16="http://schemas.microsoft.com/office/drawing/2014/main" id="{E9D04A73-9995-BA12-F5D8-AF55F456BF08}"/>
               </a:ext>
             </a:extLst>
           </p:cNvPr>
@@ -9079,8 +9150,8 @@
         </p:nvSpPr>
         <p:spPr>
           <a:xfrm>
-            <a:off x="5043974" y="1116926"/>
-            <a:ext cx="1627414" cy="261610"/>
+            <a:off x="286918" y="1859337"/>
+            <a:ext cx="3307888" cy="3139321"/>
           </a:xfrm>
           <a:prstGeom prst="rect">
             <a:avLst/>
@@ -9094,29 +9165,148 @@
           <a:lstStyle/>
           <a:p>
             <a:r>
-              <a:rPr lang="en-US" sz="1100" b="0" i="0" dirty="0">
-                <a:solidFill>
-                  <a:srgbClr val="CB2322"/>
-                </a:solidFill>
-                <a:effectLst/>
-                <a:latin typeface="Söhne"/>
-              </a:rPr>
-              <a:t>highly installed </a:t>
-            </a:r>
-            <a:endParaRPr lang="it-IT" sz="1100" dirty="0">
-              <a:solidFill>
-                <a:srgbClr val="CB2322"/>
-              </a:solidFill>
-            </a:endParaRPr>
-          </a:p>
-        </p:txBody>
-      </p:sp>
-      <p:sp>
-        <p:nvSpPr>
-          <p:cNvPr id="15" name="TextBox 14">
-            <a:extLst>
-              <a:ext uri="{FF2B5EF4-FFF2-40B4-BE49-F238E27FC236}">
-                <a16:creationId xmlns:a16="http://schemas.microsoft.com/office/drawing/2014/main" id="{7C15F3C2-CD75-F5B9-1296-CD81D760C85C}"/>
+              <a:rPr lang="it-IT" dirty="0"/>
+              <a:t>1. Rating </a:t>
+            </a:r>
+            <a:r>
+              <a:rPr lang="it-IT" dirty="0" err="1"/>
+              <a:t>Importance</a:t>
+            </a:r>
+            <a:r>
+              <a:rPr lang="it-IT" dirty="0"/>
+              <a:t>: </a:t>
+            </a:r>
+            <a:r>
+              <a:rPr lang="it-IT" dirty="0" err="1"/>
+              <a:t>Optimal</a:t>
+            </a:r>
+            <a:r>
+              <a:rPr lang="it-IT" dirty="0"/>
+              <a:t> apps </a:t>
+            </a:r>
+            <a:r>
+              <a:rPr lang="it-IT" dirty="0" err="1"/>
+              <a:t>have</a:t>
+            </a:r>
+            <a:r>
+              <a:rPr lang="it-IT" dirty="0"/>
+              <a:t> ratings </a:t>
+            </a:r>
+            <a:r>
+              <a:rPr lang="it-IT" dirty="0" err="1"/>
+              <a:t>between</a:t>
+            </a:r>
+            <a:r>
+              <a:rPr lang="it-IT" dirty="0"/>
+              <a:t> 4 and 5.</a:t>
+            </a:r>
+          </a:p>
+          <a:p>
+            <a:endParaRPr lang="it-IT" dirty="0"/>
+          </a:p>
+          <a:p>
+            <a:r>
+              <a:rPr lang="it-IT" dirty="0"/>
+              <a:t>2. Size Impact: App size </a:t>
+            </a:r>
+            <a:r>
+              <a:rPr lang="it-IT" dirty="0" err="1"/>
+              <a:t>doesn't</a:t>
+            </a:r>
+            <a:r>
+              <a:rPr lang="it-IT" dirty="0"/>
+              <a:t> </a:t>
+            </a:r>
+            <a:r>
+              <a:rPr lang="it-IT" dirty="0" err="1"/>
+              <a:t>significantly</a:t>
+            </a:r>
+            <a:r>
+              <a:rPr lang="it-IT" dirty="0"/>
+              <a:t> </a:t>
+            </a:r>
+            <a:r>
+              <a:rPr lang="it-IT" dirty="0" err="1"/>
+              <a:t>influence</a:t>
+            </a:r>
+            <a:r>
+              <a:rPr lang="it-IT" dirty="0"/>
+              <a:t> </a:t>
+            </a:r>
+            <a:r>
+              <a:rPr lang="it-IT" dirty="0" err="1"/>
+              <a:t>installation</a:t>
+            </a:r>
+            <a:r>
+              <a:rPr lang="it-IT" dirty="0"/>
+              <a:t> </a:t>
+            </a:r>
+            <a:r>
+              <a:rPr lang="it-IT" dirty="0" err="1"/>
+              <a:t>decisions</a:t>
+            </a:r>
+            <a:r>
+              <a:rPr lang="it-IT" dirty="0"/>
+              <a:t>.</a:t>
+            </a:r>
+          </a:p>
+          <a:p>
+            <a:endParaRPr lang="it-IT" dirty="0"/>
+          </a:p>
+          <a:p>
+            <a:r>
+              <a:rPr lang="it-IT" dirty="0"/>
+              <a:t>3. Review-App </a:t>
+            </a:r>
+            <a:r>
+              <a:rPr lang="it-IT" dirty="0" err="1"/>
+              <a:t>Popularity</a:t>
+            </a:r>
+            <a:r>
+              <a:rPr lang="it-IT" dirty="0"/>
+              <a:t>: Reviews </a:t>
+            </a:r>
+            <a:r>
+              <a:rPr lang="it-IT" dirty="0" err="1"/>
+              <a:t>appear</a:t>
+            </a:r>
+            <a:r>
+              <a:rPr lang="it-IT" dirty="0"/>
+              <a:t> </a:t>
+            </a:r>
+            <a:r>
+              <a:rPr lang="it-IT" dirty="0" err="1"/>
+              <a:t>proportional</a:t>
+            </a:r>
+            <a:r>
+              <a:rPr lang="it-IT" dirty="0"/>
+              <a:t> to the </a:t>
+            </a:r>
+            <a:r>
+              <a:rPr lang="it-IT" dirty="0" err="1"/>
+              <a:t>app's</a:t>
+            </a:r>
+            <a:r>
+              <a:rPr lang="it-IT" dirty="0"/>
+              <a:t> </a:t>
+            </a:r>
+            <a:r>
+              <a:rPr lang="it-IT" dirty="0" err="1"/>
+              <a:t>popularity</a:t>
+            </a:r>
+            <a:r>
+              <a:rPr lang="it-IT" dirty="0"/>
+              <a:t>.</a:t>
+            </a:r>
+          </a:p>
+        </p:txBody>
+      </p:sp>
+      <p:sp>
+        <p:nvSpPr>
+          <p:cNvPr id="14" name="TextBox 13">
+            <a:extLst>
+              <a:ext uri="{FF2B5EF4-FFF2-40B4-BE49-F238E27FC236}">
+                <a16:creationId xmlns:a16="http://schemas.microsoft.com/office/drawing/2014/main" id="{27385A5D-9D11-BFF3-BF06-D0C820683233}"/>
               </a:ext>
             </a:extLst>
           </p:cNvPr>
@@ -9125,8 +9315,8 @@
         </p:nvSpPr>
         <p:spPr>
           <a:xfrm>
-            <a:off x="3464296" y="709123"/>
-            <a:ext cx="1505032" cy="261610"/>
+            <a:off x="7029062" y="1000204"/>
+            <a:ext cx="2522375" cy="369332"/>
           </a:xfrm>
           <a:prstGeom prst="rect">
             <a:avLst/>
@@ -9140,209 +9330,37 @@
           <a:lstStyle/>
           <a:p>
             <a:r>
-              <a:rPr lang="en-US" sz="1100" b="0" i="0" dirty="0">
-                <a:solidFill>
-                  <a:srgbClr val="00E3FD"/>
+              <a:rPr lang="en-US" b="0" i="0" dirty="0">
+                <a:solidFill>
+                  <a:srgbClr val="FF0000"/>
                 </a:solidFill>
                 <a:effectLst/>
-                <a:latin typeface="Söhne"/>
+                <a:latin typeface="Arial" panose="020B0604020202020204" pitchFamily="34" charset="0"/>
               </a:rPr>
-              <a:t>less installed </a:t>
-            </a:r>
-            <a:endParaRPr lang="it-IT" sz="1100" dirty="0">
+              <a:t>Analysis of the </a:t>
+            </a:r>
+            <a:r>
+              <a:rPr lang="en-US" b="0" i="0" dirty="0">
+                <a:solidFill>
+                  <a:srgbClr val="FF9896"/>
+                </a:solidFill>
+                <a:effectLst/>
+                <a:latin typeface="Arial" panose="020B0604020202020204" pitchFamily="34" charset="0"/>
+              </a:rPr>
+              <a:t>GAME</a:t>
+            </a:r>
+            <a:endParaRPr lang="it-IT" dirty="0">
               <a:solidFill>
-                <a:srgbClr val="00E3FD"/>
+                <a:srgbClr val="FF9896"/>
               </a:solidFill>
             </a:endParaRPr>
-          </a:p>
-        </p:txBody>
-      </p:sp>
-      <p:sp>
-        <p:nvSpPr>
-          <p:cNvPr id="17" name="TextBox 16">
-            <a:extLst>
-              <a:ext uri="{FF2B5EF4-FFF2-40B4-BE49-F238E27FC236}">
-                <a16:creationId xmlns:a16="http://schemas.microsoft.com/office/drawing/2014/main" id="{AFC77A50-F31F-AE6E-6989-BBA9FE7DE603}"/>
-              </a:ext>
-            </a:extLst>
-          </p:cNvPr>
-          <p:cNvSpPr txBox="1"/>
-          <p:nvPr/>
-        </p:nvSpPr>
-        <p:spPr>
-          <a:xfrm>
-            <a:off x="262036" y="2553279"/>
-            <a:ext cx="2162955" cy="2462213"/>
-          </a:xfrm>
-          <a:prstGeom prst="rect">
-            <a:avLst/>
-          </a:prstGeom>
-          <a:noFill/>
-        </p:spPr>
-        <p:txBody>
-          <a:bodyPr wrap="square">
-            <a:spAutoFit/>
-          </a:bodyPr>
-          <a:lstStyle/>
-          <a:p>
-            <a:pPr marL="285750" indent="-285750" algn="l">
-              <a:buFont typeface="Arial" panose="020B0604020202020204" pitchFamily="34" charset="0"/>
-              <a:buChar char="•"/>
-            </a:pPr>
-            <a:r>
-              <a:rPr lang="en-US" sz="1400" b="0" i="0" dirty="0">
-                <a:solidFill>
-                  <a:srgbClr val="374151"/>
-                </a:solidFill>
-                <a:effectLst/>
-                <a:latin typeface="Söhne"/>
-              </a:rPr>
-              <a:t>Boxplots for reviews in both groups show significant differences.</a:t>
-            </a:r>
-          </a:p>
-          <a:p>
-            <a:pPr marL="285750" indent="-285750" algn="l">
-              <a:buFont typeface="Arial" panose="020B0604020202020204" pitchFamily="34" charset="0"/>
-              <a:buChar char="•"/>
-            </a:pPr>
-            <a:r>
-              <a:rPr lang="en-US" sz="1400" b="0" i="0" dirty="0">
-                <a:solidFill>
-                  <a:srgbClr val="374151"/>
-                </a:solidFill>
-                <a:effectLst/>
-                <a:latin typeface="Söhne"/>
-              </a:rPr>
-              <a:t>Quartile values (Q1, Q3) for highly installed apps are 1,000,000 and 5,000,000.</a:t>
-            </a:r>
-          </a:p>
-          <a:p>
-            <a:pPr marL="285750" indent="-285750" algn="l">
-              <a:buFont typeface="Arial" panose="020B0604020202020204" pitchFamily="34" charset="0"/>
-              <a:buChar char="•"/>
-            </a:pPr>
-            <a:r>
-              <a:rPr lang="en-US" sz="1400" b="0" i="0" dirty="0">
-                <a:solidFill>
-                  <a:srgbClr val="374151"/>
-                </a:solidFill>
-                <a:effectLst/>
-                <a:latin typeface="Söhne"/>
-              </a:rPr>
-              <a:t>Quartile values (Q1', Q3') for less installed apps are 0.005% of Q1 and about 0.1% of Q3.</a:t>
-            </a:r>
-          </a:p>
-        </p:txBody>
-      </p:sp>
-      <p:sp>
-        <p:nvSpPr>
-          <p:cNvPr id="19" name="TextBox 18">
-            <a:extLst>
-              <a:ext uri="{FF2B5EF4-FFF2-40B4-BE49-F238E27FC236}">
-                <a16:creationId xmlns:a16="http://schemas.microsoft.com/office/drawing/2014/main" id="{376E46EC-8543-63AF-7D7D-9A256A2ABBDB}"/>
-              </a:ext>
-            </a:extLst>
-          </p:cNvPr>
-          <p:cNvSpPr txBox="1"/>
-          <p:nvPr/>
-        </p:nvSpPr>
-        <p:spPr>
-          <a:xfrm>
-            <a:off x="148124" y="1062418"/>
-            <a:ext cx="2162955" cy="1169551"/>
-          </a:xfrm>
-          <a:prstGeom prst="rect">
-            <a:avLst/>
-          </a:prstGeom>
-          <a:noFill/>
-        </p:spPr>
-        <p:txBody>
-          <a:bodyPr wrap="square">
-            <a:spAutoFit/>
-          </a:bodyPr>
-          <a:lstStyle/>
-          <a:p>
-            <a:pPr marL="171450" indent="-171450">
-              <a:buFont typeface="Arial" panose="020B0604020202020204" pitchFamily="34" charset="0"/>
-              <a:buChar char="•"/>
-            </a:pPr>
-            <a:r>
-              <a:rPr lang="en-US" sz="1400" b="0" i="0" dirty="0">
-                <a:solidFill>
-                  <a:srgbClr val="374151"/>
-                </a:solidFill>
-                <a:effectLst/>
-                <a:latin typeface="Söhne"/>
-              </a:rPr>
-              <a:t>Less installed apps have notably fewer reviews, indicating lower user engagement compared to popular ones.</a:t>
-            </a:r>
-            <a:endParaRPr lang="it-IT" sz="1400" dirty="0"/>
-          </a:p>
-        </p:txBody>
-      </p:sp>
-      <p:sp>
-        <p:nvSpPr>
-          <p:cNvPr id="21" name="TextBox 20">
-            <a:extLst>
-              <a:ext uri="{FF2B5EF4-FFF2-40B4-BE49-F238E27FC236}">
-                <a16:creationId xmlns:a16="http://schemas.microsoft.com/office/drawing/2014/main" id="{8FE7F5FC-A666-E79D-3F51-DD961D94FB59}"/>
-              </a:ext>
-            </a:extLst>
-          </p:cNvPr>
-          <p:cNvSpPr txBox="1"/>
-          <p:nvPr/>
-        </p:nvSpPr>
-        <p:spPr>
-          <a:xfrm>
-            <a:off x="262036" y="5146694"/>
-            <a:ext cx="11808740" cy="738664"/>
-          </a:xfrm>
-          <a:prstGeom prst="rect">
-            <a:avLst/>
-          </a:prstGeom>
-          <a:noFill/>
-        </p:spPr>
-        <p:txBody>
-          <a:bodyPr wrap="square">
-            <a:spAutoFit/>
-          </a:bodyPr>
-          <a:lstStyle/>
-          <a:p>
-            <a:pPr marL="285750" indent="-285750" algn="l">
-              <a:buFont typeface="Arial" panose="020B0604020202020204" pitchFamily="34" charset="0"/>
-              <a:buChar char="•"/>
-            </a:pPr>
-            <a:r>
-              <a:rPr lang="en-US" sz="1400" dirty="0"/>
-              <a:t>Highly installed apps show a concentrated distribution with quartiles ranging from 3.7 to 4.8, suggesting consistent high-quality reviews.</a:t>
-            </a:r>
-          </a:p>
-          <a:p>
-            <a:pPr marL="285750" indent="-285750" algn="l">
-              <a:buFont typeface="Arial" panose="020B0604020202020204" pitchFamily="34" charset="0"/>
-              <a:buChar char="•"/>
-            </a:pPr>
-            <a:r>
-              <a:rPr lang="en-US" sz="1400" dirty="0"/>
-              <a:t>Less installed apps exhibit a wider distribution across all ratings (1 to 5), indicating greater diversity in user opinions.</a:t>
-            </a:r>
-          </a:p>
-          <a:p>
-            <a:pPr marL="285750" indent="-285750" algn="l">
-              <a:buFont typeface="Arial" panose="020B0604020202020204" pitchFamily="34" charset="0"/>
-              <a:buChar char="•"/>
-            </a:pPr>
-            <a:r>
-              <a:rPr lang="en-US" sz="1400" dirty="0"/>
-              <a:t>The broader distribution for less installed apps may be due to factors such as lower quality or a limited number of user votes, leading to more varied scores.</a:t>
-            </a:r>
           </a:p>
         </p:txBody>
       </p:sp>
     </p:spTree>
     <p:extLst>
       <p:ext uri="{BB962C8B-B14F-4D97-AF65-F5344CB8AC3E}">
-        <p14:creationId xmlns:p14="http://schemas.microsoft.com/office/powerpoint/2010/main" val="900400414"/>
+        <p14:creationId xmlns:p14="http://schemas.microsoft.com/office/powerpoint/2010/main" val="4291178901"/>
       </p:ext>
     </p:extLst>
   </p:cSld>

--- a/Visual Analytics.pptx
+++ b/Visual Analytics.pptx
@@ -5,7 +5,7 @@
     <p:sldMasterId id="2147483648" r:id="rId1"/>
   </p:sldMasterIdLst>
   <p:notesMasterIdLst>
-    <p:notesMasterId r:id="rId26"/>
+    <p:notesMasterId r:id="rId27"/>
   </p:notesMasterIdLst>
   <p:sldIdLst>
     <p:sldId id="265" r:id="rId2"/>
@@ -32,6 +32,7 @@
     <p:sldId id="336" r:id="rId23"/>
     <p:sldId id="319" r:id="rId24"/>
     <p:sldId id="314" r:id="rId25"/>
+    <p:sldId id="341" r:id="rId26"/>
   </p:sldIdLst>
   <p:sldSz cx="12192000" cy="6858000"/>
   <p:notesSz cx="6858000" cy="9144000"/>
@@ -220,7 +221,7 @@
           <a:p>
             <a:fld id="{76A9D10F-851A-4A79-A264-929A5BDC4C08}" type="datetimeFigureOut">
               <a:rPr lang="it-IT" smtClean="0"/>
-              <a:t>26/01/2024</a:t>
+              <a:t>29/01/2024</a:t>
             </a:fld>
             <a:endParaRPr lang="it-IT"/>
           </a:p>
@@ -379,7 +380,7 @@
           <a:p>
             <a:fld id="{2D23B4D8-7943-409F-B8D3-90CF7219B54F}" type="slidenum">
               <a:rPr lang="it-IT" smtClean="0"/>
-              <a:t>‹N›</a:t>
+              <a:t>‹#›</a:t>
             </a:fld>
             <a:endParaRPr lang="it-IT"/>
           </a:p>
@@ -525,7 +526,7 @@
           <a:ln/>
           <a:extLst>
             <a:ext uri="{FAA26D3D-D897-4be2-8F04-BA451C77F1D7}">
-              <ma14:placeholderFlag xmlns="" xmlns:ma14="http://schemas.microsoft.com/office/mac/drawingml/2011/main" val="1"/>
+              <ma14:placeholderFlag xmlns:ma14="http://schemas.microsoft.com/office/mac/drawingml/2011/main" xmlns="" val="1"/>
             </a:ext>
           </a:extLst>
         </p:spPr>
@@ -882,8 +883,35 @@
           <a:p>
             <a:r>
               <a:rPr lang="it-IT" dirty="0"/>
-              <a:t>C</a:t>
-            </a:r>
+              <a:t>The compare mode </a:t>
+            </a:r>
+            <a:r>
+              <a:rPr lang="it-IT" dirty="0" err="1"/>
+              <a:t>born</a:t>
+            </a:r>
+            <a:r>
+              <a:rPr lang="it-IT" dirty="0"/>
+              <a:t> </a:t>
+            </a:r>
+            <a:r>
+              <a:rPr lang="en-US" dirty="0"/>
+              <a:t>from the need to be able to work more with the data and </a:t>
+            </a:r>
+            <a:r>
+              <a:rPr lang="en-US" b="0" i="0" dirty="0">
+                <a:solidFill>
+                  <a:srgbClr val="202124"/>
+                </a:solidFill>
+                <a:effectLst/>
+                <a:latin typeface="Google Sans"/>
+              </a:rPr>
+              <a:t>furthermore </a:t>
+            </a:r>
+            <a:r>
+              <a:rPr lang="en-US" dirty="0"/>
+              <a:t>analyze the trends that different applications have in common or not with other applications</a:t>
+            </a:r>
+            <a:endParaRPr lang="it-IT" dirty="0"/>
           </a:p>
         </p:txBody>
       </p:sp>
@@ -945,9 +973,32 @@
           <a:lstStyle/>
           <a:p>
             <a:r>
-              <a:rPr lang="it-IT" dirty="0"/>
-              <a:t>C</a:t>
-            </a:r>
+              <a:rPr lang="en-US" dirty="0" err="1"/>
+              <a:t>Infact</a:t>
+            </a:r>
+            <a:r>
+              <a:rPr lang="en-US" dirty="0"/>
+              <a:t>, this mode allows us to compare two different sets of apps.</a:t>
+            </a:r>
+          </a:p>
+          <a:p>
+            <a:r>
+              <a:rPr lang="en-US" dirty="0"/>
+              <a:t>The selection can take place in different ways as already seen for visualize mode.</a:t>
+            </a:r>
+          </a:p>
+          <a:p>
+            <a:r>
+              <a:rPr lang="en-US" dirty="0"/>
+              <a:t>As we can see on the right of the photo, each component: boxplot, histograms and the parallel coordinates allow a clear visualization of the values of each set.</a:t>
+            </a:r>
+          </a:p>
+          <a:p>
+            <a:r>
+              <a:rPr lang="en-US" dirty="0"/>
+              <a:t>A feature that we find here and not in the Visualize mode is that of being able to recalculate the PCA only for the set or sets selected by the user, this permit to focus on a more detailed analysis of the data and can help the user to see in a clear way the main characteristic of the specific set</a:t>
+            </a:r>
+            <a:endParaRPr lang="it-IT" dirty="0"/>
           </a:p>
         </p:txBody>
       </p:sp>
@@ -1009,8 +1060,170 @@
           <a:lstStyle/>
           <a:p>
             <a:r>
+              <a:rPr lang="it-IT" dirty="0" err="1"/>
+              <a:t>These</a:t>
+            </a:r>
+            <a:r>
               <a:rPr lang="it-IT" dirty="0"/>
-              <a:t>C</a:t>
+              <a:t> are some of the </a:t>
+            </a:r>
+            <a:r>
+              <a:rPr lang="it-IT" dirty="0" err="1"/>
+              <a:t>all</a:t>
+            </a:r>
+            <a:r>
+              <a:rPr lang="it-IT" dirty="0"/>
+              <a:t> interactions possibile in </a:t>
+            </a:r>
+            <a:r>
+              <a:rPr lang="it-IT" dirty="0" err="1"/>
+              <a:t>this</a:t>
+            </a:r>
+            <a:r>
+              <a:rPr lang="it-IT" dirty="0"/>
+              <a:t> </a:t>
+            </a:r>
+            <a:r>
+              <a:rPr lang="it-IT" dirty="0" err="1"/>
+              <a:t>specific</a:t>
+            </a:r>
+            <a:r>
+              <a:rPr lang="it-IT" dirty="0"/>
+              <a:t> mode and </a:t>
+            </a:r>
+            <a:r>
+              <a:rPr lang="it-IT" dirty="0" err="1"/>
+              <a:t>we</a:t>
+            </a:r>
+            <a:r>
+              <a:rPr lang="it-IT" dirty="0"/>
+              <a:t> </a:t>
+            </a:r>
+            <a:r>
+              <a:rPr lang="it-IT" dirty="0" err="1"/>
+              <a:t>will</a:t>
+            </a:r>
+            <a:r>
+              <a:rPr lang="it-IT" dirty="0"/>
+              <a:t> </a:t>
+            </a:r>
+            <a:r>
+              <a:rPr lang="it-IT" dirty="0" err="1"/>
+              <a:t>see</a:t>
+            </a:r>
+            <a:r>
+              <a:rPr lang="it-IT" dirty="0"/>
+              <a:t> </a:t>
+            </a:r>
+            <a:r>
+              <a:rPr lang="it-IT" dirty="0" err="1"/>
+              <a:t>all</a:t>
+            </a:r>
+            <a:r>
+              <a:rPr lang="it-IT" dirty="0"/>
+              <a:t> of </a:t>
+            </a:r>
+            <a:r>
+              <a:rPr lang="it-IT" dirty="0" err="1"/>
+              <a:t>them</a:t>
+            </a:r>
+            <a:r>
+              <a:rPr lang="it-IT" dirty="0"/>
+              <a:t> </a:t>
+            </a:r>
+            <a:r>
+              <a:rPr lang="it-IT" dirty="0" err="1"/>
+              <a:t>during</a:t>
+            </a:r>
+            <a:r>
+              <a:rPr lang="it-IT" dirty="0"/>
+              <a:t> the demo part. Like in the </a:t>
+            </a:r>
+            <a:r>
+              <a:rPr lang="it-IT" dirty="0" err="1"/>
+              <a:t>previous</a:t>
+            </a:r>
+            <a:r>
+              <a:rPr lang="it-IT" dirty="0"/>
+              <a:t> mode, </a:t>
+            </a:r>
+            <a:r>
+              <a:rPr lang="it-IT" dirty="0" err="1"/>
+              <a:t>we</a:t>
+            </a:r>
+            <a:r>
+              <a:rPr lang="it-IT" dirty="0"/>
+              <a:t> can </a:t>
+            </a:r>
+            <a:r>
+              <a:rPr lang="it-IT" dirty="0" err="1"/>
+              <a:t>see</a:t>
+            </a:r>
+            <a:r>
+              <a:rPr lang="it-IT" dirty="0"/>
+              <a:t> </a:t>
+            </a:r>
+            <a:r>
+              <a:rPr lang="it-IT" dirty="0" err="1"/>
+              <a:t>that</a:t>
+            </a:r>
+            <a:r>
+              <a:rPr lang="it-IT" dirty="0"/>
+              <a:t>, </a:t>
+            </a:r>
+            <a:r>
+              <a:rPr lang="it-IT" dirty="0" err="1"/>
+              <a:t>is</a:t>
+            </a:r>
+            <a:r>
+              <a:rPr lang="it-IT" dirty="0"/>
+              <a:t> possibile to </a:t>
+            </a:r>
+            <a:r>
+              <a:rPr lang="it-IT" dirty="0" err="1"/>
+              <a:t>brush</a:t>
+            </a:r>
+            <a:r>
+              <a:rPr lang="it-IT" dirty="0"/>
+              <a:t> the </a:t>
+            </a:r>
+            <a:r>
+              <a:rPr lang="it-IT" dirty="0" err="1"/>
+              <a:t>scatter</a:t>
+            </a:r>
+            <a:r>
+              <a:rPr lang="it-IT" dirty="0"/>
+              <a:t> plot for </a:t>
+            </a:r>
+            <a:r>
+              <a:rPr lang="it-IT" dirty="0" err="1"/>
+              <a:t>select</a:t>
+            </a:r>
+            <a:r>
+              <a:rPr lang="it-IT" dirty="0"/>
+              <a:t> the </a:t>
+            </a:r>
+            <a:r>
+              <a:rPr lang="it-IT" dirty="0" err="1"/>
+              <a:t>two</a:t>
+            </a:r>
+            <a:r>
+              <a:rPr lang="it-IT" dirty="0"/>
+              <a:t> set</a:t>
+            </a:r>
+          </a:p>
+          <a:p>
+            <a:r>
+              <a:rPr lang="it-IT" dirty="0"/>
+              <a:t>But </a:t>
+            </a:r>
+            <a:r>
+              <a:rPr lang="it-IT" dirty="0" err="1"/>
+              <a:t>also</a:t>
+            </a:r>
+            <a:r>
+              <a:rPr lang="it-IT" dirty="0"/>
+              <a:t> (NEXT PAGE)</a:t>
             </a:r>
           </a:p>
         </p:txBody>
@@ -1072,10 +1285,198 @@
           <a:bodyPr/>
           <a:lstStyle/>
           <a:p>
+            <a:pPr marL="0" marR="0" lvl="0" indent="0" algn="l" defTabSz="914400" rtl="0" eaLnBrk="1" fontAlgn="auto" latinLnBrk="0" hangingPunct="1">
+              <a:lnSpc>
+                <a:spcPct val="100000"/>
+              </a:lnSpc>
+              <a:spcBef>
+                <a:spcPts val="0"/>
+              </a:spcBef>
+              <a:spcAft>
+                <a:spcPts val="0"/>
+              </a:spcAft>
+              <a:buClrTx/>
+              <a:buSzTx/>
+              <a:buFontTx/>
+              <a:buNone/>
+              <a:tabLst/>
+              <a:defRPr/>
+            </a:pPr>
             <a:r>
               <a:rPr lang="it-IT" dirty="0"/>
-              <a:t>C</a:t>
-            </a:r>
+              <a:t>Here </a:t>
+            </a:r>
+            <a:r>
+              <a:rPr lang="it-IT" dirty="0" err="1"/>
+              <a:t>we</a:t>
+            </a:r>
+            <a:r>
+              <a:rPr lang="it-IT" dirty="0"/>
+              <a:t> can </a:t>
+            </a:r>
+            <a:r>
+              <a:rPr lang="it-IT" dirty="0" err="1"/>
+              <a:t>see</a:t>
+            </a:r>
+            <a:r>
+              <a:rPr lang="it-IT" dirty="0"/>
+              <a:t> the </a:t>
+            </a:r>
+            <a:r>
+              <a:rPr lang="it-IT" dirty="0" err="1"/>
+              <a:t>possibility</a:t>
+            </a:r>
+            <a:r>
+              <a:rPr lang="it-IT" dirty="0"/>
+              <a:t> to </a:t>
+            </a:r>
+            <a:r>
+              <a:rPr lang="it-IT" dirty="0" err="1"/>
+              <a:t>perform</a:t>
+            </a:r>
+            <a:r>
+              <a:rPr lang="it-IT" dirty="0"/>
+              <a:t> the PCA for the </a:t>
+            </a:r>
+            <a:r>
+              <a:rPr lang="it-IT" dirty="0" err="1"/>
+              <a:t>two</a:t>
+            </a:r>
+            <a:r>
+              <a:rPr lang="it-IT" dirty="0"/>
+              <a:t> groups </a:t>
+            </a:r>
+            <a:r>
+              <a:rPr lang="it-IT" dirty="0" err="1"/>
+              <a:t>selected</a:t>
+            </a:r>
+            <a:r>
+              <a:rPr lang="it-IT" dirty="0"/>
+              <a:t>. The compare mode </a:t>
+            </a:r>
+            <a:r>
+              <a:rPr lang="it-IT" dirty="0" err="1"/>
+              <a:t>permit</a:t>
+            </a:r>
+            <a:r>
+              <a:rPr lang="it-IT" dirty="0"/>
+              <a:t> to </a:t>
+            </a:r>
+            <a:r>
+              <a:rPr lang="it-IT" dirty="0" err="1"/>
+              <a:t>brush</a:t>
+            </a:r>
+            <a:r>
+              <a:rPr lang="it-IT" dirty="0"/>
+              <a:t> the </a:t>
+            </a:r>
+            <a:r>
+              <a:rPr lang="it-IT" dirty="0" err="1"/>
+              <a:t>parallel</a:t>
+            </a:r>
+            <a:r>
+              <a:rPr lang="it-IT" dirty="0"/>
+              <a:t> </a:t>
+            </a:r>
+            <a:r>
+              <a:rPr lang="it-IT" dirty="0" err="1"/>
+              <a:t>coordinates</a:t>
+            </a:r>
+            <a:r>
+              <a:rPr lang="it-IT" dirty="0"/>
+              <a:t> in </a:t>
+            </a:r>
+            <a:r>
+              <a:rPr lang="it-IT" dirty="0" err="1"/>
+              <a:t>order</a:t>
+            </a:r>
+            <a:r>
+              <a:rPr lang="it-IT" dirty="0"/>
+              <a:t> to </a:t>
+            </a:r>
+            <a:r>
+              <a:rPr lang="it-IT" dirty="0" err="1"/>
+              <a:t>underline</a:t>
+            </a:r>
+            <a:r>
+              <a:rPr lang="it-IT" dirty="0"/>
+              <a:t> </a:t>
+            </a:r>
+            <a:r>
+              <a:rPr lang="it-IT" dirty="0" err="1"/>
+              <a:t>all</a:t>
+            </a:r>
+            <a:r>
+              <a:rPr lang="it-IT" dirty="0"/>
+              <a:t> the </a:t>
+            </a:r>
+            <a:r>
+              <a:rPr lang="it-IT" dirty="0" err="1"/>
+              <a:t>circle</a:t>
+            </a:r>
+            <a:r>
+              <a:rPr lang="it-IT" dirty="0"/>
+              <a:t> </a:t>
+            </a:r>
+            <a:r>
+              <a:rPr lang="it-IT" dirty="0" err="1"/>
+              <a:t>that</a:t>
+            </a:r>
+            <a:r>
+              <a:rPr lang="it-IT" dirty="0"/>
+              <a:t> are inside the </a:t>
+            </a:r>
+            <a:r>
+              <a:rPr lang="it-IT" dirty="0" err="1"/>
+              <a:t>constraint</a:t>
+            </a:r>
+            <a:r>
+              <a:rPr lang="it-IT" dirty="0"/>
+              <a:t> and </a:t>
+            </a:r>
+            <a:r>
+              <a:rPr lang="it-IT" dirty="0" err="1"/>
+              <a:t>mantain</a:t>
+            </a:r>
+            <a:r>
+              <a:rPr lang="it-IT" dirty="0"/>
+              <a:t> the </a:t>
+            </a:r>
+            <a:r>
+              <a:rPr lang="it-IT" dirty="0" err="1"/>
+              <a:t>mouseover</a:t>
+            </a:r>
+            <a:r>
+              <a:rPr lang="it-IT" dirty="0"/>
+              <a:t> interaction with the </a:t>
+            </a:r>
+            <a:r>
+              <a:rPr lang="it-IT" dirty="0" err="1"/>
+              <a:t>histrogram</a:t>
+            </a:r>
+            <a:r>
+              <a:rPr lang="it-IT" dirty="0"/>
+              <a:t> </a:t>
+            </a:r>
+            <a:r>
+              <a:rPr lang="it-IT" dirty="0" err="1"/>
+              <a:t>rectangle</a:t>
+            </a:r>
+            <a:r>
+              <a:rPr lang="it-IT" dirty="0"/>
+              <a:t> like in the </a:t>
+            </a:r>
+            <a:r>
+              <a:rPr lang="it-IT" dirty="0" err="1"/>
+              <a:t>visualization</a:t>
+            </a:r>
+            <a:r>
+              <a:rPr lang="it-IT" dirty="0"/>
+              <a:t> mode</a:t>
+            </a:r>
+          </a:p>
+          <a:p>
+            <a:endParaRPr lang="it-IT" dirty="0"/>
           </a:p>
         </p:txBody>
       </p:sp>
@@ -1137,9 +1538,16 @@
           <a:lstStyle/>
           <a:p>
             <a:r>
-              <a:rPr lang="it-IT" dirty="0"/>
-              <a:t>C</a:t>
-            </a:r>
+              <a:rPr lang="en-US" dirty="0"/>
+              <a:t>With this mode we can discover many insights</a:t>
+            </a:r>
+          </a:p>
+          <a:p>
+            <a:r>
+              <a:rPr lang="en-US" dirty="0"/>
+              <a:t>The first one we propose is the following: (NEXT PAGE)</a:t>
+            </a:r>
+            <a:endParaRPr lang="it-IT" dirty="0"/>
           </a:p>
         </p:txBody>
       </p:sp>
@@ -1202,8 +1610,284 @@
           <a:p>
             <a:r>
               <a:rPr lang="it-IT" dirty="0"/>
-              <a:t>C</a:t>
-            </a:r>
+              <a:t>In </a:t>
+            </a:r>
+            <a:r>
+              <a:rPr lang="it-IT" dirty="0" err="1"/>
+              <a:t>this</a:t>
+            </a:r>
+            <a:r>
+              <a:rPr lang="it-IT" dirty="0"/>
+              <a:t> </a:t>
+            </a:r>
+            <a:r>
+              <a:rPr lang="it-IT" dirty="0" err="1"/>
+              <a:t>example</a:t>
+            </a:r>
+            <a:r>
+              <a:rPr lang="it-IT" dirty="0"/>
+              <a:t> </a:t>
+            </a:r>
+            <a:r>
+              <a:rPr lang="it-IT" dirty="0" err="1"/>
+              <a:t>we</a:t>
+            </a:r>
+            <a:r>
+              <a:rPr lang="it-IT" dirty="0"/>
+              <a:t> </a:t>
+            </a:r>
+            <a:r>
+              <a:rPr lang="it-IT" dirty="0" err="1"/>
+              <a:t>have</a:t>
+            </a:r>
+            <a:r>
+              <a:rPr lang="it-IT" dirty="0"/>
+              <a:t> </a:t>
+            </a:r>
+            <a:r>
+              <a:rPr lang="it-IT" dirty="0" err="1"/>
+              <a:t>selected</a:t>
+            </a:r>
+            <a:r>
+              <a:rPr lang="it-IT" dirty="0"/>
+              <a:t> </a:t>
+            </a:r>
+            <a:r>
+              <a:rPr lang="it-IT" dirty="0" err="1"/>
+              <a:t>two</a:t>
+            </a:r>
+            <a:r>
+              <a:rPr lang="it-IT" dirty="0"/>
+              <a:t> groups thanks to the help of the </a:t>
+            </a:r>
+            <a:r>
+              <a:rPr lang="it-IT" dirty="0" err="1"/>
+              <a:t>visualization</a:t>
+            </a:r>
+            <a:r>
+              <a:rPr lang="it-IT" dirty="0"/>
+              <a:t> mode and </a:t>
+            </a:r>
+            <a:r>
+              <a:rPr lang="it-IT" dirty="0" err="1"/>
+              <a:t>we</a:t>
+            </a:r>
+            <a:r>
+              <a:rPr lang="it-IT" dirty="0"/>
+              <a:t> </a:t>
+            </a:r>
+            <a:r>
+              <a:rPr lang="it-IT" dirty="0" err="1"/>
+              <a:t>have</a:t>
+            </a:r>
+            <a:r>
+              <a:rPr lang="it-IT" dirty="0"/>
+              <a:t> </a:t>
+            </a:r>
+            <a:r>
+              <a:rPr lang="it-IT" dirty="0" err="1"/>
+              <a:t>recompute</a:t>
+            </a:r>
+            <a:r>
+              <a:rPr lang="it-IT" dirty="0"/>
+              <a:t> the PCA in the </a:t>
+            </a:r>
+            <a:r>
+              <a:rPr lang="it-IT" dirty="0" err="1"/>
+              <a:t>scatterplot</a:t>
+            </a:r>
+            <a:r>
+              <a:rPr lang="it-IT" dirty="0"/>
+              <a:t>, the </a:t>
+            </a:r>
+            <a:r>
+              <a:rPr lang="it-IT" dirty="0" err="1"/>
+              <a:t>two</a:t>
+            </a:r>
+            <a:r>
+              <a:rPr lang="it-IT" dirty="0"/>
+              <a:t> groups are:</a:t>
+            </a:r>
+          </a:p>
+          <a:p>
+            <a:pPr marL="171450" indent="-171450">
+              <a:buFont typeface="Arial" panose="020B0604020202020204" pitchFamily="34" charset="0"/>
+              <a:buChar char="•"/>
+            </a:pPr>
+            <a:r>
+              <a:rPr lang="it-IT" dirty="0"/>
+              <a:t>The </a:t>
+            </a:r>
+            <a:r>
+              <a:rPr lang="it-IT" dirty="0" err="1"/>
+              <a:t>less</a:t>
+            </a:r>
+            <a:r>
+              <a:rPr lang="it-IT" dirty="0"/>
+              <a:t> </a:t>
+            </a:r>
+            <a:r>
+              <a:rPr lang="it-IT" dirty="0" err="1"/>
+              <a:t>installed</a:t>
+            </a:r>
+            <a:r>
+              <a:rPr lang="it-IT" dirty="0"/>
+              <a:t> apps in </a:t>
+            </a:r>
+            <a:r>
+              <a:rPr lang="it-IT" dirty="0">
+                <a:solidFill>
+                  <a:srgbClr val="00B0F0"/>
+                </a:solidFill>
+              </a:rPr>
+              <a:t>light blue</a:t>
+            </a:r>
+          </a:p>
+          <a:p>
+            <a:pPr marL="171450" indent="-171450">
+              <a:buFont typeface="Arial" panose="020B0604020202020204" pitchFamily="34" charset="0"/>
+              <a:buChar char="•"/>
+            </a:pPr>
+            <a:r>
+              <a:rPr lang="it-IT" dirty="0">
+                <a:solidFill>
+                  <a:srgbClr val="00B0F0"/>
+                </a:solidFill>
+              </a:rPr>
+              <a:t>The </a:t>
+            </a:r>
+            <a:r>
+              <a:rPr lang="it-IT" dirty="0" err="1">
+                <a:solidFill>
+                  <a:srgbClr val="00B0F0"/>
+                </a:solidFill>
+              </a:rPr>
+              <a:t>highly</a:t>
+            </a:r>
+            <a:r>
+              <a:rPr lang="it-IT" dirty="0">
+                <a:solidFill>
+                  <a:srgbClr val="00B0F0"/>
+                </a:solidFill>
+              </a:rPr>
+              <a:t> </a:t>
+            </a:r>
+            <a:r>
+              <a:rPr lang="it-IT" dirty="0" err="1">
+                <a:solidFill>
+                  <a:srgbClr val="00B0F0"/>
+                </a:solidFill>
+              </a:rPr>
+              <a:t>installed</a:t>
+            </a:r>
+            <a:r>
+              <a:rPr lang="it-IT" dirty="0">
+                <a:solidFill>
+                  <a:srgbClr val="00B0F0"/>
+                </a:solidFill>
+              </a:rPr>
+              <a:t> apps in red</a:t>
+            </a:r>
+          </a:p>
+          <a:p>
+            <a:pPr marL="228600" indent="-228600">
+              <a:buFont typeface="+mj-lt"/>
+              <a:buAutoNum type="arabicPeriod"/>
+            </a:pPr>
+            <a:r>
+              <a:rPr lang="en-US" dirty="0">
+                <a:solidFill>
+                  <a:srgbClr val="00B0F0"/>
+                </a:solidFill>
+              </a:rPr>
+              <a:t>The first predictable feature that shows up is that the two groups are located on two different areas of the graph as we can see</a:t>
+            </a:r>
+          </a:p>
+          <a:p>
+            <a:pPr marL="228600" indent="-228600">
+              <a:buFont typeface="+mj-lt"/>
+              <a:buAutoNum type="arabicPeriod"/>
+            </a:pPr>
+            <a:r>
+              <a:rPr lang="en-US" dirty="0">
+                <a:solidFill>
+                  <a:srgbClr val="00B0F0"/>
+                </a:solidFill>
+              </a:rPr>
+              <a:t>After that analyzing deeply the boxplot data, we can say that the quartiles Q1 and Q3 for highly installed apps are around one-million and five-million, this means that seeing the values for the quartiles of the least installed apps the Q1’ is equal to the 0.005% of Q1 and Q3’ is equal to the 0.1% of Q3</a:t>
+            </a:r>
+          </a:p>
+          <a:p>
+            <a:pPr marL="228600" indent="-228600">
+              <a:buFont typeface="+mj-lt"/>
+              <a:buAutoNum type="arabicPeriod"/>
+            </a:pPr>
+            <a:r>
+              <a:rPr lang="en-US" sz="1200" dirty="0"/>
+              <a:t>Highly installed apps, for the rating data, show a concentrated distribution with quartiles ranging from 3.7 to 4.8, suggesting consistent high-quality reviews</a:t>
+            </a:r>
+          </a:p>
+          <a:p>
+            <a:pPr marL="228600" indent="-228600">
+              <a:buFont typeface="+mj-lt"/>
+              <a:buAutoNum type="arabicPeriod"/>
+            </a:pPr>
+            <a:r>
+              <a:rPr lang="en-US" sz="1200" dirty="0"/>
+              <a:t>Less installed apps exhibit a wider distribution across all ratings (1 to 5), indicating greater diversity in user opinions. </a:t>
+            </a:r>
+          </a:p>
+          <a:p>
+            <a:pPr marL="0" indent="0">
+              <a:buFont typeface="+mj-lt"/>
+              <a:buNone/>
+            </a:pPr>
+            <a:r>
+              <a:rPr lang="en-US" sz="1200" dirty="0"/>
+              <a:t>      The wide distribution for less installed apps it may be possible due to two factors:</a:t>
+            </a:r>
+          </a:p>
+          <a:p>
+            <a:pPr marL="685800" lvl="1" indent="-228600">
+              <a:buFont typeface="+mj-lt"/>
+              <a:buAutoNum type="arabicPeriod"/>
+            </a:pPr>
+            <a:r>
+              <a:rPr lang="en-US" sz="1200" dirty="0"/>
+              <a:t> First one is a lower quality</a:t>
+            </a:r>
+          </a:p>
+          <a:p>
+            <a:pPr marL="685800" lvl="1" indent="-228600">
+              <a:buFont typeface="+mj-lt"/>
+              <a:buAutoNum type="arabicPeriod"/>
+            </a:pPr>
+            <a:r>
+              <a:rPr lang="en-US" sz="1200" dirty="0"/>
+              <a:t>The second one is that a limited number of user votes can permit to reach easily high rating, thanks to friend and family</a:t>
+            </a:r>
+          </a:p>
+          <a:p>
+            <a:pPr marL="685800" lvl="1" indent="-228600">
+              <a:buFont typeface="+mj-lt"/>
+              <a:buAutoNum type="arabicPeriod"/>
+            </a:pPr>
+            <a:endParaRPr lang="en-US" dirty="0">
+              <a:solidFill>
+                <a:srgbClr val="00B0F0"/>
+              </a:solidFill>
+            </a:endParaRPr>
+          </a:p>
+          <a:p>
+            <a:pPr marL="228600" indent="-228600">
+              <a:buFont typeface="+mj-lt"/>
+              <a:buAutoNum type="arabicPeriod"/>
+            </a:pPr>
+            <a:endParaRPr lang="it-IT" dirty="0">
+              <a:solidFill>
+                <a:srgbClr val="00B0F0"/>
+              </a:solidFill>
+            </a:endParaRPr>
           </a:p>
         </p:txBody>
       </p:sp>
@@ -1447,7 +2131,35 @@
           <a:bodyPr/>
           <a:lstStyle/>
           <a:p>
-            <a:endParaRPr lang="it-IT" dirty="0"/>
+            <a:pPr marL="0" marR="0" lvl="0" indent="0" algn="l" defTabSz="914400" rtl="0" eaLnBrk="1" fontAlgn="auto" latinLnBrk="0" hangingPunct="1">
+              <a:lnSpc>
+                <a:spcPct val="100000"/>
+              </a:lnSpc>
+              <a:spcBef>
+                <a:spcPts val="0"/>
+              </a:spcBef>
+              <a:spcAft>
+                <a:spcPts val="0"/>
+              </a:spcAft>
+              <a:buClrTx/>
+              <a:buSzTx/>
+              <a:buFontTx/>
+              <a:buNone/>
+              <a:tabLst/>
+              <a:defRPr/>
+            </a:pPr>
+            <a:r>
+              <a:rPr lang="it-IT" dirty="0"/>
+              <a:t>Some of future </a:t>
+            </a:r>
+            <a:r>
+              <a:rPr lang="it-IT" dirty="0" err="1"/>
+              <a:t>developments</a:t>
+            </a:r>
+            <a:r>
+              <a:rPr lang="it-IT" dirty="0"/>
+              <a:t> can be: (NEXT PAGE)</a:t>
+            </a:r>
           </a:p>
         </p:txBody>
       </p:sp>
@@ -1508,6 +2220,145 @@
           <a:bodyPr/>
           <a:lstStyle/>
           <a:p>
+            <a:r>
+              <a:rPr lang="it-IT" dirty="0"/>
+              <a:t>For </a:t>
+            </a:r>
+            <a:r>
+              <a:rPr lang="it-IT" dirty="0" err="1"/>
+              <a:t>Example</a:t>
+            </a:r>
+            <a:endParaRPr lang="it-IT" dirty="0"/>
+          </a:p>
+          <a:p>
+            <a:pPr marL="228600" marR="0" lvl="0" indent="-228600" algn="l" defTabSz="914400" rtl="0" eaLnBrk="1" fontAlgn="auto" latinLnBrk="0" hangingPunct="1">
+              <a:lnSpc>
+                <a:spcPct val="100000"/>
+              </a:lnSpc>
+              <a:spcBef>
+                <a:spcPts val="0"/>
+              </a:spcBef>
+              <a:spcAft>
+                <a:spcPts val="0"/>
+              </a:spcAft>
+              <a:buClrTx/>
+              <a:buSzTx/>
+              <a:buFont typeface="+mj-lt"/>
+              <a:buAutoNum type="arabicPeriod"/>
+              <a:tabLst/>
+              <a:defRPr/>
+            </a:pPr>
+            <a:r>
+              <a:rPr lang="en-US" sz="1200" b="0" i="0" dirty="0">
+                <a:solidFill>
+                  <a:srgbClr val="374151"/>
+                </a:solidFill>
+                <a:effectLst/>
+              </a:rPr>
+              <a:t>Allow users to choose displayed histogram types.</a:t>
+            </a:r>
+          </a:p>
+          <a:p>
+            <a:pPr marL="228600" indent="-228600">
+              <a:buFont typeface="+mj-lt"/>
+              <a:buAutoNum type="arabicPeriod"/>
+            </a:pPr>
+            <a:r>
+              <a:rPr lang="en-US" sz="1200" b="0" i="0" dirty="0">
+                <a:solidFill>
+                  <a:srgbClr val="374151"/>
+                </a:solidFill>
+                <a:effectLst/>
+              </a:rPr>
+              <a:t>Implement selection from Parallel Coordinates or Boxplot</a:t>
+            </a:r>
+          </a:p>
+          <a:p>
+            <a:pPr marL="228600" marR="0" lvl="0" indent="-228600" algn="l" defTabSz="914400" rtl="0" eaLnBrk="1" fontAlgn="auto" latinLnBrk="0" hangingPunct="1">
+              <a:lnSpc>
+                <a:spcPct val="100000"/>
+              </a:lnSpc>
+              <a:spcBef>
+                <a:spcPts val="0"/>
+              </a:spcBef>
+              <a:spcAft>
+                <a:spcPts val="0"/>
+              </a:spcAft>
+              <a:buClrTx/>
+              <a:buSzTx/>
+              <a:buFont typeface="+mj-lt"/>
+              <a:buAutoNum type="arabicPeriod"/>
+              <a:tabLst/>
+              <a:defRPr/>
+            </a:pPr>
+            <a:r>
+              <a:rPr lang="en-US" sz="1200" b="0" i="0" dirty="0">
+                <a:solidFill>
+                  <a:srgbClr val="374151"/>
+                </a:solidFill>
+                <a:effectLst/>
+              </a:rPr>
+              <a:t>Add or remove apps for a personalized views.</a:t>
+            </a:r>
+          </a:p>
+          <a:p>
+            <a:pPr marL="0" marR="0" lvl="0" indent="0" algn="l" defTabSz="914400" rtl="0" eaLnBrk="1" fontAlgn="auto" latinLnBrk="0" hangingPunct="1">
+              <a:lnSpc>
+                <a:spcPct val="100000"/>
+              </a:lnSpc>
+              <a:spcBef>
+                <a:spcPts val="0"/>
+              </a:spcBef>
+              <a:spcAft>
+                <a:spcPts val="0"/>
+              </a:spcAft>
+              <a:buClrTx/>
+              <a:buSzTx/>
+              <a:buFont typeface="+mj-lt"/>
+              <a:buNone/>
+              <a:tabLst/>
+              <a:defRPr/>
+            </a:pPr>
+            <a:endParaRPr lang="en-US" sz="1200" b="0" i="0" dirty="0">
+              <a:solidFill>
+                <a:srgbClr val="374151"/>
+              </a:solidFill>
+              <a:effectLst/>
+            </a:endParaRPr>
+          </a:p>
+          <a:p>
+            <a:pPr marL="0" marR="0" lvl="0" indent="0" algn="l" defTabSz="914400" rtl="0" eaLnBrk="1" fontAlgn="auto" latinLnBrk="0" hangingPunct="1">
+              <a:lnSpc>
+                <a:spcPct val="100000"/>
+              </a:lnSpc>
+              <a:spcBef>
+                <a:spcPts val="0"/>
+              </a:spcBef>
+              <a:spcAft>
+                <a:spcPts val="0"/>
+              </a:spcAft>
+              <a:buClrTx/>
+              <a:buSzTx/>
+              <a:buFont typeface="+mj-lt"/>
+              <a:buNone/>
+              <a:tabLst/>
+              <a:defRPr/>
+            </a:pPr>
+            <a:r>
+              <a:rPr lang="en-US" sz="1200" b="0" i="0" dirty="0">
+                <a:solidFill>
+                  <a:srgbClr val="374151"/>
+                </a:solidFill>
+                <a:effectLst/>
+              </a:rPr>
+              <a:t>And this is it, now we can start the Demo Part </a:t>
+            </a:r>
+          </a:p>
+          <a:p>
+            <a:pPr marL="0" indent="0">
+              <a:buFont typeface="+mj-lt"/>
+              <a:buNone/>
+            </a:pPr>
             <a:endParaRPr lang="it-IT" dirty="0"/>
           </a:p>
         </p:txBody>
@@ -1577,6 +2428,67 @@
     <p:extLst>
       <p:ext uri="{BB962C8B-B14F-4D97-AF65-F5344CB8AC3E}">
         <p14:creationId xmlns:p14="http://schemas.microsoft.com/office/powerpoint/2010/main" val="1272451007"/>
+      </p:ext>
+    </p:extLst>
+  </p:cSld>
+  <p:clrMapOvr>
+    <a:masterClrMapping/>
+  </p:clrMapOvr>
+</p:notes>
+</file>
+
+<file path=ppt/notesSlides/notesSlide25.xml><?xml version="1.0" encoding="utf-8"?>
+<p:notes xmlns:a="http://schemas.openxmlformats.org/drawingml/2006/main" xmlns:r="http://schemas.openxmlformats.org/officeDocument/2006/relationships" xmlns:p="http://schemas.openxmlformats.org/presentationml/2006/main">
+  <p:cSld>
+    <p:spTree>
+      <p:nvGrpSpPr>
+        <p:cNvPr id="1" name=""/>
+        <p:cNvGrpSpPr/>
+        <p:nvPr/>
+      </p:nvGrpSpPr>
+      <p:grpSpPr>
+        <a:xfrm>
+          <a:off x="0" y="0"/>
+          <a:ext cx="0" cy="0"/>
+          <a:chOff x="0" y="0"/>
+          <a:chExt cx="0" cy="0"/>
+        </a:xfrm>
+      </p:grpSpPr>
+      <p:sp>
+        <p:nvSpPr>
+          <p:cNvPr id="2" name="Segnaposto immagine diapositiva 1"/>
+          <p:cNvSpPr>
+            <a:spLocks noGrp="1" noRot="1" noChangeAspect="1"/>
+          </p:cNvSpPr>
+          <p:nvPr>
+            <p:ph type="sldImg"/>
+          </p:nvPr>
+        </p:nvSpPr>
+        <p:spPr/>
+      </p:sp>
+      <p:sp>
+        <p:nvSpPr>
+          <p:cNvPr id="3" name="Segnaposto note 2"/>
+          <p:cNvSpPr>
+            <a:spLocks noGrp="1"/>
+          </p:cNvSpPr>
+          <p:nvPr>
+            <p:ph type="body" idx="1"/>
+          </p:nvPr>
+        </p:nvSpPr>
+        <p:spPr/>
+        <p:txBody>
+          <a:bodyPr/>
+          <a:lstStyle/>
+          <a:p>
+            <a:endParaRPr lang="it-IT" dirty="0"/>
+          </a:p>
+        </p:txBody>
+      </p:sp>
+    </p:spTree>
+    <p:extLst>
+      <p:ext uri="{BB962C8B-B14F-4D97-AF65-F5344CB8AC3E}">
+        <p14:creationId xmlns:p14="http://schemas.microsoft.com/office/powerpoint/2010/main" val="3285559250"/>
       </p:ext>
     </p:extLst>
   </p:cSld>
@@ -2162,7 +3074,7 @@
           <a:p>
             <a:fld id="{8EB6065D-7731-4525-AC99-D31380634F16}" type="datetimeFigureOut">
               <a:rPr lang="it-IT" smtClean="0"/>
-              <a:t>26/01/2024</a:t>
+              <a:t>29/01/2024</a:t>
             </a:fld>
             <a:endParaRPr lang="it-IT"/>
           </a:p>
@@ -2216,7 +3128,7 @@
           <a:p>
             <a:fld id="{9E7AA4F4-6F5A-4614-9621-31BDC7B018FA}" type="slidenum">
               <a:rPr lang="it-IT" smtClean="0"/>
-              <a:t>‹N›</a:t>
+              <a:t>‹#›</a:t>
             </a:fld>
             <a:endParaRPr lang="it-IT"/>
           </a:p>
@@ -2362,7 +3274,7 @@
           <a:p>
             <a:fld id="{8EB6065D-7731-4525-AC99-D31380634F16}" type="datetimeFigureOut">
               <a:rPr lang="it-IT" smtClean="0"/>
-              <a:t>26/01/2024</a:t>
+              <a:t>29/01/2024</a:t>
             </a:fld>
             <a:endParaRPr lang="it-IT"/>
           </a:p>
@@ -2416,7 +3328,7 @@
           <a:p>
             <a:fld id="{9E7AA4F4-6F5A-4614-9621-31BDC7B018FA}" type="slidenum">
               <a:rPr lang="it-IT" smtClean="0"/>
-              <a:t>‹N›</a:t>
+              <a:t>‹#›</a:t>
             </a:fld>
             <a:endParaRPr lang="it-IT"/>
           </a:p>
@@ -2572,7 +3484,7 @@
           <a:p>
             <a:fld id="{8EB6065D-7731-4525-AC99-D31380634F16}" type="datetimeFigureOut">
               <a:rPr lang="it-IT" smtClean="0"/>
-              <a:t>26/01/2024</a:t>
+              <a:t>29/01/2024</a:t>
             </a:fld>
             <a:endParaRPr lang="it-IT"/>
           </a:p>
@@ -2626,7 +3538,7 @@
           <a:p>
             <a:fld id="{9E7AA4F4-6F5A-4614-9621-31BDC7B018FA}" type="slidenum">
               <a:rPr lang="it-IT" smtClean="0"/>
-              <a:t>‹N›</a:t>
+              <a:t>‹#›</a:t>
             </a:fld>
             <a:endParaRPr lang="it-IT"/>
           </a:p>
@@ -2772,7 +3684,7 @@
           <a:p>
             <a:fld id="{8EB6065D-7731-4525-AC99-D31380634F16}" type="datetimeFigureOut">
               <a:rPr lang="it-IT" smtClean="0"/>
-              <a:t>26/01/2024</a:t>
+              <a:t>29/01/2024</a:t>
             </a:fld>
             <a:endParaRPr lang="it-IT"/>
           </a:p>
@@ -2826,7 +3738,7 @@
           <a:p>
             <a:fld id="{9E7AA4F4-6F5A-4614-9621-31BDC7B018FA}" type="slidenum">
               <a:rPr lang="it-IT" smtClean="0"/>
-              <a:t>‹N›</a:t>
+              <a:t>‹#›</a:t>
             </a:fld>
             <a:endParaRPr lang="it-IT"/>
           </a:p>
@@ -3048,7 +3960,7 @@
           <a:p>
             <a:fld id="{8EB6065D-7731-4525-AC99-D31380634F16}" type="datetimeFigureOut">
               <a:rPr lang="it-IT" smtClean="0"/>
-              <a:t>26/01/2024</a:t>
+              <a:t>29/01/2024</a:t>
             </a:fld>
             <a:endParaRPr lang="it-IT"/>
           </a:p>
@@ -3102,7 +4014,7 @@
           <a:p>
             <a:fld id="{9E7AA4F4-6F5A-4614-9621-31BDC7B018FA}" type="slidenum">
               <a:rPr lang="it-IT" smtClean="0"/>
-              <a:t>‹N›</a:t>
+              <a:t>‹#›</a:t>
             </a:fld>
             <a:endParaRPr lang="it-IT"/>
           </a:p>
@@ -3316,7 +4228,7 @@
           <a:p>
             <a:fld id="{8EB6065D-7731-4525-AC99-D31380634F16}" type="datetimeFigureOut">
               <a:rPr lang="it-IT" smtClean="0"/>
-              <a:t>26/01/2024</a:t>
+              <a:t>29/01/2024</a:t>
             </a:fld>
             <a:endParaRPr lang="it-IT"/>
           </a:p>
@@ -3370,7 +4282,7 @@
           <a:p>
             <a:fld id="{9E7AA4F4-6F5A-4614-9621-31BDC7B018FA}" type="slidenum">
               <a:rPr lang="it-IT" smtClean="0"/>
-              <a:t>‹N›</a:t>
+              <a:t>‹#›</a:t>
             </a:fld>
             <a:endParaRPr lang="it-IT"/>
           </a:p>
@@ -3731,7 +4643,7 @@
           <a:p>
             <a:fld id="{8EB6065D-7731-4525-AC99-D31380634F16}" type="datetimeFigureOut">
               <a:rPr lang="it-IT" smtClean="0"/>
-              <a:t>26/01/2024</a:t>
+              <a:t>29/01/2024</a:t>
             </a:fld>
             <a:endParaRPr lang="it-IT"/>
           </a:p>
@@ -3785,7 +4697,7 @@
           <a:p>
             <a:fld id="{9E7AA4F4-6F5A-4614-9621-31BDC7B018FA}" type="slidenum">
               <a:rPr lang="it-IT" smtClean="0"/>
-              <a:t>‹N›</a:t>
+              <a:t>‹#›</a:t>
             </a:fld>
             <a:endParaRPr lang="it-IT"/>
           </a:p>
@@ -3873,7 +4785,7 @@
           <a:p>
             <a:fld id="{8EB6065D-7731-4525-AC99-D31380634F16}" type="datetimeFigureOut">
               <a:rPr lang="it-IT" smtClean="0"/>
-              <a:t>26/01/2024</a:t>
+              <a:t>29/01/2024</a:t>
             </a:fld>
             <a:endParaRPr lang="it-IT"/>
           </a:p>
@@ -3927,7 +4839,7 @@
           <a:p>
             <a:fld id="{9E7AA4F4-6F5A-4614-9621-31BDC7B018FA}" type="slidenum">
               <a:rPr lang="it-IT" smtClean="0"/>
-              <a:t>‹N›</a:t>
+              <a:t>‹#›</a:t>
             </a:fld>
             <a:endParaRPr lang="it-IT"/>
           </a:p>
@@ -3986,7 +4898,7 @@
           <a:p>
             <a:fld id="{8EB6065D-7731-4525-AC99-D31380634F16}" type="datetimeFigureOut">
               <a:rPr lang="it-IT" smtClean="0"/>
-              <a:t>26/01/2024</a:t>
+              <a:t>29/01/2024</a:t>
             </a:fld>
             <a:endParaRPr lang="it-IT"/>
           </a:p>
@@ -4040,7 +4952,7 @@
           <a:p>
             <a:fld id="{9E7AA4F4-6F5A-4614-9621-31BDC7B018FA}" type="slidenum">
               <a:rPr lang="it-IT" smtClean="0"/>
-              <a:t>‹N›</a:t>
+              <a:t>‹#›</a:t>
             </a:fld>
             <a:endParaRPr lang="it-IT"/>
           </a:p>
@@ -4299,7 +5211,7 @@
           <a:p>
             <a:fld id="{8EB6065D-7731-4525-AC99-D31380634F16}" type="datetimeFigureOut">
               <a:rPr lang="it-IT" smtClean="0"/>
-              <a:t>26/01/2024</a:t>
+              <a:t>29/01/2024</a:t>
             </a:fld>
             <a:endParaRPr lang="it-IT"/>
           </a:p>
@@ -4353,7 +5265,7 @@
           <a:p>
             <a:fld id="{9E7AA4F4-6F5A-4614-9621-31BDC7B018FA}" type="slidenum">
               <a:rPr lang="it-IT" smtClean="0"/>
-              <a:t>‹N›</a:t>
+              <a:t>‹#›</a:t>
             </a:fld>
             <a:endParaRPr lang="it-IT"/>
           </a:p>
@@ -4588,7 +5500,7 @@
           <a:p>
             <a:fld id="{8EB6065D-7731-4525-AC99-D31380634F16}" type="datetimeFigureOut">
               <a:rPr lang="it-IT" smtClean="0"/>
-              <a:t>26/01/2024</a:t>
+              <a:t>29/01/2024</a:t>
             </a:fld>
             <a:endParaRPr lang="it-IT"/>
           </a:p>
@@ -4642,7 +5554,7 @@
           <a:p>
             <a:fld id="{9E7AA4F4-6F5A-4614-9621-31BDC7B018FA}" type="slidenum">
               <a:rPr lang="it-IT" smtClean="0"/>
-              <a:t>‹N›</a:t>
+              <a:t>‹#›</a:t>
             </a:fld>
             <a:endParaRPr lang="it-IT"/>
           </a:p>
@@ -4831,7 +5743,7 @@
           <a:p>
             <a:fld id="{8EB6065D-7731-4525-AC99-D31380634F16}" type="datetimeFigureOut">
               <a:rPr lang="it-IT" smtClean="0"/>
-              <a:t>26/01/2024</a:t>
+              <a:t>29/01/2024</a:t>
             </a:fld>
             <a:endParaRPr lang="it-IT"/>
           </a:p>
@@ -4921,7 +5833,7 @@
           <a:p>
             <a:fld id="{9E7AA4F4-6F5A-4614-9621-31BDC7B018FA}" type="slidenum">
               <a:rPr lang="it-IT" smtClean="0"/>
-              <a:t>‹N›</a:t>
+              <a:t>‹#›</a:t>
             </a:fld>
             <a:endParaRPr lang="it-IT"/>
           </a:p>
@@ -5282,7 +6194,7 @@
           <a:effectLst/>
           <a:extLst>
             <a:ext uri="{AF507438-7753-43e0-B8FC-AC1667EBCBE1}">
-              <a14:hiddenEffects xmlns="" xmlns:a14="http://schemas.microsoft.com/office/drawing/2010/main">
+              <a14:hiddenEffects xmlns:a14="http://schemas.microsoft.com/office/drawing/2010/main" xmlns="">
                 <a:effectLst>
                   <a:outerShdw blurRad="63500" dist="38099" dir="2700000" algn="ctr" rotWithShape="0">
                     <a:srgbClr val="000000">
@@ -8321,7 +9233,7 @@
             </a:pPr>
             <a:r>
               <a:rPr lang="en-US" sz="1400" dirty="0"/>
-              <a:t>Highly installed apps show a concentrated distribution with quartiles ranging from 3.7 to 4.8, suggesting consistent high-quality reviews.</a:t>
+              <a:t>Highly installed apps, for the rating data, show a concentrated distribution with quartiles ranging from 3.7 to 4.8, suggesting consistent high-quality reviews.</a:t>
             </a:r>
           </a:p>
           <a:p>
@@ -9892,6 +10804,191 @@
     <p:extLst>
       <p:ext uri="{BB962C8B-B14F-4D97-AF65-F5344CB8AC3E}">
         <p14:creationId xmlns:p14="http://schemas.microsoft.com/office/powerpoint/2010/main" val="3177065622"/>
+      </p:ext>
+    </p:extLst>
+  </p:cSld>
+  <p:clrMapOvr>
+    <a:masterClrMapping/>
+  </p:clrMapOvr>
+</p:sld>
+</file>
+
+<file path=ppt/slides/slide25.xml><?xml version="1.0" encoding="utf-8"?>
+<p:sld xmlns:a="http://schemas.openxmlformats.org/drawingml/2006/main" xmlns:r="http://schemas.openxmlformats.org/officeDocument/2006/relationships" xmlns:p="http://schemas.openxmlformats.org/presentationml/2006/main">
+  <p:cSld>
+    <p:spTree>
+      <p:nvGrpSpPr>
+        <p:cNvPr id="1" name=""/>
+        <p:cNvGrpSpPr/>
+        <p:nvPr/>
+      </p:nvGrpSpPr>
+      <p:grpSpPr>
+        <a:xfrm>
+          <a:off x="0" y="0"/>
+          <a:ext cx="0" cy="0"/>
+          <a:chOff x="0" y="0"/>
+          <a:chExt cx="0" cy="0"/>
+        </a:xfrm>
+      </p:grpSpPr>
+      <p:pic>
+        <p:nvPicPr>
+          <p:cNvPr id="5" name="Picture 4">
+            <a:extLst>
+              <a:ext uri="{FF2B5EF4-FFF2-40B4-BE49-F238E27FC236}">
+                <a16:creationId xmlns:a16="http://schemas.microsoft.com/office/drawing/2014/main" id="{97208E95-350C-42E6-B380-7BD44320E562}"/>
+              </a:ext>
+            </a:extLst>
+          </p:cNvPr>
+          <p:cNvPicPr>
+            <a:picLocks noChangeAspect="1"/>
+          </p:cNvPicPr>
+          <p:nvPr/>
+        </p:nvPicPr>
+        <p:blipFill>
+          <a:blip r:embed="rId3"/>
+          <a:stretch>
+            <a:fillRect/>
+          </a:stretch>
+        </p:blipFill>
+        <p:spPr>
+          <a:xfrm>
+            <a:off x="4246879" y="4883629"/>
+            <a:ext cx="3994754" cy="1148492"/>
+          </a:xfrm>
+          <a:prstGeom prst="rect">
+            <a:avLst/>
+          </a:prstGeom>
+        </p:spPr>
+      </p:pic>
+      <p:pic>
+        <p:nvPicPr>
+          <p:cNvPr id="8" name="Picture 7">
+            <a:extLst>
+              <a:ext uri="{FF2B5EF4-FFF2-40B4-BE49-F238E27FC236}">
+                <a16:creationId xmlns:a16="http://schemas.microsoft.com/office/drawing/2014/main" id="{CBB624A8-BDB0-5088-0F32-B1BC7D4B2362}"/>
+              </a:ext>
+            </a:extLst>
+          </p:cNvPr>
+          <p:cNvPicPr>
+            <a:picLocks noChangeAspect="1"/>
+          </p:cNvPicPr>
+          <p:nvPr/>
+        </p:nvPicPr>
+        <p:blipFill>
+          <a:blip r:embed="rId4"/>
+          <a:stretch>
+            <a:fillRect/>
+          </a:stretch>
+        </p:blipFill>
+        <p:spPr>
+          <a:xfrm>
+            <a:off x="0" y="6129150"/>
+            <a:ext cx="12192000" cy="728850"/>
+          </a:xfrm>
+          <a:prstGeom prst="rect">
+            <a:avLst/>
+          </a:prstGeom>
+        </p:spPr>
+      </p:pic>
+      <p:sp>
+        <p:nvSpPr>
+          <p:cNvPr id="3" name="TextBox 2">
+            <a:extLst>
+              <a:ext uri="{FF2B5EF4-FFF2-40B4-BE49-F238E27FC236}">
+                <a16:creationId xmlns:a16="http://schemas.microsoft.com/office/drawing/2014/main" id="{E04FE398-5C0C-3249-79EB-E617646552EE}"/>
+              </a:ext>
+            </a:extLst>
+          </p:cNvPr>
+          <p:cNvSpPr txBox="1"/>
+          <p:nvPr/>
+        </p:nvSpPr>
+        <p:spPr>
+          <a:xfrm>
+            <a:off x="4098623" y="2285330"/>
+            <a:ext cx="3994754" cy="646331"/>
+          </a:xfrm>
+          <a:prstGeom prst="rect">
+            <a:avLst/>
+          </a:prstGeom>
+          <a:noFill/>
+        </p:spPr>
+        <p:txBody>
+          <a:bodyPr wrap="square" rtlCol="0">
+            <a:spAutoFit/>
+          </a:bodyPr>
+          <a:lstStyle/>
+          <a:p>
+            <a:pPr algn="ctr"/>
+            <a:r>
+              <a:rPr lang="it-IT" sz="3600" dirty="0">
+                <a:effectLst>
+                  <a:outerShdw blurRad="38100" dist="38100" dir="2700000" algn="tl">
+                    <a:srgbClr val="000000">
+                      <a:alpha val="43137"/>
+                    </a:srgbClr>
+                  </a:outerShdw>
+                </a:effectLst>
+                <a:latin typeface="Arial" panose="020B0604020202020204" pitchFamily="34" charset="0"/>
+                <a:cs typeface="Arial" panose="020B0604020202020204" pitchFamily="34" charset="0"/>
+              </a:rPr>
+              <a:t>Start Demo Part</a:t>
+            </a:r>
+          </a:p>
+        </p:txBody>
+      </p:sp>
+      <p:sp>
+        <p:nvSpPr>
+          <p:cNvPr id="4" name="TextBox 3">
+            <a:extLst>
+              <a:ext uri="{FF2B5EF4-FFF2-40B4-BE49-F238E27FC236}">
+                <a16:creationId xmlns:a16="http://schemas.microsoft.com/office/drawing/2014/main" id="{0CC5C3D4-FC78-99CC-4961-05F821703EA6}"/>
+              </a:ext>
+            </a:extLst>
+          </p:cNvPr>
+          <p:cNvSpPr txBox="1"/>
+          <p:nvPr/>
+        </p:nvSpPr>
+        <p:spPr>
+          <a:xfrm>
+            <a:off x="9011039" y="5385790"/>
+            <a:ext cx="2799961" cy="646331"/>
+          </a:xfrm>
+          <a:prstGeom prst="rect">
+            <a:avLst/>
+          </a:prstGeom>
+          <a:noFill/>
+        </p:spPr>
+        <p:txBody>
+          <a:bodyPr wrap="square">
+            <a:spAutoFit/>
+          </a:bodyPr>
+          <a:lstStyle/>
+          <a:p>
+            <a:r>
+              <a:rPr lang="it-IT" altLang="en-US" sz="1800" dirty="0">
+                <a:latin typeface="Calibri" panose="020F0502020204030204" pitchFamily="34" charset="0"/>
+              </a:rPr>
+              <a:t>Paolo Caruso </a:t>
+            </a:r>
+            <a:br>
+              <a:rPr lang="it-IT" altLang="en-US" sz="1800" dirty="0">
+                <a:latin typeface="Calibri" panose="020F0502020204030204" pitchFamily="34" charset="0"/>
+              </a:rPr>
+            </a:br>
+            <a:r>
+              <a:rPr lang="it-IT" altLang="en-US" sz="1800" dirty="0">
+                <a:latin typeface="Calibri" panose="020F0502020204030204" pitchFamily="34" charset="0"/>
+              </a:rPr>
+              <a:t>Cristian Fioravanti 1861593</a:t>
+            </a:r>
+            <a:endParaRPr lang="it-IT" dirty="0"/>
+          </a:p>
+        </p:txBody>
+      </p:sp>
+    </p:spTree>
+    <p:extLst>
+      <p:ext uri="{BB962C8B-B14F-4D97-AF65-F5344CB8AC3E}">
+        <p14:creationId xmlns:p14="http://schemas.microsoft.com/office/powerpoint/2010/main" val="178709382"/>
       </p:ext>
     </p:extLst>
   </p:cSld>

--- a/Visual Analytics.pptx
+++ b/Visual Analytics.pptx
@@ -5,7 +5,7 @@
     <p:sldMasterId id="2147483648" r:id="rId1"/>
   </p:sldMasterIdLst>
   <p:notesMasterIdLst>
-    <p:notesMasterId r:id="rId27"/>
+    <p:notesMasterId r:id="rId29"/>
   </p:notesMasterIdLst>
   <p:sldIdLst>
     <p:sldId id="265" r:id="rId2"/>
@@ -29,10 +29,12 @@
     <p:sldId id="340" r:id="rId20"/>
     <p:sldId id="337" r:id="rId21"/>
     <p:sldId id="338" r:id="rId22"/>
-    <p:sldId id="336" r:id="rId23"/>
-    <p:sldId id="319" r:id="rId24"/>
-    <p:sldId id="314" r:id="rId25"/>
-    <p:sldId id="341" r:id="rId26"/>
+    <p:sldId id="372" r:id="rId23"/>
+    <p:sldId id="373" r:id="rId24"/>
+    <p:sldId id="336" r:id="rId25"/>
+    <p:sldId id="319" r:id="rId26"/>
+    <p:sldId id="314" r:id="rId27"/>
+    <p:sldId id="371" r:id="rId28"/>
   </p:sldIdLst>
   <p:sldSz cx="12192000" cy="6858000"/>
   <p:notesSz cx="6858000" cy="9144000"/>
@@ -221,7 +223,7 @@
           <a:p>
             <a:fld id="{76A9D10F-851A-4A79-A264-929A5BDC4C08}" type="datetimeFigureOut">
               <a:rPr lang="it-IT" smtClean="0"/>
-              <a:t>29/01/2024</a:t>
+              <a:t>30/01/2024</a:t>
             </a:fld>
             <a:endParaRPr lang="it-IT"/>
           </a:p>
@@ -973,32 +975,38 @@
           <a:lstStyle/>
           <a:p>
             <a:r>
+              <a:rPr lang="en-US" dirty="0"/>
+              <a:t>So we build this mode and the result is it.</a:t>
+            </a:r>
+          </a:p>
+          <a:p>
+            <a:r>
+              <a:rPr lang="en-US" dirty="0"/>
+              <a:t>The selection can take place in different ways as already seen for visualize mode. We can brush on the scatterplot or also select the app from the category thanks to the checkbox.</a:t>
+            </a:r>
+          </a:p>
+          <a:p>
+            <a:r>
+              <a:rPr lang="en-US" dirty="0"/>
+              <a:t>On the right side, each component: the boxplot, the histograms, and the parallel coordinates permit a clear representation of the two groups selected.</a:t>
+            </a:r>
+          </a:p>
+          <a:p>
+            <a:endParaRPr lang="en-US" dirty="0"/>
+          </a:p>
+          <a:p>
+            <a:r>
+              <a:rPr lang="en-US" dirty="0"/>
+              <a:t>In this mode is also present a new feature that is not present in the visualization mode and is the possibility to recalculate the PCA only for the set or sets selected by the user, this permit to focus on a more detailed </a:t>
+            </a:r>
+            <a:r>
               <a:rPr lang="en-US" dirty="0" err="1"/>
-              <a:t>Infact</a:t>
+              <a:t>anazlysis</a:t>
             </a:r>
             <a:r>
               <a:rPr lang="en-US" dirty="0"/>
-              <a:t>, this mode allows us to compare two different sets of apps.</a:t>
-            </a:r>
-          </a:p>
-          <a:p>
-            <a:r>
-              <a:rPr lang="en-US" dirty="0"/>
-              <a:t>The selection can take place in different ways as already seen for visualize mode.</a:t>
-            </a:r>
-          </a:p>
-          <a:p>
-            <a:r>
-              <a:rPr lang="en-US" dirty="0"/>
-              <a:t>As we can see on the right of the photo, each component: boxplot, histograms and the parallel coordinates allow a clear visualization of the values of each set.</a:t>
-            </a:r>
-          </a:p>
-          <a:p>
-            <a:r>
-              <a:rPr lang="en-US" dirty="0"/>
-              <a:t>A feature that we find here and not in the Visualize mode is that of being able to recalculate the PCA only for the set or sets selected by the user, this permit to focus on a more detailed analysis of the data and can help the user to see in a clear way the main characteristic of the specific set</a:t>
-            </a:r>
-            <a:endParaRPr lang="it-IT" dirty="0"/>
+              <a:t> of the data and can help the user to see in a clear way the main characteristic of the specific set</a:t>
+            </a:r>
           </a:p>
         </p:txBody>
       </p:sp>
@@ -1800,7 +1808,23 @@
                   <a:srgbClr val="00B0F0"/>
                 </a:solidFill>
               </a:rPr>
-              <a:t>The first predictable feature that shows up is that the two groups are located on two different areas of the graph as we can see</a:t>
+              <a:t>The first difference between the two groups is that each of them is located in a </a:t>
+            </a:r>
+            <a:r>
+              <a:rPr lang="en-US" dirty="0" err="1">
+                <a:solidFill>
+                  <a:srgbClr val="00B0F0"/>
+                </a:solidFill>
+              </a:rPr>
+              <a:t>differente</a:t>
+            </a:r>
+            <a:r>
+              <a:rPr lang="en-US" dirty="0">
+                <a:solidFill>
+                  <a:srgbClr val="00B0F0"/>
+                </a:solidFill>
+              </a:rPr>
+              <a:t> portion of the scatterplot</a:t>
             </a:r>
           </a:p>
           <a:p>
@@ -1824,17 +1848,7 @@
             </a:pPr>
             <a:r>
               <a:rPr lang="en-US" sz="1200" dirty="0"/>
-              <a:t>Highly installed apps, for the rating data, show a concentrated distribution with quartiles ranging from 3.7 to 4.8, suggesting consistent high-quality reviews</a:t>
-            </a:r>
-          </a:p>
-          <a:p>
-            <a:pPr marL="228600" indent="-228600">
-              <a:buFont typeface="+mj-lt"/>
-              <a:buAutoNum type="arabicPeriod"/>
-            </a:pPr>
-            <a:r>
-              <a:rPr lang="en-US" sz="1200" dirty="0"/>
-              <a:t>Less installed apps exhibit a wider distribution across all ratings (1 to 5), indicating greater diversity in user opinions. </a:t>
+              <a:t>The next one, if we look the rating data in the boxplot the highly installed apps show a concentrated distribution ranging from 3.7 to 4.8, suggesting consistent high-quality reviews on the other hand less installed apps exhibit a wider distribution across all ratings (1 to 5), indicating greater diversity in user opinions. </a:t>
             </a:r>
           </a:p>
           <a:p>
@@ -1854,7 +1868,7 @@
             </a:pPr>
             <a:r>
               <a:rPr lang="en-US" sz="1200" dirty="0"/>
-              <a:t> First one is a lower quality</a:t>
+              <a:t> First one is a lower quality, so they take a low rating</a:t>
             </a:r>
           </a:p>
           <a:p>
@@ -1864,7 +1878,7 @@
             </a:pPr>
             <a:r>
               <a:rPr lang="en-US" sz="1200" dirty="0"/>
-              <a:t>The second one is that a limited number of user votes can permit to reach easily high rating, thanks to friend and family</a:t>
+              <a:t>The second one is that a limited number of user votes can permit to reach easily high rating, thanks to friend and family for example</a:t>
             </a:r>
           </a:p>
           <a:p>
@@ -2148,25 +2162,14 @@
               <a:tabLst/>
               <a:defRPr/>
             </a:pPr>
-            <a:r>
-              <a:rPr lang="it-IT" dirty="0"/>
-              <a:t>Some of future </a:t>
-            </a:r>
-            <a:r>
-              <a:rPr lang="it-IT" dirty="0" err="1"/>
-              <a:t>developments</a:t>
-            </a:r>
-            <a:r>
-              <a:rPr lang="it-IT" dirty="0"/>
-              <a:t> can be: (NEXT PAGE)</a:t>
-            </a:r>
+            <a:endParaRPr lang="it-IT" dirty="0"/>
           </a:p>
         </p:txBody>
       </p:sp>
     </p:spTree>
     <p:extLst>
       <p:ext uri="{BB962C8B-B14F-4D97-AF65-F5344CB8AC3E}">
-        <p14:creationId xmlns:p14="http://schemas.microsoft.com/office/powerpoint/2010/main" val="2889460221"/>
+        <p14:creationId xmlns:p14="http://schemas.microsoft.com/office/powerpoint/2010/main" val="993431197"/>
       </p:ext>
     </p:extLst>
   </p:cSld>
@@ -2220,42 +2223,19 @@
           <a:bodyPr/>
           <a:lstStyle/>
           <a:p>
-            <a:r>
-              <a:rPr lang="it-IT" dirty="0"/>
-              <a:t>For </a:t>
-            </a:r>
-            <a:r>
-              <a:rPr lang="it-IT" dirty="0" err="1"/>
-              <a:t>Example</a:t>
-            </a:r>
-            <a:endParaRPr lang="it-IT" dirty="0"/>
-          </a:p>
-          <a:p>
-            <a:pPr marL="228600" marR="0" lvl="0" indent="-228600" algn="l" defTabSz="914400" rtl="0" eaLnBrk="1" fontAlgn="auto" latinLnBrk="0" hangingPunct="1">
-              <a:lnSpc>
-                <a:spcPct val="100000"/>
-              </a:lnSpc>
-              <a:spcBef>
-                <a:spcPts val="0"/>
-              </a:spcBef>
-              <a:spcAft>
-                <a:spcPts val="0"/>
-              </a:spcAft>
-              <a:buClrTx/>
-              <a:buSzTx/>
+            <a:pPr marL="228600" indent="-228600">
               <a:buFont typeface="+mj-lt"/>
               <a:buAutoNum type="arabicPeriod"/>
-              <a:tabLst/>
-              <a:defRPr/>
             </a:pPr>
             <a:r>
-              <a:rPr lang="en-US" sz="1200" b="0" i="0" dirty="0">
+              <a:rPr lang="en-US" b="0" i="0" dirty="0">
                 <a:solidFill>
                   <a:srgbClr val="374151"/>
                 </a:solidFill>
                 <a:effectLst/>
-              </a:rPr>
-              <a:t>Allow users to choose displayed histogram types.</a:t>
+                <a:latin typeface="Söhne"/>
+              </a:rPr>
+              <a:t>the correlation between reviews and installations</a:t>
             </a:r>
           </a:p>
           <a:p>
@@ -2264,101 +2244,31 @@
               <a:buAutoNum type="arabicPeriod"/>
             </a:pPr>
             <a:r>
-              <a:rPr lang="en-US" sz="1200" b="0" i="0" dirty="0">
+              <a:rPr lang="en-US" b="0" i="0" dirty="0">
                 <a:solidFill>
                   <a:srgbClr val="374151"/>
                 </a:solidFill>
                 <a:effectLst/>
-              </a:rPr>
-              <a:t>Implement selection from Parallel Coordinates or Boxplot</a:t>
-            </a:r>
-          </a:p>
-          <a:p>
-            <a:pPr marL="228600" marR="0" lvl="0" indent="-228600" algn="l" defTabSz="914400" rtl="0" eaLnBrk="1" fontAlgn="auto" latinLnBrk="0" hangingPunct="1">
-              <a:lnSpc>
-                <a:spcPct val="100000"/>
-              </a:lnSpc>
-              <a:spcBef>
-                <a:spcPts val="0"/>
-              </a:spcBef>
-              <a:spcAft>
-                <a:spcPts val="0"/>
-              </a:spcAft>
-              <a:buClrTx/>
-              <a:buSzTx/>
+                <a:latin typeface="Söhne"/>
+              </a:rPr>
+              <a:t>the significance of user feedback</a:t>
+            </a:r>
+          </a:p>
+          <a:p>
+            <a:pPr marL="228600" indent="-228600">
               <a:buFont typeface="+mj-lt"/>
               <a:buAutoNum type="arabicPeriod"/>
-              <a:tabLst/>
-              <a:defRPr/>
             </a:pPr>
             <a:r>
-              <a:rPr lang="en-US" sz="1200" b="0" i="0" dirty="0">
+              <a:rPr lang="en-US" b="0" i="0" dirty="0">
                 <a:solidFill>
                   <a:srgbClr val="374151"/>
                 </a:solidFill>
                 <a:effectLst/>
-              </a:rPr>
-              <a:t>Add or remove apps for a personalized views.</a:t>
-            </a:r>
-          </a:p>
-          <a:p>
-            <a:pPr marL="0" marR="0" lvl="0" indent="0" algn="l" defTabSz="914400" rtl="0" eaLnBrk="1" fontAlgn="auto" latinLnBrk="0" hangingPunct="1">
-              <a:lnSpc>
-                <a:spcPct val="100000"/>
-              </a:lnSpc>
-              <a:spcBef>
-                <a:spcPts val="0"/>
-              </a:spcBef>
-              <a:spcAft>
-                <a:spcPts val="0"/>
-              </a:spcAft>
-              <a:buClrTx/>
-              <a:buSzTx/>
-              <a:buFont typeface="+mj-lt"/>
-              <a:buNone/>
-              <a:tabLst/>
-              <a:defRPr/>
-            </a:pPr>
-            <a:endParaRPr lang="en-US" sz="1200" b="0" i="0" dirty="0">
-              <a:solidFill>
-                <a:srgbClr val="374151"/>
-              </a:solidFill>
-              <a:effectLst/>
-            </a:endParaRPr>
-          </a:p>
-          <a:p>
-            <a:pPr marL="0" marR="0" lvl="0" indent="0" algn="l" defTabSz="914400" rtl="0" eaLnBrk="1" fontAlgn="auto" latinLnBrk="0" hangingPunct="1">
-              <a:lnSpc>
-                <a:spcPct val="100000"/>
-              </a:lnSpc>
-              <a:spcBef>
-                <a:spcPts val="0"/>
-              </a:spcBef>
-              <a:spcAft>
-                <a:spcPts val="0"/>
-              </a:spcAft>
-              <a:buClrTx/>
-              <a:buSzTx/>
-              <a:buFont typeface="+mj-lt"/>
-              <a:buNone/>
-              <a:tabLst/>
-              <a:defRPr/>
-            </a:pPr>
-            <a:r>
-              <a:rPr lang="en-US" sz="1200" b="0" i="0" dirty="0">
-                <a:solidFill>
-                  <a:srgbClr val="374151"/>
-                </a:solidFill>
-                <a:effectLst/>
-              </a:rPr>
-              <a:t>And this is it, now we can start the Demo Part </a:t>
-            </a:r>
-          </a:p>
-          <a:p>
-            <a:pPr marL="0" indent="0">
-              <a:buFont typeface="+mj-lt"/>
-              <a:buNone/>
-            </a:pPr>
+                <a:latin typeface="Söhne"/>
+              </a:rPr>
+              <a:t>the impact of higher ratings on app frequency</a:t>
+            </a:r>
             <a:endParaRPr lang="it-IT" dirty="0"/>
           </a:p>
         </p:txBody>
@@ -2366,7 +2276,7 @@
     </p:spTree>
     <p:extLst>
       <p:ext uri="{BB962C8B-B14F-4D97-AF65-F5344CB8AC3E}">
-        <p14:creationId xmlns:p14="http://schemas.microsoft.com/office/powerpoint/2010/main" val="3708258757"/>
+        <p14:creationId xmlns:p14="http://schemas.microsoft.com/office/powerpoint/2010/main" val="2090745853"/>
       </p:ext>
     </p:extLst>
   </p:cSld>
@@ -2420,14 +2330,42 @@
           <a:bodyPr/>
           <a:lstStyle/>
           <a:p>
-            <a:endParaRPr lang="it-IT" dirty="0"/>
+            <a:pPr marL="0" marR="0" lvl="0" indent="0" algn="l" defTabSz="914400" rtl="0" eaLnBrk="1" fontAlgn="auto" latinLnBrk="0" hangingPunct="1">
+              <a:lnSpc>
+                <a:spcPct val="100000"/>
+              </a:lnSpc>
+              <a:spcBef>
+                <a:spcPts val="0"/>
+              </a:spcBef>
+              <a:spcAft>
+                <a:spcPts val="0"/>
+              </a:spcAft>
+              <a:buClrTx/>
+              <a:buSzTx/>
+              <a:buFontTx/>
+              <a:buNone/>
+              <a:tabLst/>
+              <a:defRPr/>
+            </a:pPr>
+            <a:r>
+              <a:rPr lang="it-IT" dirty="0"/>
+              <a:t>Some of future </a:t>
+            </a:r>
+            <a:r>
+              <a:rPr lang="it-IT" dirty="0" err="1"/>
+              <a:t>developments</a:t>
+            </a:r>
+            <a:r>
+              <a:rPr lang="it-IT" dirty="0"/>
+              <a:t> can be: (NEXT PAGE)</a:t>
+            </a:r>
           </a:p>
         </p:txBody>
       </p:sp>
     </p:spTree>
     <p:extLst>
       <p:ext uri="{BB962C8B-B14F-4D97-AF65-F5344CB8AC3E}">
-        <p14:creationId xmlns:p14="http://schemas.microsoft.com/office/powerpoint/2010/main" val="1272451007"/>
+        <p14:creationId xmlns:p14="http://schemas.microsoft.com/office/powerpoint/2010/main" val="2889460221"/>
       </p:ext>
     </p:extLst>
   </p:cSld>
@@ -2481,6 +2419,145 @@
           <a:bodyPr/>
           <a:lstStyle/>
           <a:p>
+            <a:r>
+              <a:rPr lang="it-IT" dirty="0"/>
+              <a:t>For </a:t>
+            </a:r>
+            <a:r>
+              <a:rPr lang="it-IT" dirty="0" err="1"/>
+              <a:t>Example</a:t>
+            </a:r>
+            <a:endParaRPr lang="it-IT" dirty="0"/>
+          </a:p>
+          <a:p>
+            <a:pPr marL="228600" marR="0" lvl="0" indent="-228600" algn="l" defTabSz="914400" rtl="0" eaLnBrk="1" fontAlgn="auto" latinLnBrk="0" hangingPunct="1">
+              <a:lnSpc>
+                <a:spcPct val="100000"/>
+              </a:lnSpc>
+              <a:spcBef>
+                <a:spcPts val="0"/>
+              </a:spcBef>
+              <a:spcAft>
+                <a:spcPts val="0"/>
+              </a:spcAft>
+              <a:buClrTx/>
+              <a:buSzTx/>
+              <a:buFont typeface="+mj-lt"/>
+              <a:buAutoNum type="arabicPeriod"/>
+              <a:tabLst/>
+              <a:defRPr/>
+            </a:pPr>
+            <a:r>
+              <a:rPr lang="en-US" sz="1200" b="0" i="0" dirty="0">
+                <a:solidFill>
+                  <a:srgbClr val="374151"/>
+                </a:solidFill>
+                <a:effectLst/>
+              </a:rPr>
+              <a:t>Allow users to choose displayed histogram types.</a:t>
+            </a:r>
+          </a:p>
+          <a:p>
+            <a:pPr marL="228600" indent="-228600">
+              <a:buFont typeface="+mj-lt"/>
+              <a:buAutoNum type="arabicPeriod"/>
+            </a:pPr>
+            <a:r>
+              <a:rPr lang="en-US" sz="1200" b="0" i="0" dirty="0">
+                <a:solidFill>
+                  <a:srgbClr val="374151"/>
+                </a:solidFill>
+                <a:effectLst/>
+              </a:rPr>
+              <a:t>Implement selection from Parallel Coordinates or Boxplot</a:t>
+            </a:r>
+          </a:p>
+          <a:p>
+            <a:pPr marL="228600" marR="0" lvl="0" indent="-228600" algn="l" defTabSz="914400" rtl="0" eaLnBrk="1" fontAlgn="auto" latinLnBrk="0" hangingPunct="1">
+              <a:lnSpc>
+                <a:spcPct val="100000"/>
+              </a:lnSpc>
+              <a:spcBef>
+                <a:spcPts val="0"/>
+              </a:spcBef>
+              <a:spcAft>
+                <a:spcPts val="0"/>
+              </a:spcAft>
+              <a:buClrTx/>
+              <a:buSzTx/>
+              <a:buFont typeface="+mj-lt"/>
+              <a:buAutoNum type="arabicPeriod"/>
+              <a:tabLst/>
+              <a:defRPr/>
+            </a:pPr>
+            <a:r>
+              <a:rPr lang="en-US" sz="1200" b="0" i="0" dirty="0">
+                <a:solidFill>
+                  <a:srgbClr val="374151"/>
+                </a:solidFill>
+                <a:effectLst/>
+              </a:rPr>
+              <a:t>Add or remove apps for a personalized views.</a:t>
+            </a:r>
+          </a:p>
+          <a:p>
+            <a:pPr marL="0" marR="0" lvl="0" indent="0" algn="l" defTabSz="914400" rtl="0" eaLnBrk="1" fontAlgn="auto" latinLnBrk="0" hangingPunct="1">
+              <a:lnSpc>
+                <a:spcPct val="100000"/>
+              </a:lnSpc>
+              <a:spcBef>
+                <a:spcPts val="0"/>
+              </a:spcBef>
+              <a:spcAft>
+                <a:spcPts val="0"/>
+              </a:spcAft>
+              <a:buClrTx/>
+              <a:buSzTx/>
+              <a:buFont typeface="+mj-lt"/>
+              <a:buNone/>
+              <a:tabLst/>
+              <a:defRPr/>
+            </a:pPr>
+            <a:endParaRPr lang="en-US" sz="1200" b="0" i="0" dirty="0">
+              <a:solidFill>
+                <a:srgbClr val="374151"/>
+              </a:solidFill>
+              <a:effectLst/>
+            </a:endParaRPr>
+          </a:p>
+          <a:p>
+            <a:pPr marL="0" marR="0" lvl="0" indent="0" algn="l" defTabSz="914400" rtl="0" eaLnBrk="1" fontAlgn="auto" latinLnBrk="0" hangingPunct="1">
+              <a:lnSpc>
+                <a:spcPct val="100000"/>
+              </a:lnSpc>
+              <a:spcBef>
+                <a:spcPts val="0"/>
+              </a:spcBef>
+              <a:spcAft>
+                <a:spcPts val="0"/>
+              </a:spcAft>
+              <a:buClrTx/>
+              <a:buSzTx/>
+              <a:buFont typeface="+mj-lt"/>
+              <a:buNone/>
+              <a:tabLst/>
+              <a:defRPr/>
+            </a:pPr>
+            <a:r>
+              <a:rPr lang="en-US" sz="1200" b="0" i="0" dirty="0">
+                <a:solidFill>
+                  <a:srgbClr val="374151"/>
+                </a:solidFill>
+                <a:effectLst/>
+              </a:rPr>
+              <a:t>And this is it, now we can start the Demo Part </a:t>
+            </a:r>
+          </a:p>
+          <a:p>
+            <a:pPr marL="0" indent="0">
+              <a:buFont typeface="+mj-lt"/>
+              <a:buNone/>
+            </a:pPr>
             <a:endParaRPr lang="it-IT" dirty="0"/>
           </a:p>
         </p:txBody>
@@ -2488,7 +2565,129 @@
     </p:spTree>
     <p:extLst>
       <p:ext uri="{BB962C8B-B14F-4D97-AF65-F5344CB8AC3E}">
-        <p14:creationId xmlns:p14="http://schemas.microsoft.com/office/powerpoint/2010/main" val="3285559250"/>
+        <p14:creationId xmlns:p14="http://schemas.microsoft.com/office/powerpoint/2010/main" val="3708258757"/>
+      </p:ext>
+    </p:extLst>
+  </p:cSld>
+  <p:clrMapOvr>
+    <a:masterClrMapping/>
+  </p:clrMapOvr>
+</p:notes>
+</file>
+
+<file path=ppt/notesSlides/notesSlide26.xml><?xml version="1.0" encoding="utf-8"?>
+<p:notes xmlns:a="http://schemas.openxmlformats.org/drawingml/2006/main" xmlns:r="http://schemas.openxmlformats.org/officeDocument/2006/relationships" xmlns:p="http://schemas.openxmlformats.org/presentationml/2006/main">
+  <p:cSld>
+    <p:spTree>
+      <p:nvGrpSpPr>
+        <p:cNvPr id="1" name=""/>
+        <p:cNvGrpSpPr/>
+        <p:nvPr/>
+      </p:nvGrpSpPr>
+      <p:grpSpPr>
+        <a:xfrm>
+          <a:off x="0" y="0"/>
+          <a:ext cx="0" cy="0"/>
+          <a:chOff x="0" y="0"/>
+          <a:chExt cx="0" cy="0"/>
+        </a:xfrm>
+      </p:grpSpPr>
+      <p:sp>
+        <p:nvSpPr>
+          <p:cNvPr id="2" name="Segnaposto immagine diapositiva 1"/>
+          <p:cNvSpPr>
+            <a:spLocks noGrp="1" noRot="1" noChangeAspect="1"/>
+          </p:cNvSpPr>
+          <p:nvPr>
+            <p:ph type="sldImg"/>
+          </p:nvPr>
+        </p:nvSpPr>
+        <p:spPr/>
+      </p:sp>
+      <p:sp>
+        <p:nvSpPr>
+          <p:cNvPr id="3" name="Segnaposto note 2"/>
+          <p:cNvSpPr>
+            <a:spLocks noGrp="1"/>
+          </p:cNvSpPr>
+          <p:nvPr>
+            <p:ph type="body" idx="1"/>
+          </p:nvPr>
+        </p:nvSpPr>
+        <p:spPr/>
+        <p:txBody>
+          <a:bodyPr/>
+          <a:lstStyle/>
+          <a:p>
+            <a:endParaRPr lang="it-IT" dirty="0"/>
+          </a:p>
+        </p:txBody>
+      </p:sp>
+    </p:spTree>
+    <p:extLst>
+      <p:ext uri="{BB962C8B-B14F-4D97-AF65-F5344CB8AC3E}">
+        <p14:creationId xmlns:p14="http://schemas.microsoft.com/office/powerpoint/2010/main" val="1272451007"/>
+      </p:ext>
+    </p:extLst>
+  </p:cSld>
+  <p:clrMapOvr>
+    <a:masterClrMapping/>
+  </p:clrMapOvr>
+</p:notes>
+</file>
+
+<file path=ppt/notesSlides/notesSlide27.xml><?xml version="1.0" encoding="utf-8"?>
+<p:notes xmlns:a="http://schemas.openxmlformats.org/drawingml/2006/main" xmlns:r="http://schemas.openxmlformats.org/officeDocument/2006/relationships" xmlns:p="http://schemas.openxmlformats.org/presentationml/2006/main">
+  <p:cSld>
+    <p:spTree>
+      <p:nvGrpSpPr>
+        <p:cNvPr id="1" name=""/>
+        <p:cNvGrpSpPr/>
+        <p:nvPr/>
+      </p:nvGrpSpPr>
+      <p:grpSpPr>
+        <a:xfrm>
+          <a:off x="0" y="0"/>
+          <a:ext cx="0" cy="0"/>
+          <a:chOff x="0" y="0"/>
+          <a:chExt cx="0" cy="0"/>
+        </a:xfrm>
+      </p:grpSpPr>
+      <p:sp>
+        <p:nvSpPr>
+          <p:cNvPr id="2" name="Segnaposto immagine diapositiva 1"/>
+          <p:cNvSpPr>
+            <a:spLocks noGrp="1" noRot="1" noChangeAspect="1"/>
+          </p:cNvSpPr>
+          <p:nvPr>
+            <p:ph type="sldImg"/>
+          </p:nvPr>
+        </p:nvSpPr>
+        <p:spPr/>
+      </p:sp>
+      <p:sp>
+        <p:nvSpPr>
+          <p:cNvPr id="3" name="Segnaposto note 2"/>
+          <p:cNvSpPr>
+            <a:spLocks noGrp="1"/>
+          </p:cNvSpPr>
+          <p:nvPr>
+            <p:ph type="body" idx="1"/>
+          </p:nvPr>
+        </p:nvSpPr>
+        <p:spPr/>
+        <p:txBody>
+          <a:bodyPr/>
+          <a:lstStyle/>
+          <a:p>
+            <a:endParaRPr lang="it-IT" dirty="0"/>
+          </a:p>
+        </p:txBody>
+      </p:sp>
+    </p:spTree>
+    <p:extLst>
+      <p:ext uri="{BB962C8B-B14F-4D97-AF65-F5344CB8AC3E}">
+        <p14:creationId xmlns:p14="http://schemas.microsoft.com/office/powerpoint/2010/main" val="3022266837"/>
       </p:ext>
     </p:extLst>
   </p:cSld>
@@ -3074,7 +3273,7 @@
           <a:p>
             <a:fld id="{8EB6065D-7731-4525-AC99-D31380634F16}" type="datetimeFigureOut">
               <a:rPr lang="it-IT" smtClean="0"/>
-              <a:t>29/01/2024</a:t>
+              <a:t>30/01/2024</a:t>
             </a:fld>
             <a:endParaRPr lang="it-IT"/>
           </a:p>
@@ -3274,7 +3473,7 @@
           <a:p>
             <a:fld id="{8EB6065D-7731-4525-AC99-D31380634F16}" type="datetimeFigureOut">
               <a:rPr lang="it-IT" smtClean="0"/>
-              <a:t>29/01/2024</a:t>
+              <a:t>30/01/2024</a:t>
             </a:fld>
             <a:endParaRPr lang="it-IT"/>
           </a:p>
@@ -3484,7 +3683,7 @@
           <a:p>
             <a:fld id="{8EB6065D-7731-4525-AC99-D31380634F16}" type="datetimeFigureOut">
               <a:rPr lang="it-IT" smtClean="0"/>
-              <a:t>29/01/2024</a:t>
+              <a:t>30/01/2024</a:t>
             </a:fld>
             <a:endParaRPr lang="it-IT"/>
           </a:p>
@@ -3684,7 +3883,7 @@
           <a:p>
             <a:fld id="{8EB6065D-7731-4525-AC99-D31380634F16}" type="datetimeFigureOut">
               <a:rPr lang="it-IT" smtClean="0"/>
-              <a:t>29/01/2024</a:t>
+              <a:t>30/01/2024</a:t>
             </a:fld>
             <a:endParaRPr lang="it-IT"/>
           </a:p>
@@ -3960,7 +4159,7 @@
           <a:p>
             <a:fld id="{8EB6065D-7731-4525-AC99-D31380634F16}" type="datetimeFigureOut">
               <a:rPr lang="it-IT" smtClean="0"/>
-              <a:t>29/01/2024</a:t>
+              <a:t>30/01/2024</a:t>
             </a:fld>
             <a:endParaRPr lang="it-IT"/>
           </a:p>
@@ -4228,7 +4427,7 @@
           <a:p>
             <a:fld id="{8EB6065D-7731-4525-AC99-D31380634F16}" type="datetimeFigureOut">
               <a:rPr lang="it-IT" smtClean="0"/>
-              <a:t>29/01/2024</a:t>
+              <a:t>30/01/2024</a:t>
             </a:fld>
             <a:endParaRPr lang="it-IT"/>
           </a:p>
@@ -4643,7 +4842,7 @@
           <a:p>
             <a:fld id="{8EB6065D-7731-4525-AC99-D31380634F16}" type="datetimeFigureOut">
               <a:rPr lang="it-IT" smtClean="0"/>
-              <a:t>29/01/2024</a:t>
+              <a:t>30/01/2024</a:t>
             </a:fld>
             <a:endParaRPr lang="it-IT"/>
           </a:p>
@@ -4785,7 +4984,7 @@
           <a:p>
             <a:fld id="{8EB6065D-7731-4525-AC99-D31380634F16}" type="datetimeFigureOut">
               <a:rPr lang="it-IT" smtClean="0"/>
-              <a:t>29/01/2024</a:t>
+              <a:t>30/01/2024</a:t>
             </a:fld>
             <a:endParaRPr lang="it-IT"/>
           </a:p>
@@ -4898,7 +5097,7 @@
           <a:p>
             <a:fld id="{8EB6065D-7731-4525-AC99-D31380634F16}" type="datetimeFigureOut">
               <a:rPr lang="it-IT" smtClean="0"/>
-              <a:t>29/01/2024</a:t>
+              <a:t>30/01/2024</a:t>
             </a:fld>
             <a:endParaRPr lang="it-IT"/>
           </a:p>
@@ -5211,7 +5410,7 @@
           <a:p>
             <a:fld id="{8EB6065D-7731-4525-AC99-D31380634F16}" type="datetimeFigureOut">
               <a:rPr lang="it-IT" smtClean="0"/>
-              <a:t>29/01/2024</a:t>
+              <a:t>30/01/2024</a:t>
             </a:fld>
             <a:endParaRPr lang="it-IT"/>
           </a:p>
@@ -5500,7 +5699,7 @@
           <a:p>
             <a:fld id="{8EB6065D-7731-4525-AC99-D31380634F16}" type="datetimeFigureOut">
               <a:rPr lang="it-IT" smtClean="0"/>
-              <a:t>29/01/2024</a:t>
+              <a:t>30/01/2024</a:t>
             </a:fld>
             <a:endParaRPr lang="it-IT"/>
           </a:p>
@@ -5743,7 +5942,7 @@
           <a:p>
             <a:fld id="{8EB6065D-7731-4525-AC99-D31380634F16}" type="datetimeFigureOut">
               <a:rPr lang="it-IT" smtClean="0"/>
-              <a:t>29/01/2024</a:t>
+              <a:t>30/01/2024</a:t>
             </a:fld>
             <a:endParaRPr lang="it-IT"/>
           </a:p>
@@ -9090,7 +9289,7 @@
         </p:nvSpPr>
         <p:spPr>
           <a:xfrm>
-            <a:off x="262036" y="2553279"/>
+            <a:off x="255961" y="937162"/>
             <a:ext cx="2162955" cy="2462213"/>
           </a:xfrm>
           <a:prstGeom prst="rect">
@@ -9167,7 +9366,7 @@
         </p:nvSpPr>
         <p:spPr>
           <a:xfrm>
-            <a:off x="148124" y="1062418"/>
+            <a:off x="255960" y="3688259"/>
             <a:ext cx="2162955" cy="1169551"/>
           </a:xfrm>
           <a:prstGeom prst="rect">
@@ -9181,10 +9380,6 @@
           </a:bodyPr>
           <a:lstStyle/>
           <a:p>
-            <a:pPr marL="171450" indent="-171450">
-              <a:buFont typeface="Arial" panose="020B0604020202020204" pitchFamily="34" charset="0"/>
-              <a:buChar char="•"/>
-            </a:pPr>
             <a:r>
               <a:rPr lang="en-US" sz="1400" b="0" i="0" dirty="0">
                 <a:solidFill>
@@ -9193,7 +9388,7 @@
                 <a:effectLst/>
                 <a:latin typeface="Söhne"/>
               </a:rPr>
-              <a:t>Less installed apps have notably fewer reviews, indicating lower user engagement compared to popular ones.</a:t>
+              <a:t>Less installed apps have notably fewer reviews, indicating a lower user engagement compared to popular apps.</a:t>
             </a:r>
             <a:endParaRPr lang="it-IT" sz="1400" dirty="0"/>
           </a:p>
@@ -9258,6 +9453,48 @@
           </a:p>
         </p:txBody>
       </p:sp>
+      <p:cxnSp>
+        <p:nvCxnSpPr>
+          <p:cNvPr id="3" name="Straight Arrow Connector 2">
+            <a:extLst>
+              <a:ext uri="{FF2B5EF4-FFF2-40B4-BE49-F238E27FC236}">
+                <a16:creationId xmlns:a16="http://schemas.microsoft.com/office/drawing/2014/main" id="{A4AD0C1D-367D-B935-9009-EFAE606A8616}"/>
+              </a:ext>
+            </a:extLst>
+          </p:cNvPr>
+          <p:cNvCxnSpPr>
+            <a:stCxn id="17" idx="2"/>
+            <a:endCxn id="19" idx="0"/>
+          </p:cNvCxnSpPr>
+          <p:nvPr/>
+        </p:nvCxnSpPr>
+        <p:spPr>
+          <a:xfrm flipH="1">
+            <a:off x="1337438" y="3399375"/>
+            <a:ext cx="1" cy="288884"/>
+          </a:xfrm>
+          <a:prstGeom prst="straightConnector1">
+            <a:avLst/>
+          </a:prstGeom>
+          <a:ln>
+            <a:tailEnd type="triangle"/>
+          </a:ln>
+        </p:spPr>
+        <p:style>
+          <a:lnRef idx="1">
+            <a:schemeClr val="accent1"/>
+          </a:lnRef>
+          <a:fillRef idx="0">
+            <a:schemeClr val="accent1"/>
+          </a:fillRef>
+          <a:effectRef idx="0">
+            <a:schemeClr val="accent1"/>
+          </a:effectRef>
+          <a:fontRef idx="minor">
+            <a:schemeClr val="tx1"/>
+          </a:fontRef>
+        </p:style>
+      </p:cxnSp>
     </p:spTree>
     <p:extLst>
       <p:ext uri="{BB962C8B-B14F-4D97-AF65-F5344CB8AC3E}">
@@ -10373,8 +10610,8 @@
         </p:nvSpPr>
         <p:spPr>
           <a:xfrm>
-            <a:off x="4145902" y="2844225"/>
-            <a:ext cx="3900195" cy="584775"/>
+            <a:off x="4771123" y="2781824"/>
+            <a:ext cx="2649753" cy="584775"/>
           </a:xfrm>
           <a:prstGeom prst="rect">
             <a:avLst/>
@@ -10389,18 +10626,22 @@
           <a:p>
             <a:pPr algn="l"/>
             <a:r>
-              <a:rPr lang="en-US" sz="3200" i="0" dirty="0">
+              <a:rPr lang="en-US" sz="3200" b="0" i="0" dirty="0">
                 <a:effectLst/>
-              </a:rPr>
-              <a:t>Future Developments</a:t>
-            </a:r>
+                <a:latin typeface="Arial" panose="020B0604020202020204" pitchFamily="34" charset="0"/>
+              </a:rPr>
+              <a:t>Related Work</a:t>
+            </a:r>
+            <a:endParaRPr lang="en-US" sz="3200" i="0" dirty="0">
+              <a:effectLst/>
+            </a:endParaRPr>
           </a:p>
         </p:txBody>
       </p:sp>
     </p:spTree>
     <p:extLst>
       <p:ext uri="{BB962C8B-B14F-4D97-AF65-F5344CB8AC3E}">
-        <p14:creationId xmlns:p14="http://schemas.microsoft.com/office/powerpoint/2010/main" val="3404534315"/>
+        <p14:creationId xmlns:p14="http://schemas.microsoft.com/office/powerpoint/2010/main" val="3792856382"/>
       </p:ext>
     </p:extLst>
   </p:cSld>
@@ -10501,8 +10742,8 @@
         </p:nvSpPr>
         <p:spPr>
           <a:xfrm>
-            <a:off x="1466850" y="2459504"/>
-            <a:ext cx="9258300" cy="1938992"/>
+            <a:off x="176830" y="1437048"/>
+            <a:ext cx="5764174" cy="584775"/>
           </a:xfrm>
           <a:prstGeom prst="rect">
             <a:avLst/>
@@ -10515,110 +10756,242 @@
           </a:bodyPr>
           <a:lstStyle/>
           <a:p>
-            <a:pPr algn="l">
-              <a:buFont typeface="Arial" panose="020B0604020202020204" pitchFamily="34" charset="0"/>
-              <a:buChar char="•"/>
+            <a:pPr algn="l"/>
+            <a:r>
+              <a:rPr lang="en-US" sz="1600" b="0" i="0" dirty="0">
+                <a:effectLst/>
+                <a:latin typeface="Arial" panose="020B0604020202020204" pitchFamily="34" charset="0"/>
+                <a:cs typeface="Arial" panose="020B0604020202020204" pitchFamily="34" charset="0"/>
+              </a:rPr>
+              <a:t>Most studies on the dataset focus on Data Visualization rather than Visual Analytics.</a:t>
+            </a:r>
+          </a:p>
+        </p:txBody>
+      </p:sp>
+      <p:sp>
+        <p:nvSpPr>
+          <p:cNvPr id="3" name="TextBox 2">
+            <a:extLst>
+              <a:ext uri="{FF2B5EF4-FFF2-40B4-BE49-F238E27FC236}">
+                <a16:creationId xmlns:a16="http://schemas.microsoft.com/office/drawing/2014/main" id="{6F50E517-5997-1C52-83AD-B360C6683DFC}"/>
+              </a:ext>
+            </a:extLst>
+          </p:cNvPr>
+          <p:cNvSpPr txBox="1"/>
+          <p:nvPr/>
+        </p:nvSpPr>
+        <p:spPr>
+          <a:xfrm>
+            <a:off x="176828" y="2270048"/>
+            <a:ext cx="5764175" cy="584775"/>
+          </a:xfrm>
+          <a:prstGeom prst="rect">
+            <a:avLst/>
+          </a:prstGeom>
+          <a:noFill/>
+        </p:spPr>
+        <p:txBody>
+          <a:bodyPr wrap="square">
+            <a:spAutoFit/>
+          </a:bodyPr>
+          <a:lstStyle/>
+          <a:p>
+            <a:r>
+              <a:rPr lang="en-US" sz="1600" dirty="0">
+                <a:latin typeface="Arial" panose="020B0604020202020204" pitchFamily="34" charset="0"/>
+              </a:rPr>
+              <a:t>W</a:t>
+            </a:r>
+            <a:r>
+              <a:rPr lang="en-US" sz="1600" b="0" i="0" dirty="0">
+                <a:effectLst/>
+                <a:latin typeface="Arial" panose="020B0604020202020204" pitchFamily="34" charset="0"/>
+              </a:rPr>
+              <a:t>e cannot talk about the contribution of </a:t>
+            </a:r>
+            <a:r>
+              <a:rPr lang="en-US" sz="1600" b="0" i="0" dirty="0" err="1">
+                <a:effectLst/>
+                <a:latin typeface="Arial" panose="020B0604020202020204" pitchFamily="34" charset="0"/>
+              </a:rPr>
+              <a:t>Aiastan</a:t>
+            </a:r>
+            <a:r>
+              <a:rPr lang="en-US" sz="1600" b="0" i="0" dirty="0">
+                <a:effectLst/>
+                <a:latin typeface="Arial" panose="020B0604020202020204" pitchFamily="34" charset="0"/>
+              </a:rPr>
+              <a:t> </a:t>
+            </a:r>
+            <a:r>
+              <a:rPr lang="en-US" sz="1600" b="0" i="0" dirty="0" err="1">
+                <a:effectLst/>
+                <a:latin typeface="Arial" panose="020B0604020202020204" pitchFamily="34" charset="0"/>
+              </a:rPr>
+              <a:t>Sherniiazov</a:t>
+            </a:r>
+            <a:r>
+              <a:rPr lang="en-US" sz="1600" b="0" i="0" dirty="0">
+                <a:effectLst/>
+                <a:latin typeface="Arial" panose="020B0604020202020204" pitchFamily="34" charset="0"/>
+              </a:rPr>
+              <a:t> with is work:</a:t>
+            </a:r>
+            <a:r>
+              <a:rPr lang="en-US" sz="1600" b="1" i="0" dirty="0">
+                <a:effectLst/>
+                <a:latin typeface="Arial" panose="020B0604020202020204" pitchFamily="34" charset="0"/>
+              </a:rPr>
+              <a:t> “</a:t>
+            </a:r>
+            <a:r>
+              <a:rPr lang="en-US" sz="1600" b="1" i="0" dirty="0">
+                <a:effectLst/>
+                <a:latin typeface="Arial" panose="020B0604020202020204" pitchFamily="34" charset="0"/>
+                <a:hlinkClick r:id="rId5"/>
+              </a:rPr>
+              <a:t>How To Make Your App Popular?</a:t>
+            </a:r>
+            <a:r>
+              <a:rPr lang="en-US" sz="1600" b="1" i="0" dirty="0">
+                <a:effectLst/>
+                <a:latin typeface="Arial" panose="020B0604020202020204" pitchFamily="34" charset="0"/>
+              </a:rPr>
+              <a:t>”</a:t>
+            </a:r>
+            <a:endParaRPr lang="it-IT" sz="1600" b="1" dirty="0"/>
+          </a:p>
+        </p:txBody>
+      </p:sp>
+      <p:sp>
+        <p:nvSpPr>
+          <p:cNvPr id="10" name="TextBox 9">
+            <a:extLst>
+              <a:ext uri="{FF2B5EF4-FFF2-40B4-BE49-F238E27FC236}">
+                <a16:creationId xmlns:a16="http://schemas.microsoft.com/office/drawing/2014/main" id="{F14C13F3-3E0C-0AA4-2447-DE503978F527}"/>
+              </a:ext>
+            </a:extLst>
+          </p:cNvPr>
+          <p:cNvSpPr txBox="1"/>
+          <p:nvPr/>
+        </p:nvSpPr>
+        <p:spPr>
+          <a:xfrm>
+            <a:off x="176829" y="3550906"/>
+            <a:ext cx="5764174" cy="1815882"/>
+          </a:xfrm>
+          <a:prstGeom prst="rect">
+            <a:avLst/>
+          </a:prstGeom>
+          <a:noFill/>
+        </p:spPr>
+        <p:txBody>
+          <a:bodyPr wrap="square">
+            <a:spAutoFit/>
+          </a:bodyPr>
+          <a:lstStyle/>
+          <a:p>
+            <a:r>
+              <a:rPr lang="en-US" sz="1600" b="0" i="0" dirty="0">
+                <a:effectLst/>
+                <a:latin typeface="Arial" panose="020B0604020202020204" pitchFamily="34" charset="0"/>
+              </a:rPr>
+              <a:t>Relevant findings:</a:t>
+            </a:r>
+          </a:p>
+          <a:p>
+            <a:pPr marL="800100" lvl="1" indent="-342900">
+              <a:buFont typeface="+mj-lt"/>
+              <a:buAutoNum type="arabicPeriod"/>
             </a:pPr>
             <a:r>
-              <a:rPr lang="en-US" sz="2000" b="1" i="0" dirty="0">
+              <a:rPr lang="en-US" sz="1600" b="0" i="0" dirty="0">
+                <a:effectLst/>
+                <a:latin typeface="Arial" panose="020B0604020202020204" pitchFamily="34" charset="0"/>
+              </a:rPr>
+              <a:t>A high number of reviews is correlated with a higher number of installations.</a:t>
+            </a:r>
+          </a:p>
+          <a:p>
+            <a:pPr marL="800100" lvl="1" indent="-342900">
+              <a:buFont typeface="+mj-lt"/>
+              <a:buAutoNum type="arabicPeriod"/>
+            </a:pPr>
+            <a:r>
+              <a:rPr lang="en-US" sz="1600" b="0" i="0" dirty="0">
+                <a:effectLst/>
+                <a:latin typeface="Arial" panose="020B0604020202020204" pitchFamily="34" charset="0"/>
+              </a:rPr>
+              <a:t>User feedback is crucial for the success of an application.</a:t>
+            </a:r>
+          </a:p>
+          <a:p>
+            <a:pPr marL="800100" lvl="1" indent="-342900">
+              <a:buFont typeface="+mj-lt"/>
+              <a:buAutoNum type="arabicPeriod"/>
+            </a:pPr>
+            <a:r>
+              <a:rPr lang="en-US" sz="1600" b="0" i="0" dirty="0">
+                <a:effectLst/>
+                <a:latin typeface="Arial" panose="020B0604020202020204" pitchFamily="34" charset="0"/>
+              </a:rPr>
+              <a:t>Applications with higher ratings tend to be installed more frequently</a:t>
+            </a:r>
+            <a:endParaRPr lang="it-IT" sz="1600" dirty="0"/>
+          </a:p>
+        </p:txBody>
+      </p:sp>
+      <p:pic>
+        <p:nvPicPr>
+          <p:cNvPr id="1026" name="Picture 2">
+            <a:extLst>
+              <a:ext uri="{FF2B5EF4-FFF2-40B4-BE49-F238E27FC236}">
+                <a16:creationId xmlns:a16="http://schemas.microsoft.com/office/drawing/2014/main" id="{00629649-978B-8321-53D4-464C496F595F}"/>
+              </a:ext>
+            </a:extLst>
+          </p:cNvPr>
+          <p:cNvPicPr>
+            <a:picLocks noChangeAspect="1" noChangeArrowheads="1"/>
+          </p:cNvPicPr>
+          <p:nvPr/>
+        </p:nvPicPr>
+        <p:blipFill>
+          <a:blip r:embed="rId6">
+            <a:extLst>
+              <a:ext uri="{28A0092B-C50C-407E-A947-70E740481C1C}">
+                <a14:useLocalDpi xmlns:a14="http://schemas.microsoft.com/office/drawing/2010/main" val="0"/>
+              </a:ext>
+            </a:extLst>
+          </a:blip>
+          <a:srcRect/>
+          <a:stretch>
+            <a:fillRect/>
+          </a:stretch>
+        </p:blipFill>
+        <p:spPr bwMode="auto">
+          <a:xfrm>
+            <a:off x="5989045" y="266122"/>
+            <a:ext cx="6026125" cy="5669177"/>
+          </a:xfrm>
+          <a:prstGeom prst="rect">
+            <a:avLst/>
+          </a:prstGeom>
+          <a:noFill/>
+          <a:extLst>
+            <a:ext uri="{909E8E84-426E-40DD-AFC4-6F175D3DCCD1}">
+              <a14:hiddenFill xmlns:a14="http://schemas.microsoft.com/office/drawing/2010/main">
                 <a:solidFill>
-                  <a:srgbClr val="374151"/>
+                  <a:srgbClr val="FFFFFF"/>
                 </a:solidFill>
-                <a:effectLst/>
-              </a:rPr>
-              <a:t> User-Defined Histograms:</a:t>
-            </a:r>
-            <a:endParaRPr lang="en-US" sz="2000" b="0" i="0" dirty="0">
-              <a:solidFill>
-                <a:srgbClr val="374151"/>
-              </a:solidFill>
-              <a:effectLst/>
-            </a:endParaRPr>
-          </a:p>
-          <a:p>
-            <a:pPr lvl="1" algn="l"/>
-            <a:r>
-              <a:rPr lang="en-US" sz="2000" b="0" i="0" dirty="0">
-                <a:solidFill>
-                  <a:srgbClr val="374151"/>
-                </a:solidFill>
-                <a:effectLst/>
-              </a:rPr>
-              <a:t>Allow users to choose displayed histogram types.</a:t>
-            </a:r>
-          </a:p>
-          <a:p>
-            <a:pPr algn="l">
-              <a:buFont typeface="Arial" panose="020B0604020202020204" pitchFamily="34" charset="0"/>
-              <a:buChar char="•"/>
-            </a:pPr>
-            <a:r>
-              <a:rPr lang="en-US" sz="2000" b="1" i="0" dirty="0">
-                <a:solidFill>
-                  <a:srgbClr val="374151"/>
-                </a:solidFill>
-                <a:effectLst/>
-              </a:rPr>
-              <a:t> Enhanced Selection Modes:</a:t>
-            </a:r>
-            <a:endParaRPr lang="en-US" sz="2000" b="0" i="0" dirty="0">
-              <a:solidFill>
-                <a:srgbClr val="374151"/>
-              </a:solidFill>
-              <a:effectLst/>
-            </a:endParaRPr>
-          </a:p>
-          <a:p>
-            <a:pPr lvl="1" algn="l"/>
-            <a:r>
-              <a:rPr lang="en-US" sz="2000" b="0" i="0" dirty="0">
-                <a:solidFill>
-                  <a:srgbClr val="374151"/>
-                </a:solidFill>
-                <a:effectLst/>
-              </a:rPr>
-              <a:t>Implement selection from Parallel Coordinates or Boxplot.</a:t>
-            </a:r>
-          </a:p>
-          <a:p>
-            <a:pPr algn="l">
-              <a:buFont typeface="Arial" panose="020B0604020202020204" pitchFamily="34" charset="0"/>
-              <a:buChar char="•"/>
-            </a:pPr>
-            <a:r>
-              <a:rPr lang="en-US" sz="2000" b="1" i="0" dirty="0">
-                <a:solidFill>
-                  <a:srgbClr val="374151"/>
-                </a:solidFill>
-                <a:effectLst/>
-              </a:rPr>
-              <a:t> Customized Scatter-Plot:</a:t>
-            </a:r>
-            <a:endParaRPr lang="en-US" sz="2000" b="0" i="0" dirty="0">
-              <a:solidFill>
-                <a:srgbClr val="374151"/>
-              </a:solidFill>
-              <a:effectLst/>
-            </a:endParaRPr>
-          </a:p>
-          <a:p>
-            <a:pPr lvl="1" algn="l"/>
-            <a:r>
-              <a:rPr lang="en-US" sz="2000" b="0" i="0" dirty="0">
-                <a:solidFill>
-                  <a:srgbClr val="374151"/>
-                </a:solidFill>
-                <a:effectLst/>
-              </a:rPr>
-              <a:t>Add/remove apps for personalized views.</a:t>
-            </a:r>
-          </a:p>
-        </p:txBody>
-      </p:sp>
+              </a14:hiddenFill>
+            </a:ext>
+          </a:extLst>
+        </p:spPr>
+      </p:pic>
     </p:spTree>
     <p:extLst>
       <p:ext uri="{BB962C8B-B14F-4D97-AF65-F5344CB8AC3E}">
-        <p14:creationId xmlns:p14="http://schemas.microsoft.com/office/powerpoint/2010/main" val="4075522333"/>
+        <p14:creationId xmlns:p14="http://schemas.microsoft.com/office/powerpoint/2010/main" val="3020527179"/>
       </p:ext>
     </p:extLst>
   </p:cSld>
@@ -10667,8 +11040,8 @@
         </p:blipFill>
         <p:spPr>
           <a:xfrm>
-            <a:off x="4246879" y="4883629"/>
-            <a:ext cx="3994754" cy="1148492"/>
+            <a:off x="0" y="0"/>
+            <a:ext cx="4122777" cy="1188823"/>
           </a:xfrm>
           <a:prstGeom prst="rect">
             <a:avLst/>
@@ -10710,7 +11083,7 @@
           <p:cNvPr id="3" name="TextBox 2">
             <a:extLst>
               <a:ext uri="{FF2B5EF4-FFF2-40B4-BE49-F238E27FC236}">
-                <a16:creationId xmlns:a16="http://schemas.microsoft.com/office/drawing/2014/main" id="{E04FE398-5C0C-3249-79EB-E617646552EE}"/>
+                <a16:creationId xmlns:a16="http://schemas.microsoft.com/office/drawing/2014/main" id="{D94961DC-3C1A-320B-6376-623B877876D0}"/>
               </a:ext>
             </a:extLst>
           </p:cNvPr>
@@ -10719,54 +11092,8 @@
         </p:nvSpPr>
         <p:spPr>
           <a:xfrm>
-            <a:off x="4098623" y="2285330"/>
-            <a:ext cx="3994754" cy="646331"/>
-          </a:xfrm>
-          <a:prstGeom prst="rect">
-            <a:avLst/>
-          </a:prstGeom>
-          <a:noFill/>
-        </p:spPr>
-        <p:txBody>
-          <a:bodyPr wrap="square" rtlCol="0">
-            <a:spAutoFit/>
-          </a:bodyPr>
-          <a:lstStyle/>
-          <a:p>
-            <a:pPr algn="ctr"/>
-            <a:r>
-              <a:rPr lang="it-IT" sz="3600" dirty="0">
-                <a:effectLst>
-                  <a:outerShdw blurRad="38100" dist="38100" dir="2700000" algn="tl">
-                    <a:srgbClr val="000000">
-                      <a:alpha val="43137"/>
-                    </a:srgbClr>
-                  </a:outerShdw>
-                </a:effectLst>
-                <a:latin typeface="Arial" panose="020B0604020202020204" pitchFamily="34" charset="0"/>
-                <a:cs typeface="Arial" panose="020B0604020202020204" pitchFamily="34" charset="0"/>
-              </a:rPr>
-              <a:t>End</a:t>
-            </a:r>
-          </a:p>
-        </p:txBody>
-      </p:sp>
-      <p:sp>
-        <p:nvSpPr>
-          <p:cNvPr id="4" name="TextBox 3">
-            <a:extLst>
-              <a:ext uri="{FF2B5EF4-FFF2-40B4-BE49-F238E27FC236}">
-                <a16:creationId xmlns:a16="http://schemas.microsoft.com/office/drawing/2014/main" id="{0CC5C3D4-FC78-99CC-4961-05F821703EA6}"/>
-              </a:ext>
-            </a:extLst>
-          </p:cNvPr>
-          <p:cNvSpPr txBox="1"/>
-          <p:nvPr/>
-        </p:nvSpPr>
-        <p:spPr>
-          <a:xfrm>
-            <a:off x="9011039" y="5385790"/>
-            <a:ext cx="2799961" cy="646331"/>
+            <a:off x="4145902" y="2844225"/>
+            <a:ext cx="3900195" cy="584775"/>
           </a:xfrm>
           <a:prstGeom prst="rect">
             <a:avLst/>
@@ -10779,31 +11106,20 @@
           </a:bodyPr>
           <a:lstStyle/>
           <a:p>
-            <a:r>
-              <a:rPr lang="it-IT" altLang="en-US" sz="1800" dirty="0">
-                <a:latin typeface="Calibri" panose="020F0502020204030204" pitchFamily="34" charset="0"/>
-              </a:rPr>
-              <a:t>Paolo Caruso </a:t>
-            </a:r>
-            <a:br>
-              <a:rPr lang="it-IT" altLang="en-US" sz="1800" dirty="0">
-                <a:latin typeface="Calibri" panose="020F0502020204030204" pitchFamily="34" charset="0"/>
-              </a:rPr>
-            </a:br>
-            <a:r>
-              <a:rPr lang="it-IT" altLang="en-US" sz="1800" dirty="0">
-                <a:latin typeface="Calibri" panose="020F0502020204030204" pitchFamily="34" charset="0"/>
-              </a:rPr>
-              <a:t>Cristian Fioravanti 1861593</a:t>
-            </a:r>
-            <a:endParaRPr lang="it-IT" dirty="0"/>
+            <a:pPr algn="l"/>
+            <a:r>
+              <a:rPr lang="en-US" sz="3200" i="0" dirty="0">
+                <a:effectLst/>
+              </a:rPr>
+              <a:t>Future Developments</a:t>
+            </a:r>
           </a:p>
         </p:txBody>
       </p:sp>
     </p:spTree>
     <p:extLst>
       <p:ext uri="{BB962C8B-B14F-4D97-AF65-F5344CB8AC3E}">
-        <p14:creationId xmlns:p14="http://schemas.microsoft.com/office/powerpoint/2010/main" val="3177065622"/>
+        <p14:creationId xmlns:p14="http://schemas.microsoft.com/office/powerpoint/2010/main" val="3404534315"/>
       </p:ext>
     </p:extLst>
   </p:cSld>
@@ -10852,8 +11168,8 @@
         </p:blipFill>
         <p:spPr>
           <a:xfrm>
-            <a:off x="4246879" y="4883629"/>
-            <a:ext cx="3994754" cy="1148492"/>
+            <a:off x="0" y="0"/>
+            <a:ext cx="4122777" cy="1188823"/>
           </a:xfrm>
           <a:prstGeom prst="rect">
             <a:avLst/>
@@ -10892,6 +11208,224 @@
       </p:pic>
       <p:sp>
         <p:nvSpPr>
+          <p:cNvPr id="6" name="TextBox 5">
+            <a:extLst>
+              <a:ext uri="{FF2B5EF4-FFF2-40B4-BE49-F238E27FC236}">
+                <a16:creationId xmlns:a16="http://schemas.microsoft.com/office/drawing/2014/main" id="{B847AA18-6CA9-D912-75A4-409CFD02F272}"/>
+              </a:ext>
+            </a:extLst>
+          </p:cNvPr>
+          <p:cNvSpPr txBox="1"/>
+          <p:nvPr/>
+        </p:nvSpPr>
+        <p:spPr>
+          <a:xfrm>
+            <a:off x="1466850" y="2459504"/>
+            <a:ext cx="9258300" cy="1938992"/>
+          </a:xfrm>
+          <a:prstGeom prst="rect">
+            <a:avLst/>
+          </a:prstGeom>
+          <a:noFill/>
+        </p:spPr>
+        <p:txBody>
+          <a:bodyPr wrap="square">
+            <a:spAutoFit/>
+          </a:bodyPr>
+          <a:lstStyle/>
+          <a:p>
+            <a:pPr algn="l">
+              <a:buFont typeface="Arial" panose="020B0604020202020204" pitchFamily="34" charset="0"/>
+              <a:buChar char="•"/>
+            </a:pPr>
+            <a:r>
+              <a:rPr lang="en-US" sz="2000" b="1" i="0" dirty="0">
+                <a:solidFill>
+                  <a:srgbClr val="374151"/>
+                </a:solidFill>
+                <a:effectLst/>
+              </a:rPr>
+              <a:t> User-Defined Histograms:</a:t>
+            </a:r>
+            <a:endParaRPr lang="en-US" sz="2000" b="0" i="0" dirty="0">
+              <a:solidFill>
+                <a:srgbClr val="374151"/>
+              </a:solidFill>
+              <a:effectLst/>
+            </a:endParaRPr>
+          </a:p>
+          <a:p>
+            <a:pPr lvl="1" algn="l"/>
+            <a:r>
+              <a:rPr lang="en-US" sz="2000" b="0" i="0" dirty="0">
+                <a:solidFill>
+                  <a:srgbClr val="374151"/>
+                </a:solidFill>
+                <a:effectLst/>
+              </a:rPr>
+              <a:t>Allow users to choose displayed histogram types.</a:t>
+            </a:r>
+          </a:p>
+          <a:p>
+            <a:pPr algn="l">
+              <a:buFont typeface="Arial" panose="020B0604020202020204" pitchFamily="34" charset="0"/>
+              <a:buChar char="•"/>
+            </a:pPr>
+            <a:r>
+              <a:rPr lang="en-US" sz="2000" b="1" i="0" dirty="0">
+                <a:solidFill>
+                  <a:srgbClr val="374151"/>
+                </a:solidFill>
+                <a:effectLst/>
+              </a:rPr>
+              <a:t> Enhanced Selection Modes:</a:t>
+            </a:r>
+            <a:endParaRPr lang="en-US" sz="2000" b="0" i="0" dirty="0">
+              <a:solidFill>
+                <a:srgbClr val="374151"/>
+              </a:solidFill>
+              <a:effectLst/>
+            </a:endParaRPr>
+          </a:p>
+          <a:p>
+            <a:pPr lvl="1" algn="l"/>
+            <a:r>
+              <a:rPr lang="en-US" sz="2000" b="0" i="0" dirty="0">
+                <a:solidFill>
+                  <a:srgbClr val="374151"/>
+                </a:solidFill>
+                <a:effectLst/>
+              </a:rPr>
+              <a:t>Implement selection from Parallel Coordinates or Boxplot.</a:t>
+            </a:r>
+          </a:p>
+          <a:p>
+            <a:pPr algn="l">
+              <a:buFont typeface="Arial" panose="020B0604020202020204" pitchFamily="34" charset="0"/>
+              <a:buChar char="•"/>
+            </a:pPr>
+            <a:r>
+              <a:rPr lang="en-US" sz="2000" b="1" i="0" dirty="0">
+                <a:solidFill>
+                  <a:srgbClr val="374151"/>
+                </a:solidFill>
+                <a:effectLst/>
+              </a:rPr>
+              <a:t> Customized Scatter-Plot:</a:t>
+            </a:r>
+            <a:endParaRPr lang="en-US" sz="2000" b="0" i="0" dirty="0">
+              <a:solidFill>
+                <a:srgbClr val="374151"/>
+              </a:solidFill>
+              <a:effectLst/>
+            </a:endParaRPr>
+          </a:p>
+          <a:p>
+            <a:pPr lvl="1" algn="l"/>
+            <a:r>
+              <a:rPr lang="en-US" sz="2000" b="0" i="0" dirty="0">
+                <a:solidFill>
+                  <a:srgbClr val="374151"/>
+                </a:solidFill>
+                <a:effectLst/>
+              </a:rPr>
+              <a:t>Add/remove apps for personalized views.</a:t>
+            </a:r>
+          </a:p>
+        </p:txBody>
+      </p:sp>
+    </p:spTree>
+    <p:extLst>
+      <p:ext uri="{BB962C8B-B14F-4D97-AF65-F5344CB8AC3E}">
+        <p14:creationId xmlns:p14="http://schemas.microsoft.com/office/powerpoint/2010/main" val="4075522333"/>
+      </p:ext>
+    </p:extLst>
+  </p:cSld>
+  <p:clrMapOvr>
+    <a:masterClrMapping/>
+  </p:clrMapOvr>
+</p:sld>
+</file>
+
+<file path=ppt/slides/slide26.xml><?xml version="1.0" encoding="utf-8"?>
+<p:sld xmlns:a="http://schemas.openxmlformats.org/drawingml/2006/main" xmlns:r="http://schemas.openxmlformats.org/officeDocument/2006/relationships" xmlns:p="http://schemas.openxmlformats.org/presentationml/2006/main">
+  <p:cSld>
+    <p:spTree>
+      <p:nvGrpSpPr>
+        <p:cNvPr id="1" name=""/>
+        <p:cNvGrpSpPr/>
+        <p:nvPr/>
+      </p:nvGrpSpPr>
+      <p:grpSpPr>
+        <a:xfrm>
+          <a:off x="0" y="0"/>
+          <a:ext cx="0" cy="0"/>
+          <a:chOff x="0" y="0"/>
+          <a:chExt cx="0" cy="0"/>
+        </a:xfrm>
+      </p:grpSpPr>
+      <p:pic>
+        <p:nvPicPr>
+          <p:cNvPr id="5" name="Picture 4">
+            <a:extLst>
+              <a:ext uri="{FF2B5EF4-FFF2-40B4-BE49-F238E27FC236}">
+                <a16:creationId xmlns:a16="http://schemas.microsoft.com/office/drawing/2014/main" id="{97208E95-350C-42E6-B380-7BD44320E562}"/>
+              </a:ext>
+            </a:extLst>
+          </p:cNvPr>
+          <p:cNvPicPr>
+            <a:picLocks noChangeAspect="1"/>
+          </p:cNvPicPr>
+          <p:nvPr/>
+        </p:nvPicPr>
+        <p:blipFill>
+          <a:blip r:embed="rId3"/>
+          <a:stretch>
+            <a:fillRect/>
+          </a:stretch>
+        </p:blipFill>
+        <p:spPr>
+          <a:xfrm>
+            <a:off x="4246879" y="4883629"/>
+            <a:ext cx="3994754" cy="1148492"/>
+          </a:xfrm>
+          <a:prstGeom prst="rect">
+            <a:avLst/>
+          </a:prstGeom>
+        </p:spPr>
+      </p:pic>
+      <p:pic>
+        <p:nvPicPr>
+          <p:cNvPr id="8" name="Picture 7">
+            <a:extLst>
+              <a:ext uri="{FF2B5EF4-FFF2-40B4-BE49-F238E27FC236}">
+                <a16:creationId xmlns:a16="http://schemas.microsoft.com/office/drawing/2014/main" id="{CBB624A8-BDB0-5088-0F32-B1BC7D4B2362}"/>
+              </a:ext>
+            </a:extLst>
+          </p:cNvPr>
+          <p:cNvPicPr>
+            <a:picLocks noChangeAspect="1"/>
+          </p:cNvPicPr>
+          <p:nvPr/>
+        </p:nvPicPr>
+        <p:blipFill>
+          <a:blip r:embed="rId4"/>
+          <a:stretch>
+            <a:fillRect/>
+          </a:stretch>
+        </p:blipFill>
+        <p:spPr>
+          <a:xfrm>
+            <a:off x="0" y="6129150"/>
+            <a:ext cx="12192000" cy="728850"/>
+          </a:xfrm>
+          <a:prstGeom prst="rect">
+            <a:avLst/>
+          </a:prstGeom>
+        </p:spPr>
+      </p:pic>
+      <p:sp>
+        <p:nvSpPr>
           <p:cNvPr id="3" name="TextBox 2">
             <a:extLst>
               <a:ext uri="{FF2B5EF4-FFF2-40B4-BE49-F238E27FC236}">
@@ -10931,6 +11465,142 @@
                 <a:latin typeface="Arial" panose="020B0604020202020204" pitchFamily="34" charset="0"/>
                 <a:cs typeface="Arial" panose="020B0604020202020204" pitchFamily="34" charset="0"/>
               </a:rPr>
+              <a:t>End</a:t>
+            </a:r>
+          </a:p>
+        </p:txBody>
+      </p:sp>
+    </p:spTree>
+    <p:extLst>
+      <p:ext uri="{BB962C8B-B14F-4D97-AF65-F5344CB8AC3E}">
+        <p14:creationId xmlns:p14="http://schemas.microsoft.com/office/powerpoint/2010/main" val="3177065622"/>
+      </p:ext>
+    </p:extLst>
+  </p:cSld>
+  <p:clrMapOvr>
+    <a:masterClrMapping/>
+  </p:clrMapOvr>
+</p:sld>
+</file>
+
+<file path=ppt/slides/slide27.xml><?xml version="1.0" encoding="utf-8"?>
+<p:sld xmlns:a="http://schemas.openxmlformats.org/drawingml/2006/main" xmlns:r="http://schemas.openxmlformats.org/officeDocument/2006/relationships" xmlns:p="http://schemas.openxmlformats.org/presentationml/2006/main">
+  <p:cSld>
+    <p:spTree>
+      <p:nvGrpSpPr>
+        <p:cNvPr id="1" name=""/>
+        <p:cNvGrpSpPr/>
+        <p:nvPr/>
+      </p:nvGrpSpPr>
+      <p:grpSpPr>
+        <a:xfrm>
+          <a:off x="0" y="0"/>
+          <a:ext cx="0" cy="0"/>
+          <a:chOff x="0" y="0"/>
+          <a:chExt cx="0" cy="0"/>
+        </a:xfrm>
+      </p:grpSpPr>
+      <p:pic>
+        <p:nvPicPr>
+          <p:cNvPr id="5" name="Picture 4">
+            <a:extLst>
+              <a:ext uri="{FF2B5EF4-FFF2-40B4-BE49-F238E27FC236}">
+                <a16:creationId xmlns:a16="http://schemas.microsoft.com/office/drawing/2014/main" id="{97208E95-350C-42E6-B380-7BD44320E562}"/>
+              </a:ext>
+            </a:extLst>
+          </p:cNvPr>
+          <p:cNvPicPr>
+            <a:picLocks noChangeAspect="1"/>
+          </p:cNvPicPr>
+          <p:nvPr/>
+        </p:nvPicPr>
+        <p:blipFill>
+          <a:blip r:embed="rId3"/>
+          <a:stretch>
+            <a:fillRect/>
+          </a:stretch>
+        </p:blipFill>
+        <p:spPr>
+          <a:xfrm>
+            <a:off x="4246879" y="4883629"/>
+            <a:ext cx="3994754" cy="1148492"/>
+          </a:xfrm>
+          <a:prstGeom prst="rect">
+            <a:avLst/>
+          </a:prstGeom>
+        </p:spPr>
+      </p:pic>
+      <p:pic>
+        <p:nvPicPr>
+          <p:cNvPr id="8" name="Picture 7">
+            <a:extLst>
+              <a:ext uri="{FF2B5EF4-FFF2-40B4-BE49-F238E27FC236}">
+                <a16:creationId xmlns:a16="http://schemas.microsoft.com/office/drawing/2014/main" id="{CBB624A8-BDB0-5088-0F32-B1BC7D4B2362}"/>
+              </a:ext>
+            </a:extLst>
+          </p:cNvPr>
+          <p:cNvPicPr>
+            <a:picLocks noChangeAspect="1"/>
+          </p:cNvPicPr>
+          <p:nvPr/>
+        </p:nvPicPr>
+        <p:blipFill>
+          <a:blip r:embed="rId4"/>
+          <a:stretch>
+            <a:fillRect/>
+          </a:stretch>
+        </p:blipFill>
+        <p:spPr>
+          <a:xfrm>
+            <a:off x="0" y="6129150"/>
+            <a:ext cx="12192000" cy="728850"/>
+          </a:xfrm>
+          <a:prstGeom prst="rect">
+            <a:avLst/>
+          </a:prstGeom>
+        </p:spPr>
+      </p:pic>
+      <p:sp>
+        <p:nvSpPr>
+          <p:cNvPr id="3" name="TextBox 2">
+            <a:extLst>
+              <a:ext uri="{FF2B5EF4-FFF2-40B4-BE49-F238E27FC236}">
+                <a16:creationId xmlns:a16="http://schemas.microsoft.com/office/drawing/2014/main" id="{E04FE398-5C0C-3249-79EB-E617646552EE}"/>
+              </a:ext>
+            </a:extLst>
+          </p:cNvPr>
+          <p:cNvSpPr txBox="1"/>
+          <p:nvPr/>
+        </p:nvSpPr>
+        <p:spPr>
+          <a:xfrm>
+            <a:off x="4233882" y="321448"/>
+            <a:ext cx="3994754" cy="646331"/>
+          </a:xfrm>
+          <a:prstGeom prst="rect">
+            <a:avLst/>
+          </a:prstGeom>
+          <a:noFill/>
+        </p:spPr>
+        <p:txBody>
+          <a:bodyPr wrap="square" rtlCol="0">
+            <a:spAutoFit/>
+          </a:bodyPr>
+          <a:lstStyle/>
+          <a:p>
+            <a:pPr algn="ctr"/>
+            <a:r>
+              <a:rPr lang="it-IT" sz="3600" dirty="0">
+                <a:effectLst>
+                  <a:outerShdw blurRad="38100" dist="38100" dir="2700000" algn="tl">
+                    <a:srgbClr val="000000">
+                      <a:alpha val="43137"/>
+                    </a:srgbClr>
+                  </a:outerShdw>
+                </a:effectLst>
+                <a:latin typeface="Arial" panose="020B0604020202020204" pitchFamily="34" charset="0"/>
+                <a:cs typeface="Arial" panose="020B0604020202020204" pitchFamily="34" charset="0"/>
+              </a:rPr>
               <a:t>Start Demo Part</a:t>
             </a:r>
           </a:p>
@@ -10985,10 +11655,559 @@
           </a:p>
         </p:txBody>
       </p:sp>
+      <p:grpSp>
+        <p:nvGrpSpPr>
+          <p:cNvPr id="2" name="Google Shape;891;p101">
+            <a:extLst>
+              <a:ext uri="{FF2B5EF4-FFF2-40B4-BE49-F238E27FC236}">
+                <a16:creationId xmlns:a16="http://schemas.microsoft.com/office/drawing/2014/main" id="{9C82F181-5301-C2E5-171D-4713B0F54F8B}"/>
+              </a:ext>
+            </a:extLst>
+          </p:cNvPr>
+          <p:cNvGrpSpPr/>
+          <p:nvPr/>
+        </p:nvGrpSpPr>
+        <p:grpSpPr>
+          <a:xfrm>
+            <a:off x="4059150" y="1112430"/>
+            <a:ext cx="4344217" cy="3651804"/>
+            <a:chOff x="2144600" y="1557475"/>
+            <a:chExt cx="3330800" cy="2596750"/>
+          </a:xfrm>
+        </p:grpSpPr>
+        <p:sp>
+          <p:nvSpPr>
+            <p:cNvPr id="6" name="Google Shape;892;p101">
+              <a:extLst>
+                <a:ext uri="{FF2B5EF4-FFF2-40B4-BE49-F238E27FC236}">
+                  <a16:creationId xmlns:a16="http://schemas.microsoft.com/office/drawing/2014/main" id="{699F6CE8-29F4-024B-3EE4-71A56FF82A75}"/>
+                </a:ext>
+              </a:extLst>
+            </p:cNvPr>
+            <p:cNvSpPr/>
+            <p:nvPr/>
+          </p:nvSpPr>
+          <p:spPr>
+            <a:xfrm>
+              <a:off x="2144600" y="1557475"/>
+              <a:ext cx="3330800" cy="2596750"/>
+            </a:xfrm>
+            <a:custGeom>
+              <a:avLst/>
+              <a:gdLst/>
+              <a:ahLst/>
+              <a:cxnLst/>
+              <a:rect l="l" t="t" r="r" b="b"/>
+              <a:pathLst>
+                <a:path w="133232" h="103870" extrusionOk="0">
+                  <a:moveTo>
+                    <a:pt x="129564" y="869"/>
+                  </a:moveTo>
+                  <a:cubicBezTo>
+                    <a:pt x="130314" y="869"/>
+                    <a:pt x="131017" y="1155"/>
+                    <a:pt x="131541" y="1691"/>
+                  </a:cubicBezTo>
+                  <a:cubicBezTo>
+                    <a:pt x="132065" y="2215"/>
+                    <a:pt x="132362" y="2917"/>
+                    <a:pt x="132362" y="3655"/>
+                  </a:cubicBezTo>
+                  <a:lnTo>
+                    <a:pt x="132362" y="6239"/>
+                  </a:lnTo>
+                  <a:lnTo>
+                    <a:pt x="870" y="6239"/>
+                  </a:lnTo>
+                  <a:lnTo>
+                    <a:pt x="870" y="3655"/>
+                  </a:lnTo>
+                  <a:cubicBezTo>
+                    <a:pt x="870" y="2917"/>
+                    <a:pt x="1167" y="2215"/>
+                    <a:pt x="1691" y="1691"/>
+                  </a:cubicBezTo>
+                  <a:cubicBezTo>
+                    <a:pt x="2215" y="1155"/>
+                    <a:pt x="2918" y="869"/>
+                    <a:pt x="3668" y="869"/>
+                  </a:cubicBezTo>
+                  <a:close/>
+                  <a:moveTo>
+                    <a:pt x="132362" y="7108"/>
+                  </a:moveTo>
+                  <a:lnTo>
+                    <a:pt x="132362" y="76771"/>
+                  </a:lnTo>
+                  <a:lnTo>
+                    <a:pt x="870" y="76771"/>
+                  </a:lnTo>
+                  <a:lnTo>
+                    <a:pt x="870" y="7108"/>
+                  </a:lnTo>
+                  <a:close/>
+                  <a:moveTo>
+                    <a:pt x="132362" y="77641"/>
+                  </a:moveTo>
+                  <a:lnTo>
+                    <a:pt x="132362" y="82939"/>
+                  </a:lnTo>
+                  <a:cubicBezTo>
+                    <a:pt x="132362" y="83677"/>
+                    <a:pt x="132065" y="84379"/>
+                    <a:pt x="131541" y="84903"/>
+                  </a:cubicBezTo>
+                  <a:cubicBezTo>
+                    <a:pt x="131017" y="85439"/>
+                    <a:pt x="130314" y="85725"/>
+                    <a:pt x="129564" y="85725"/>
+                  </a:cubicBezTo>
+                  <a:lnTo>
+                    <a:pt x="3668" y="85725"/>
+                  </a:lnTo>
+                  <a:cubicBezTo>
+                    <a:pt x="2918" y="85725"/>
+                    <a:pt x="2215" y="85439"/>
+                    <a:pt x="1691" y="84903"/>
+                  </a:cubicBezTo>
+                  <a:cubicBezTo>
+                    <a:pt x="1167" y="84379"/>
+                    <a:pt x="870" y="83677"/>
+                    <a:pt x="870" y="82939"/>
+                  </a:cubicBezTo>
+                  <a:lnTo>
+                    <a:pt x="870" y="77641"/>
+                  </a:lnTo>
+                  <a:close/>
+                  <a:moveTo>
+                    <a:pt x="78987" y="86594"/>
+                  </a:moveTo>
+                  <a:lnTo>
+                    <a:pt x="78987" y="86665"/>
+                  </a:lnTo>
+                  <a:cubicBezTo>
+                    <a:pt x="79058" y="94214"/>
+                    <a:pt x="80951" y="97560"/>
+                    <a:pt x="82082" y="98881"/>
+                  </a:cubicBezTo>
+                  <a:lnTo>
+                    <a:pt x="82177" y="99000"/>
+                  </a:lnTo>
+                  <a:lnTo>
+                    <a:pt x="51043" y="99000"/>
+                  </a:lnTo>
+                  <a:lnTo>
+                    <a:pt x="51150" y="98881"/>
+                  </a:lnTo>
+                  <a:cubicBezTo>
+                    <a:pt x="52281" y="97560"/>
+                    <a:pt x="54174" y="94214"/>
+                    <a:pt x="54257" y="86665"/>
+                  </a:cubicBezTo>
+                  <a:lnTo>
+                    <a:pt x="54257" y="86594"/>
+                  </a:lnTo>
+                  <a:close/>
+                  <a:moveTo>
+                    <a:pt x="89833" y="99869"/>
+                  </a:moveTo>
+                  <a:cubicBezTo>
+                    <a:pt x="90417" y="99869"/>
+                    <a:pt x="91071" y="100108"/>
+                    <a:pt x="91595" y="100501"/>
+                  </a:cubicBezTo>
+                  <a:cubicBezTo>
+                    <a:pt x="92155" y="100917"/>
+                    <a:pt x="92464" y="101453"/>
+                    <a:pt x="92464" y="101965"/>
+                  </a:cubicBezTo>
+                  <a:lnTo>
+                    <a:pt x="92464" y="103001"/>
+                  </a:lnTo>
+                  <a:lnTo>
+                    <a:pt x="40768" y="103001"/>
+                  </a:lnTo>
+                  <a:lnTo>
+                    <a:pt x="40768" y="101965"/>
+                  </a:lnTo>
+                  <a:cubicBezTo>
+                    <a:pt x="40768" y="101453"/>
+                    <a:pt x="41089" y="100917"/>
+                    <a:pt x="41637" y="100501"/>
+                  </a:cubicBezTo>
+                  <a:cubicBezTo>
+                    <a:pt x="42161" y="100108"/>
+                    <a:pt x="42815" y="99869"/>
+                    <a:pt x="43399" y="99869"/>
+                  </a:cubicBezTo>
+                  <a:close/>
+                  <a:moveTo>
+                    <a:pt x="3668" y="0"/>
+                  </a:moveTo>
+                  <a:cubicBezTo>
+                    <a:pt x="1644" y="0"/>
+                    <a:pt x="1" y="1643"/>
+                    <a:pt x="1" y="3655"/>
+                  </a:cubicBezTo>
+                  <a:lnTo>
+                    <a:pt x="1" y="82939"/>
+                  </a:lnTo>
+                  <a:cubicBezTo>
+                    <a:pt x="1" y="84951"/>
+                    <a:pt x="1644" y="86594"/>
+                    <a:pt x="3668" y="86594"/>
+                  </a:cubicBezTo>
+                  <a:lnTo>
+                    <a:pt x="53388" y="86594"/>
+                  </a:lnTo>
+                  <a:lnTo>
+                    <a:pt x="53388" y="86665"/>
+                  </a:lnTo>
+                  <a:cubicBezTo>
+                    <a:pt x="53329" y="91940"/>
+                    <a:pt x="52352" y="95000"/>
+                    <a:pt x="51555" y="96643"/>
+                  </a:cubicBezTo>
+                  <a:cubicBezTo>
+                    <a:pt x="51066" y="97607"/>
+                    <a:pt x="50590" y="98203"/>
+                    <a:pt x="50281" y="98536"/>
+                  </a:cubicBezTo>
+                  <a:cubicBezTo>
+                    <a:pt x="50138" y="98691"/>
+                    <a:pt x="49995" y="98822"/>
+                    <a:pt x="49852" y="98929"/>
+                  </a:cubicBezTo>
+                  <a:cubicBezTo>
+                    <a:pt x="49828" y="98953"/>
+                    <a:pt x="49804" y="98965"/>
+                    <a:pt x="49781" y="98988"/>
+                  </a:cubicBezTo>
+                  <a:lnTo>
+                    <a:pt x="49757" y="99000"/>
+                  </a:lnTo>
+                  <a:lnTo>
+                    <a:pt x="43411" y="99000"/>
+                  </a:lnTo>
+                  <a:cubicBezTo>
+                    <a:pt x="42601" y="99000"/>
+                    <a:pt x="41720" y="99322"/>
+                    <a:pt x="41041" y="99858"/>
+                  </a:cubicBezTo>
+                  <a:cubicBezTo>
+                    <a:pt x="40303" y="100441"/>
+                    <a:pt x="39898" y="101191"/>
+                    <a:pt x="39898" y="101965"/>
+                  </a:cubicBezTo>
+                  <a:lnTo>
+                    <a:pt x="39898" y="103441"/>
+                  </a:lnTo>
+                  <a:cubicBezTo>
+                    <a:pt x="39898" y="103679"/>
+                    <a:pt x="40089" y="103870"/>
+                    <a:pt x="40339" y="103870"/>
+                  </a:cubicBezTo>
+                  <a:lnTo>
+                    <a:pt x="92905" y="103870"/>
+                  </a:lnTo>
+                  <a:cubicBezTo>
+                    <a:pt x="93143" y="103870"/>
+                    <a:pt x="93334" y="103679"/>
+                    <a:pt x="93334" y="103441"/>
+                  </a:cubicBezTo>
+                  <a:lnTo>
+                    <a:pt x="93334" y="101977"/>
+                  </a:lnTo>
+                  <a:cubicBezTo>
+                    <a:pt x="93334" y="101191"/>
+                    <a:pt x="92929" y="100441"/>
+                    <a:pt x="92191" y="99858"/>
+                  </a:cubicBezTo>
+                  <a:cubicBezTo>
+                    <a:pt x="91512" y="99322"/>
+                    <a:pt x="90631" y="99000"/>
+                    <a:pt x="89833" y="99000"/>
+                  </a:cubicBezTo>
+                  <a:lnTo>
+                    <a:pt x="83475" y="99000"/>
+                  </a:lnTo>
+                  <a:lnTo>
+                    <a:pt x="83451" y="98988"/>
+                  </a:lnTo>
+                  <a:cubicBezTo>
+                    <a:pt x="83166" y="98786"/>
+                    <a:pt x="82416" y="98167"/>
+                    <a:pt x="81666" y="96631"/>
+                  </a:cubicBezTo>
+                  <a:cubicBezTo>
+                    <a:pt x="80511" y="94262"/>
+                    <a:pt x="79891" y="90916"/>
+                    <a:pt x="79856" y="86665"/>
+                  </a:cubicBezTo>
+                  <a:lnTo>
+                    <a:pt x="79844" y="86594"/>
+                  </a:lnTo>
+                  <a:lnTo>
+                    <a:pt x="129564" y="86594"/>
+                  </a:lnTo>
+                  <a:cubicBezTo>
+                    <a:pt x="131588" y="86594"/>
+                    <a:pt x="133231" y="84951"/>
+                    <a:pt x="133231" y="82939"/>
+                  </a:cubicBezTo>
+                  <a:lnTo>
+                    <a:pt x="133231" y="3655"/>
+                  </a:lnTo>
+                  <a:cubicBezTo>
+                    <a:pt x="133231" y="1643"/>
+                    <a:pt x="131588" y="0"/>
+                    <a:pt x="129564" y="0"/>
+                  </a:cubicBezTo>
+                  <a:close/>
+                </a:path>
+              </a:pathLst>
+            </a:custGeom>
+            <a:solidFill>
+              <a:srgbClr val="383838"/>
+            </a:solidFill>
+            <a:ln>
+              <a:noFill/>
+            </a:ln>
+          </p:spPr>
+          <p:txBody>
+            <a:bodyPr spcFirstLastPara="1" wrap="square" lIns="91425" tIns="91425" rIns="91425" bIns="91425" anchor="ctr" anchorCtr="0">
+              <a:noAutofit/>
+            </a:bodyPr>
+            <a:lstStyle/>
+            <a:p>
+              <a:pPr marL="0" marR="0" lvl="0" indent="0" defTabSz="914400" eaLnBrk="1" fontAlgn="auto" latinLnBrk="0" hangingPunct="1">
+                <a:lnSpc>
+                  <a:spcPct val="100000"/>
+                </a:lnSpc>
+                <a:spcBef>
+                  <a:spcPts val="0"/>
+                </a:spcBef>
+                <a:spcAft>
+                  <a:spcPts val="0"/>
+                </a:spcAft>
+                <a:buClr>
+                  <a:srgbClr val="000000"/>
+                </a:buClr>
+                <a:buSzTx/>
+                <a:buFont typeface="Arial"/>
+                <a:buNone/>
+                <a:tabLst/>
+                <a:defRPr/>
+              </a:pPr>
+              <a:endParaRPr kumimoji="0" sz="1400" b="0" i="0" u="none" strike="noStrike" kern="0" cap="none" spc="0" normalizeH="0" baseline="0" noProof="0">
+                <a:ln>
+                  <a:noFill/>
+                </a:ln>
+                <a:solidFill>
+                  <a:srgbClr val="000000"/>
+                </a:solidFill>
+                <a:effectLst/>
+                <a:uLnTx/>
+                <a:uFillTx/>
+                <a:latin typeface="Arial"/>
+                <a:cs typeface="Arial"/>
+                <a:sym typeface="Arial"/>
+              </a:endParaRPr>
+            </a:p>
+          </p:txBody>
+        </p:sp>
+        <p:sp>
+          <p:nvSpPr>
+            <p:cNvPr id="7" name="Google Shape;893;p101">
+              <a:extLst>
+                <a:ext uri="{FF2B5EF4-FFF2-40B4-BE49-F238E27FC236}">
+                  <a16:creationId xmlns:a16="http://schemas.microsoft.com/office/drawing/2014/main" id="{7C7E7738-81EA-EDF0-B9DD-604A3737384D}"/>
+                </a:ext>
+              </a:extLst>
+            </p:cNvPr>
+            <p:cNvSpPr/>
+            <p:nvPr/>
+          </p:nvSpPr>
+          <p:spPr>
+            <a:xfrm>
+              <a:off x="3678425" y="3558900"/>
+              <a:ext cx="263150" cy="79800"/>
+            </a:xfrm>
+            <a:custGeom>
+              <a:avLst/>
+              <a:gdLst/>
+              <a:ahLst/>
+              <a:cxnLst/>
+              <a:rect l="l" t="t" r="r" b="b"/>
+              <a:pathLst>
+                <a:path w="10526" h="3192" extrusionOk="0">
+                  <a:moveTo>
+                    <a:pt x="8930" y="941"/>
+                  </a:moveTo>
+                  <a:cubicBezTo>
+                    <a:pt x="9121" y="941"/>
+                    <a:pt x="9275" y="1013"/>
+                    <a:pt x="9394" y="1132"/>
+                  </a:cubicBezTo>
+                  <a:cubicBezTo>
+                    <a:pt x="9514" y="1251"/>
+                    <a:pt x="9585" y="1417"/>
+                    <a:pt x="9585" y="1596"/>
+                  </a:cubicBezTo>
+                  <a:cubicBezTo>
+                    <a:pt x="9585" y="1775"/>
+                    <a:pt x="9514" y="1929"/>
+                    <a:pt x="9394" y="2048"/>
+                  </a:cubicBezTo>
+                  <a:cubicBezTo>
+                    <a:pt x="9275" y="2167"/>
+                    <a:pt x="9121" y="2239"/>
+                    <a:pt x="8930" y="2239"/>
+                  </a:cubicBezTo>
+                  <a:lnTo>
+                    <a:pt x="1596" y="2239"/>
+                  </a:lnTo>
+                  <a:cubicBezTo>
+                    <a:pt x="1405" y="2239"/>
+                    <a:pt x="1251" y="2167"/>
+                    <a:pt x="1132" y="2048"/>
+                  </a:cubicBezTo>
+                  <a:cubicBezTo>
+                    <a:pt x="1012" y="1929"/>
+                    <a:pt x="941" y="1775"/>
+                    <a:pt x="941" y="1596"/>
+                  </a:cubicBezTo>
+                  <a:cubicBezTo>
+                    <a:pt x="941" y="1417"/>
+                    <a:pt x="1012" y="1251"/>
+                    <a:pt x="1132" y="1132"/>
+                  </a:cubicBezTo>
+                  <a:cubicBezTo>
+                    <a:pt x="1251" y="1013"/>
+                    <a:pt x="1405" y="941"/>
+                    <a:pt x="1596" y="941"/>
+                  </a:cubicBezTo>
+                  <a:close/>
+                  <a:moveTo>
+                    <a:pt x="1596" y="1"/>
+                  </a:moveTo>
+                  <a:cubicBezTo>
+                    <a:pt x="715" y="1"/>
+                    <a:pt x="0" y="715"/>
+                    <a:pt x="0" y="1596"/>
+                  </a:cubicBezTo>
+                  <a:cubicBezTo>
+                    <a:pt x="0" y="2477"/>
+                    <a:pt x="715" y="3191"/>
+                    <a:pt x="1596" y="3191"/>
+                  </a:cubicBezTo>
+                  <a:lnTo>
+                    <a:pt x="8942" y="3191"/>
+                  </a:lnTo>
+                  <a:cubicBezTo>
+                    <a:pt x="9811" y="3191"/>
+                    <a:pt x="10526" y="2465"/>
+                    <a:pt x="10526" y="1596"/>
+                  </a:cubicBezTo>
+                  <a:cubicBezTo>
+                    <a:pt x="10526" y="715"/>
+                    <a:pt x="9811" y="1"/>
+                    <a:pt x="8942" y="1"/>
+                  </a:cubicBezTo>
+                  <a:close/>
+                </a:path>
+              </a:pathLst>
+            </a:custGeom>
+            <a:solidFill>
+              <a:srgbClr val="383838"/>
+            </a:solidFill>
+            <a:ln>
+              <a:noFill/>
+            </a:ln>
+          </p:spPr>
+          <p:txBody>
+            <a:bodyPr spcFirstLastPara="1" wrap="square" lIns="91425" tIns="91425" rIns="91425" bIns="91425" anchor="ctr" anchorCtr="0">
+              <a:noAutofit/>
+            </a:bodyPr>
+            <a:lstStyle/>
+            <a:p>
+              <a:pPr marL="0" marR="0" lvl="0" indent="0" defTabSz="914400" eaLnBrk="1" fontAlgn="auto" latinLnBrk="0" hangingPunct="1">
+                <a:lnSpc>
+                  <a:spcPct val="100000"/>
+                </a:lnSpc>
+                <a:spcBef>
+                  <a:spcPts val="0"/>
+                </a:spcBef>
+                <a:spcAft>
+                  <a:spcPts val="0"/>
+                </a:spcAft>
+                <a:buClr>
+                  <a:srgbClr val="000000"/>
+                </a:buClr>
+                <a:buSzTx/>
+                <a:buFont typeface="Arial"/>
+                <a:buNone/>
+                <a:tabLst/>
+                <a:defRPr/>
+              </a:pPr>
+              <a:endParaRPr kumimoji="0" sz="1400" b="0" i="0" u="none" strike="noStrike" kern="0" cap="none" spc="0" normalizeH="0" baseline="0" noProof="0">
+                <a:ln>
+                  <a:noFill/>
+                </a:ln>
+                <a:solidFill>
+                  <a:srgbClr val="000000"/>
+                </a:solidFill>
+                <a:effectLst/>
+                <a:uLnTx/>
+                <a:uFillTx/>
+                <a:latin typeface="Arial"/>
+                <a:cs typeface="Arial"/>
+                <a:sym typeface="Arial"/>
+              </a:endParaRPr>
+            </a:p>
+          </p:txBody>
+        </p:sp>
+      </p:grpSp>
+      <p:pic>
+        <p:nvPicPr>
+          <p:cNvPr id="9" name="Picture 8">
+            <a:extLst>
+              <a:ext uri="{FF2B5EF4-FFF2-40B4-BE49-F238E27FC236}">
+                <a16:creationId xmlns:a16="http://schemas.microsoft.com/office/drawing/2014/main" id="{B1B3AF0D-469A-8765-9D54-0024A4C32D99}"/>
+              </a:ext>
+            </a:extLst>
+          </p:cNvPr>
+          <p:cNvPicPr>
+            <a:picLocks noChangeAspect="1"/>
+          </p:cNvPicPr>
+          <p:nvPr/>
+        </p:nvPicPr>
+        <p:blipFill>
+          <a:blip r:embed="rId5">
+            <a:extLst>
+              <a:ext uri="{28A0092B-C50C-407E-A947-70E740481C1C}">
+                <a14:useLocalDpi xmlns:a14="http://schemas.microsoft.com/office/drawing/2010/main" val="0"/>
+              </a:ext>
+            </a:extLst>
+          </a:blip>
+          <a:stretch>
+            <a:fillRect/>
+          </a:stretch>
+        </p:blipFill>
+        <p:spPr>
+          <a:xfrm>
+            <a:off x="4059150" y="1344487"/>
+            <a:ext cx="4344217" cy="2485514"/>
+          </a:xfrm>
+          <a:prstGeom prst="rect">
+            <a:avLst/>
+          </a:prstGeom>
+        </p:spPr>
+      </p:pic>
     </p:spTree>
     <p:extLst>
       <p:ext uri="{BB962C8B-B14F-4D97-AF65-F5344CB8AC3E}">
-        <p14:creationId xmlns:p14="http://schemas.microsoft.com/office/powerpoint/2010/main" val="178709382"/>
+        <p14:creationId xmlns:p14="http://schemas.microsoft.com/office/powerpoint/2010/main" val="4140719858"/>
       </p:ext>
     </p:extLst>
   </p:cSld>
